--- a/deliverables/Project_presentation.pptx
+++ b/deliverables/Project_presentation.pptx
@@ -5,7 +5,7 @@
     <p:sldMasterId id="2147483648" r:id="rId1"/>
   </p:sldMasterIdLst>
   <p:notesMasterIdLst>
-    <p:notesMasterId r:id="rId16"/>
+    <p:notesMasterId r:id="rId15"/>
   </p:notesMasterIdLst>
   <p:sldIdLst>
     <p:sldId id="256" r:id="rId2"/>
@@ -18,10 +18,9 @@
     <p:sldId id="266" r:id="rId9"/>
     <p:sldId id="265" r:id="rId10"/>
     <p:sldId id="270" r:id="rId11"/>
-    <p:sldId id="267" r:id="rId12"/>
-    <p:sldId id="268" r:id="rId13"/>
+    <p:sldId id="268" r:id="rId12"/>
+    <p:sldId id="269" r:id="rId13"/>
     <p:sldId id="261" r:id="rId14"/>
-    <p:sldId id="269" r:id="rId15"/>
   </p:sldIdLst>
   <p:sldSz cx="12192000" cy="6858000"/>
   <p:notesSz cx="6858000" cy="9144000"/>
@@ -1626,29 +1625,57 @@
 <dgm:dataModel xmlns:dgm="http://schemas.openxmlformats.org/drawingml/2006/diagram" xmlns:a="http://schemas.openxmlformats.org/drawingml/2006/main">
   <dgm:ptLst>
     <dgm:pt modelId="{438416E7-1283-4D1F-A0C9-DABDD2F27FCE}" type="doc">
-      <dgm:prSet loTypeId="urn:microsoft.com/office/officeart/2005/8/layout/process1" loCatId="process" qsTypeId="urn:microsoft.com/office/officeart/2005/8/quickstyle/simple1" qsCatId="simple" csTypeId="urn:microsoft.com/office/officeart/2005/8/colors/accent1_2" csCatId="accent1" phldr="1"/>
+      <dgm:prSet loTypeId="urn:microsoft.com/office/officeart/2005/8/layout/process1" loCatId="process" qsTypeId="urn:microsoft.com/office/officeart/2005/8/quickstyle/simple2" qsCatId="simple" csTypeId="urn:microsoft.com/office/officeart/2005/8/colors/accent1_2" csCatId="accent1" phldr="1"/>
       <dgm:spPr/>
     </dgm:pt>
     <dgm:pt modelId="{DE464311-0A12-482A-9F17-E14388DF3C78}">
       <dgm:prSet phldrT="[Text]"/>
-      <dgm:spPr/>
+      <dgm:spPr>
+        <a:solidFill>
+          <a:srgbClr val="D6CA2A"/>
+        </a:solidFill>
+      </dgm:spPr>
       <dgm:t>
         <a:bodyPr/>
         <a:lstStyle/>
         <a:p>
           <a:r>
-            <a:rPr lang="es-ES" dirty="0" err="1"/>
+            <a:rPr lang="es-ES" dirty="0" err="1">
+              <a:solidFill>
+                <a:schemeClr val="bg1">
+                  <a:lumMod val="50000"/>
+                </a:schemeClr>
+              </a:solidFill>
+            </a:rPr>
             <a:t>Baseline</a:t>
           </a:r>
           <a:r>
-            <a:rPr lang="es-ES" dirty="0"/>
+            <a:rPr lang="es-ES" dirty="0">
+              <a:solidFill>
+                <a:schemeClr val="bg1">
+                  <a:lumMod val="50000"/>
+                </a:schemeClr>
+              </a:solidFill>
+            </a:rPr>
             <a:t> </a:t>
           </a:r>
           <a:r>
-            <a:rPr lang="es-ES" dirty="0" err="1"/>
+            <a:rPr lang="es-ES" dirty="0" err="1">
+              <a:solidFill>
+                <a:schemeClr val="bg1">
+                  <a:lumMod val="50000"/>
+                </a:schemeClr>
+              </a:solidFill>
+            </a:rPr>
             <a:t>model</a:t>
           </a:r>
-          <a:endParaRPr lang="en-US" dirty="0"/>
+          <a:endParaRPr lang="en-US" dirty="0">
+            <a:solidFill>
+              <a:schemeClr val="bg1">
+                <a:lumMod val="50000"/>
+              </a:schemeClr>
+            </a:solidFill>
+          </a:endParaRPr>
         </a:p>
       </dgm:t>
     </dgm:pt>
@@ -1665,39 +1692,88 @@
     </dgm:pt>
     <dgm:pt modelId="{5548BE58-DCE4-4A08-92C6-20153C2868E4}" type="sibTrans" cxnId="{782F3FF5-28A4-46CE-8887-EA02D7772417}">
       <dgm:prSet/>
-      <dgm:spPr/>
+      <dgm:spPr>
+        <a:solidFill>
+          <a:schemeClr val="bg1">
+            <a:lumMod val="65000"/>
+          </a:schemeClr>
+        </a:solidFill>
+      </dgm:spPr>
       <dgm:t>
         <a:bodyPr/>
         <a:lstStyle/>
         <a:p>
-          <a:endParaRPr lang="en-US"/>
+          <a:endParaRPr lang="en-US">
+            <a:solidFill>
+              <a:schemeClr val="bg1">
+                <a:lumMod val="50000"/>
+              </a:schemeClr>
+            </a:solidFill>
+            <a:highlight>
+              <a:srgbClr val="C0C0C0"/>
+            </a:highlight>
+          </a:endParaRPr>
         </a:p>
       </dgm:t>
     </dgm:pt>
     <dgm:pt modelId="{C14BC89A-F795-4693-887E-85C90EF4DF63}">
       <dgm:prSet phldrT="[Text]"/>
-      <dgm:spPr/>
+      <dgm:spPr>
+        <a:solidFill>
+          <a:srgbClr val="D6CA2A"/>
+        </a:solidFill>
+      </dgm:spPr>
       <dgm:t>
         <a:bodyPr/>
         <a:lstStyle/>
         <a:p>
           <a:r>
-            <a:rPr lang="es-ES" dirty="0"/>
-            <a:t>4 </a:t>
+            <a:rPr lang="es-ES" dirty="0">
+              <a:solidFill>
+                <a:schemeClr val="bg1">
+                  <a:lumMod val="50000"/>
+                </a:schemeClr>
+              </a:solidFill>
+            </a:rPr>
+            <a:t>4 + 2 </a:t>
           </a:r>
           <a:r>
-            <a:rPr lang="es-ES" dirty="0" err="1"/>
+            <a:rPr lang="es-ES" dirty="0" err="1">
+              <a:solidFill>
+                <a:schemeClr val="bg1">
+                  <a:lumMod val="50000"/>
+                </a:schemeClr>
+              </a:solidFill>
+            </a:rPr>
             <a:t>model</a:t>
           </a:r>
           <a:r>
-            <a:rPr lang="es-ES" dirty="0"/>
+            <a:rPr lang="es-ES" dirty="0">
+              <a:solidFill>
+                <a:schemeClr val="bg1">
+                  <a:lumMod val="50000"/>
+                </a:schemeClr>
+              </a:solidFill>
+            </a:rPr>
             <a:t> </a:t>
           </a:r>
           <a:r>
-            <a:rPr lang="es-ES" dirty="0" err="1"/>
+            <a:rPr lang="es-ES" dirty="0" err="1">
+              <a:solidFill>
+                <a:schemeClr val="bg1">
+                  <a:lumMod val="50000"/>
+                </a:schemeClr>
+              </a:solidFill>
+            </a:rPr>
             <a:t>iterations</a:t>
           </a:r>
-          <a:endParaRPr lang="en-US" dirty="0"/>
+          <a:endParaRPr lang="en-US" dirty="0">
+            <a:solidFill>
+              <a:schemeClr val="bg1">
+                <a:lumMod val="50000"/>
+              </a:schemeClr>
+            </a:solidFill>
+          </a:endParaRPr>
         </a:p>
       </dgm:t>
     </dgm:pt>
@@ -1714,31 +1790,63 @@
     </dgm:pt>
     <dgm:pt modelId="{FF10A927-E604-4E6B-A678-49EBFFFF6EA3}" type="sibTrans" cxnId="{D89BC4B2-5A63-403A-BFED-13F4636DAA4D}">
       <dgm:prSet/>
-      <dgm:spPr/>
+      <dgm:spPr>
+        <a:solidFill>
+          <a:schemeClr val="bg1">
+            <a:lumMod val="65000"/>
+          </a:schemeClr>
+        </a:solidFill>
+      </dgm:spPr>
       <dgm:t>
         <a:bodyPr/>
         <a:lstStyle/>
         <a:p>
-          <a:endParaRPr lang="en-US"/>
+          <a:endParaRPr lang="en-US">
+            <a:highlight>
+              <a:srgbClr val="C0C0C0"/>
+            </a:highlight>
+          </a:endParaRPr>
         </a:p>
       </dgm:t>
     </dgm:pt>
     <dgm:pt modelId="{857A1F93-9117-487D-8F9A-598A4578A918}">
       <dgm:prSet phldrT="[Text]"/>
-      <dgm:spPr/>
+      <dgm:spPr>
+        <a:solidFill>
+          <a:srgbClr val="D6CA2A"/>
+        </a:solidFill>
+      </dgm:spPr>
       <dgm:t>
         <a:bodyPr/>
         <a:lstStyle/>
         <a:p>
           <a:r>
-            <a:rPr lang="es-ES" dirty="0"/>
+            <a:rPr lang="es-ES" dirty="0">
+              <a:solidFill>
+                <a:schemeClr val="bg1">
+                  <a:lumMod val="50000"/>
+                </a:schemeClr>
+              </a:solidFill>
+            </a:rPr>
             <a:t>Final </a:t>
           </a:r>
           <a:r>
-            <a:rPr lang="es-ES" dirty="0" err="1"/>
+            <a:rPr lang="es-ES" dirty="0" err="1">
+              <a:solidFill>
+                <a:schemeClr val="bg1">
+                  <a:lumMod val="50000"/>
+                </a:schemeClr>
+              </a:solidFill>
+            </a:rPr>
             <a:t>model</a:t>
           </a:r>
-          <a:endParaRPr lang="en-US" dirty="0"/>
+          <a:endParaRPr lang="en-US" dirty="0">
+            <a:solidFill>
+              <a:schemeClr val="bg1">
+                <a:lumMod val="50000"/>
+              </a:schemeClr>
+            </a:solidFill>
+          </a:endParaRPr>
         </a:p>
       </dgm:t>
     </dgm:pt>
@@ -1853,24 +1961,44 @@
     </dgm:pt>
     <dgm:pt modelId="{DE464311-0A12-482A-9F17-E14388DF3C78}">
       <dgm:prSet phldrT="[Text]" custT="1"/>
-      <dgm:spPr/>
+      <dgm:spPr>
+        <a:solidFill>
+          <a:srgbClr val="D6CA2A"/>
+        </a:solidFill>
+      </dgm:spPr>
       <dgm:t>
         <a:bodyPr/>
         <a:lstStyle/>
         <a:p>
           <a:r>
-            <a:rPr lang="es-ES" sz="1800" dirty="0" err="1"/>
+            <a:rPr lang="es-ES" sz="3700" dirty="0" err="1">
+              <a:solidFill>
+                <a:srgbClr val="7F7F7F"/>
+              </a:solidFill>
+            </a:rPr>
             <a:t>Baseline</a:t>
           </a:r>
           <a:r>
-            <a:rPr lang="es-ES" sz="1800" dirty="0"/>
+            <a:rPr lang="es-ES" sz="3700" dirty="0">
+              <a:solidFill>
+                <a:srgbClr val="7F7F7F"/>
+              </a:solidFill>
+            </a:rPr>
             <a:t> </a:t>
           </a:r>
           <a:r>
-            <a:rPr lang="es-ES" sz="1800" dirty="0" err="1"/>
+            <a:rPr lang="es-ES" sz="3700" dirty="0" err="1">
+              <a:solidFill>
+                <a:srgbClr val="7F7F7F"/>
+              </a:solidFill>
+            </a:rPr>
             <a:t>model</a:t>
           </a:r>
-          <a:endParaRPr lang="en-US" sz="1800" dirty="0"/>
+          <a:endParaRPr lang="en-US" sz="3700" dirty="0">
+            <a:solidFill>
+              <a:srgbClr val="7F7F7F"/>
+            </a:solidFill>
+          </a:endParaRPr>
         </a:p>
       </dgm:t>
     </dgm:pt>
@@ -1887,7 +2015,13 @@
     </dgm:pt>
     <dgm:pt modelId="{5548BE58-DCE4-4A08-92C6-20153C2868E4}" type="sibTrans" cxnId="{782F3FF5-28A4-46CE-8887-EA02D7772417}">
       <dgm:prSet custT="1"/>
-      <dgm:spPr/>
+      <dgm:spPr>
+        <a:solidFill>
+          <a:schemeClr val="bg1">
+            <a:lumMod val="65000"/>
+          </a:schemeClr>
+        </a:solidFill>
+      </dgm:spPr>
       <dgm:t>
         <a:bodyPr/>
         <a:lstStyle/>
@@ -1898,48 +2032,92 @@
     </dgm:pt>
     <dgm:pt modelId="{C14BC89A-F795-4693-887E-85C90EF4DF63}">
       <dgm:prSet phldrT="[Text]" custT="1"/>
-      <dgm:spPr/>
+      <dgm:spPr>
+        <a:solidFill>
+          <a:srgbClr val="5FA972"/>
+        </a:solidFill>
+      </dgm:spPr>
       <dgm:t>
         <a:bodyPr/>
         <a:lstStyle/>
         <a:p>
           <a:r>
-            <a:rPr lang="es-ES" sz="1800" dirty="0" err="1"/>
+            <a:rPr lang="es-ES" sz="2000" dirty="0" err="1">
+              <a:solidFill>
+                <a:srgbClr val="F2F2F2"/>
+              </a:solidFill>
+            </a:rPr>
             <a:t>Database</a:t>
           </a:r>
           <a:r>
-            <a:rPr lang="es-ES" sz="1800" dirty="0"/>
+            <a:rPr lang="es-ES" sz="2000" dirty="0">
+              <a:solidFill>
+                <a:srgbClr val="F2F2F2"/>
+              </a:solidFill>
+            </a:rPr>
             <a:t> </a:t>
           </a:r>
           <a:r>
-            <a:rPr lang="es-ES" sz="1800" dirty="0" err="1"/>
+            <a:rPr lang="es-ES" sz="2000" dirty="0" err="1">
+              <a:solidFill>
+                <a:srgbClr val="F2F2F2"/>
+              </a:solidFill>
+            </a:rPr>
             <a:t>from</a:t>
           </a:r>
           <a:r>
-            <a:rPr lang="es-ES" sz="1800" dirty="0"/>
+            <a:rPr lang="es-ES" sz="2000" dirty="0">
+              <a:solidFill>
+                <a:srgbClr val="F2F2F2"/>
+              </a:solidFill>
+            </a:rPr>
             <a:t> </a:t>
           </a:r>
           <a:r>
-            <a:rPr lang="es-ES" sz="1800" dirty="0" err="1"/>
+            <a:rPr lang="es-ES" sz="2000" dirty="0" err="1">
+              <a:solidFill>
+                <a:srgbClr val="F2F2F2"/>
+              </a:solidFill>
+            </a:rPr>
             <a:t>best</a:t>
           </a:r>
           <a:r>
-            <a:rPr lang="es-ES" sz="1800" dirty="0"/>
+            <a:rPr lang="es-ES" sz="2000" dirty="0">
+              <a:solidFill>
+                <a:srgbClr val="F2F2F2"/>
+              </a:solidFill>
+            </a:rPr>
             <a:t> linear </a:t>
           </a:r>
           <a:r>
-            <a:rPr lang="es-ES" sz="1800" dirty="0" err="1"/>
+            <a:rPr lang="es-ES" sz="2000" dirty="0" err="1">
+              <a:solidFill>
+                <a:srgbClr val="F2F2F2"/>
+              </a:solidFill>
+            </a:rPr>
             <a:t>regression</a:t>
           </a:r>
           <a:r>
-            <a:rPr lang="es-ES" sz="1800" dirty="0"/>
+            <a:rPr lang="es-ES" sz="2000" dirty="0">
+              <a:solidFill>
+                <a:srgbClr val="F2F2F2"/>
+              </a:solidFill>
+            </a:rPr>
             <a:t> </a:t>
           </a:r>
           <a:r>
-            <a:rPr lang="es-ES" sz="1800" dirty="0" err="1"/>
+            <a:rPr lang="es-ES" sz="2000" dirty="0" err="1">
+              <a:solidFill>
+                <a:srgbClr val="F2F2F2"/>
+              </a:solidFill>
+            </a:rPr>
             <a:t>model</a:t>
           </a:r>
-          <a:endParaRPr lang="en-US" sz="1800" dirty="0"/>
+          <a:endParaRPr lang="en-US" sz="2000" dirty="0">
+            <a:solidFill>
+              <a:srgbClr val="F2F2F2"/>
+            </a:solidFill>
+          </a:endParaRPr>
         </a:p>
       </dgm:t>
     </dgm:pt>
@@ -1956,7 +2134,13 @@
     </dgm:pt>
     <dgm:pt modelId="{FF10A927-E604-4E6B-A678-49EBFFFF6EA3}" type="sibTrans" cxnId="{D89BC4B2-5A63-403A-BFED-13F4636DAA4D}">
       <dgm:prSet custT="1"/>
-      <dgm:spPr/>
+      <dgm:spPr>
+        <a:solidFill>
+          <a:schemeClr val="bg1">
+            <a:lumMod val="65000"/>
+          </a:schemeClr>
+        </a:solidFill>
+      </dgm:spPr>
       <dgm:t>
         <a:bodyPr/>
         <a:lstStyle/>
@@ -1967,20 +2151,36 @@
     </dgm:pt>
     <dgm:pt modelId="{857A1F93-9117-487D-8F9A-598A4578A918}">
       <dgm:prSet phldrT="[Text]" custT="1"/>
-      <dgm:spPr/>
+      <dgm:spPr>
+        <a:solidFill>
+          <a:srgbClr val="D6CA2A"/>
+        </a:solidFill>
+      </dgm:spPr>
       <dgm:t>
         <a:bodyPr/>
         <a:lstStyle/>
         <a:p>
           <a:r>
-            <a:rPr lang="es-ES" sz="1800" dirty="0"/>
+            <a:rPr lang="es-ES" sz="3700" dirty="0">
+              <a:solidFill>
+                <a:srgbClr val="83837C"/>
+              </a:solidFill>
+            </a:rPr>
             <a:t>Final </a:t>
           </a:r>
           <a:r>
-            <a:rPr lang="es-ES" sz="1800" dirty="0" err="1"/>
+            <a:rPr lang="es-ES" sz="3700" dirty="0" err="1">
+              <a:solidFill>
+                <a:srgbClr val="83837C"/>
+              </a:solidFill>
+            </a:rPr>
             <a:t>model</a:t>
           </a:r>
-          <a:endParaRPr lang="en-US" sz="1800" dirty="0"/>
+          <a:endParaRPr lang="en-US" sz="3700" dirty="0">
+            <a:solidFill>
+              <a:srgbClr val="83837C"/>
+            </a:solidFill>
+          </a:endParaRPr>
         </a:p>
       </dgm:t>
     </dgm:pt>
@@ -2008,20 +2208,36 @@
     </dgm:pt>
     <dgm:pt modelId="{B4BA2051-BA5F-4342-958B-EAF65224858A}">
       <dgm:prSet phldrT="[Text]" custT="1"/>
-      <dgm:spPr/>
+      <dgm:spPr>
+        <a:solidFill>
+          <a:srgbClr val="5FA972"/>
+        </a:solidFill>
+      </dgm:spPr>
       <dgm:t>
         <a:bodyPr/>
         <a:lstStyle/>
         <a:p>
           <a:r>
-            <a:rPr lang="es-ES" sz="1800" dirty="0"/>
+            <a:rPr lang="es-ES" sz="1800" dirty="0">
+              <a:solidFill>
+                <a:srgbClr val="F2F2F2"/>
+              </a:solidFill>
+            </a:rPr>
             <a:t>Max Depth </a:t>
           </a:r>
           <a:r>
-            <a:rPr lang="es-ES" sz="1800" dirty="0" err="1"/>
+            <a:rPr lang="es-ES" sz="1800" dirty="0" err="1">
+              <a:solidFill>
+                <a:srgbClr val="F2F2F2"/>
+              </a:solidFill>
+            </a:rPr>
             <a:t>selection</a:t>
           </a:r>
-          <a:endParaRPr lang="es-ES" sz="1800" dirty="0"/>
+          <a:endParaRPr lang="es-ES" sz="1800" dirty="0">
+            <a:solidFill>
+              <a:srgbClr val="F2F2F2"/>
+            </a:solidFill>
+          </a:endParaRPr>
         </a:p>
       </dgm:t>
     </dgm:pt>
@@ -2038,7 +2254,13 @@
     </dgm:pt>
     <dgm:pt modelId="{C8C31702-3E97-4650-85C3-ED4C45D19BD1}" type="sibTrans" cxnId="{3DAAD998-C550-48D8-AA08-57CF91240F94}">
       <dgm:prSet custT="1"/>
-      <dgm:spPr/>
+      <dgm:spPr>
+        <a:solidFill>
+          <a:schemeClr val="bg1">
+            <a:lumMod val="65000"/>
+          </a:schemeClr>
+        </a:solidFill>
+      </dgm:spPr>
       <dgm:t>
         <a:bodyPr/>
         <a:lstStyle/>
@@ -2057,7 +2279,7 @@
       <dgm:spPr/>
     </dgm:pt>
     <dgm:pt modelId="{B456E1A3-0F3D-4CE2-A5D5-63D2FF7B06B6}" type="pres">
-      <dgm:prSet presAssocID="{DE464311-0A12-482A-9F17-E14388DF3C78}" presName="node" presStyleLbl="node1" presStyleIdx="0" presStyleCnt="4">
+      <dgm:prSet presAssocID="{DE464311-0A12-482A-9F17-E14388DF3C78}" presName="node" presStyleLbl="node1" presStyleIdx="0" presStyleCnt="4" custScaleX="109738">
         <dgm:presLayoutVars>
           <dgm:bulletEnabled val="1"/>
         </dgm:presLayoutVars>
@@ -2073,7 +2295,7 @@
       <dgm:spPr/>
     </dgm:pt>
     <dgm:pt modelId="{80C28EC3-0F8C-4801-886A-2DC6310169A5}" type="pres">
-      <dgm:prSet presAssocID="{C14BC89A-F795-4693-887E-85C90EF4DF63}" presName="node" presStyleLbl="node1" presStyleIdx="1" presStyleCnt="4" custScaleX="124339">
+      <dgm:prSet presAssocID="{C14BC89A-F795-4693-887E-85C90EF4DF63}" presName="node" presStyleLbl="node1" presStyleIdx="1" presStyleCnt="4" custScaleX="161450">
         <dgm:presLayoutVars>
           <dgm:bulletEnabled val="1"/>
         </dgm:presLayoutVars>
@@ -2093,7 +2315,7 @@
       <dgm:spPr/>
     </dgm:pt>
     <dgm:pt modelId="{9F5063E8-5169-4F33-8B39-FC232346ACCD}" type="pres">
-      <dgm:prSet presAssocID="{B4BA2051-BA5F-4342-958B-EAF65224858A}" presName="node" presStyleLbl="node1" presStyleIdx="2" presStyleCnt="4" custScaleX="124339">
+      <dgm:prSet presAssocID="{B4BA2051-BA5F-4342-958B-EAF65224858A}" presName="node" presStyleLbl="node1" presStyleIdx="2" presStyleCnt="4" custScaleX="102803" custScaleY="72400">
         <dgm:presLayoutVars>
           <dgm:bulletEnabled val="1"/>
         </dgm:presLayoutVars>
@@ -2113,7 +2335,7 @@
       <dgm:spPr/>
     </dgm:pt>
     <dgm:pt modelId="{FF53784B-9CCC-45B9-BA23-EC4388FBB74F}" type="pres">
-      <dgm:prSet presAssocID="{857A1F93-9117-487D-8F9A-598A4578A918}" presName="node" presStyleLbl="node1" presStyleIdx="3" presStyleCnt="4">
+      <dgm:prSet presAssocID="{857A1F93-9117-487D-8F9A-598A4578A918}" presName="node" presStyleLbl="node1" presStyleIdx="3" presStyleCnt="4" custScaleX="110969">
         <dgm:presLayoutVars>
           <dgm:bulletEnabled val="1"/>
         </dgm:presLayoutVars>
@@ -2182,12 +2404,488 @@
           </a:avLst>
         </a:prstGeom>
         <a:solidFill>
-          <a:schemeClr val="accent1">
-            <a:hueOff val="0"/>
-            <a:satOff val="0"/>
-            <a:lumOff val="0"/>
-            <a:alphaOff val="0"/>
+          <a:srgbClr val="D6CA2A"/>
+        </a:solidFill>
+        <a:ln w="19050" cap="flat" cmpd="sng" algn="ctr">
+          <a:solidFill>
+            <a:schemeClr val="lt1">
+              <a:hueOff val="0"/>
+              <a:satOff val="0"/>
+              <a:lumOff val="0"/>
+              <a:alphaOff val="0"/>
+            </a:schemeClr>
+          </a:solidFill>
+          <a:prstDash val="solid"/>
+          <a:miter lim="800000"/>
+        </a:ln>
+        <a:effectLst/>
+      </dsp:spPr>
+      <dsp:style>
+        <a:lnRef idx="3">
+          <a:scrgbClr r="0" g="0" b="0"/>
+        </a:lnRef>
+        <a:fillRef idx="1">
+          <a:scrgbClr r="0" g="0" b="0"/>
+        </a:fillRef>
+        <a:effectRef idx="1">
+          <a:scrgbClr r="0" g="0" b="0"/>
+        </a:effectRef>
+        <a:fontRef idx="minor">
+          <a:schemeClr val="lt1"/>
+        </a:fontRef>
+      </dsp:style>
+      <dsp:txBody>
+        <a:bodyPr spcFirstLastPara="0" vert="horz" wrap="square" lIns="140970" tIns="140970" rIns="140970" bIns="140970" numCol="1" spcCol="1270" anchor="ctr" anchorCtr="0">
+          <a:noAutofit/>
+        </a:bodyPr>
+        <a:lstStyle/>
+        <a:p>
+          <a:pPr marL="0" lvl="0" indent="0" algn="ctr" defTabSz="1644650">
+            <a:lnSpc>
+              <a:spcPct val="90000"/>
+            </a:lnSpc>
+            <a:spcBef>
+              <a:spcPct val="0"/>
+            </a:spcBef>
+            <a:spcAft>
+              <a:spcPct val="35000"/>
+            </a:spcAft>
+            <a:buNone/>
+          </a:pPr>
+          <a:r>
+            <a:rPr lang="es-ES" sz="3700" kern="1200" dirty="0" err="1">
+              <a:solidFill>
+                <a:schemeClr val="bg1">
+                  <a:lumMod val="50000"/>
+                </a:schemeClr>
+              </a:solidFill>
+            </a:rPr>
+            <a:t>Baseline</a:t>
+          </a:r>
+          <a:r>
+            <a:rPr lang="es-ES" sz="3700" kern="1200" dirty="0">
+              <a:solidFill>
+                <a:schemeClr val="bg1">
+                  <a:lumMod val="50000"/>
+                </a:schemeClr>
+              </a:solidFill>
+            </a:rPr>
+            <a:t> </a:t>
+          </a:r>
+          <a:r>
+            <a:rPr lang="es-ES" sz="3700" kern="1200" dirty="0" err="1">
+              <a:solidFill>
+                <a:schemeClr val="bg1">
+                  <a:lumMod val="50000"/>
+                </a:schemeClr>
+              </a:solidFill>
+            </a:rPr>
+            <a:t>model</a:t>
+          </a:r>
+          <a:endParaRPr lang="en-US" sz="3700" kern="1200" dirty="0">
+            <a:solidFill>
+              <a:schemeClr val="bg1">
+                <a:lumMod val="50000"/>
+              </a:schemeClr>
+            </a:solidFill>
+          </a:endParaRPr>
+        </a:p>
+      </dsp:txBody>
+      <dsp:txXfrm>
+        <a:off x="42519" y="450279"/>
+        <a:ext cx="2331506" cy="1364932"/>
+      </dsp:txXfrm>
+    </dsp:sp>
+    <dsp:sp modelId="{D38B62ED-24D5-4FAF-8097-FE5A416477F2}">
+      <dsp:nvSpPr>
+        <dsp:cNvPr id="0" name=""/>
+        <dsp:cNvSpPr/>
+      </dsp:nvSpPr>
+      <dsp:spPr>
+        <a:xfrm>
+          <a:off x="2658135" y="833107"/>
+          <a:ext cx="512284" cy="599276"/>
+        </a:xfrm>
+        <a:prstGeom prst="rightArrow">
+          <a:avLst>
+            <a:gd name="adj1" fmla="val 60000"/>
+            <a:gd name="adj2" fmla="val 50000"/>
+          </a:avLst>
+        </a:prstGeom>
+        <a:solidFill>
+          <a:schemeClr val="bg1">
+            <a:lumMod val="65000"/>
           </a:schemeClr>
+        </a:solidFill>
+        <a:ln>
+          <a:noFill/>
+        </a:ln>
+        <a:effectLst/>
+      </dsp:spPr>
+      <dsp:style>
+        <a:lnRef idx="0">
+          <a:scrgbClr r="0" g="0" b="0"/>
+        </a:lnRef>
+        <a:fillRef idx="1">
+          <a:scrgbClr r="0" g="0" b="0"/>
+        </a:fillRef>
+        <a:effectRef idx="1">
+          <a:scrgbClr r="0" g="0" b="0"/>
+        </a:effectRef>
+        <a:fontRef idx="minor">
+          <a:schemeClr val="lt1"/>
+        </a:fontRef>
+      </dsp:style>
+      <dsp:txBody>
+        <a:bodyPr spcFirstLastPara="0" vert="horz" wrap="square" lIns="0" tIns="0" rIns="0" bIns="0" numCol="1" spcCol="1270" anchor="ctr" anchorCtr="0">
+          <a:noAutofit/>
+        </a:bodyPr>
+        <a:lstStyle/>
+        <a:p>
+          <a:pPr marL="0" lvl="0" indent="0" algn="ctr" defTabSz="1111250">
+            <a:lnSpc>
+              <a:spcPct val="90000"/>
+            </a:lnSpc>
+            <a:spcBef>
+              <a:spcPct val="0"/>
+            </a:spcBef>
+            <a:spcAft>
+              <a:spcPct val="35000"/>
+            </a:spcAft>
+            <a:buNone/>
+          </a:pPr>
+          <a:endParaRPr lang="en-US" sz="2500" kern="1200">
+            <a:solidFill>
+              <a:schemeClr val="bg1">
+                <a:lumMod val="50000"/>
+              </a:schemeClr>
+            </a:solidFill>
+            <a:highlight>
+              <a:srgbClr val="C0C0C0"/>
+            </a:highlight>
+          </a:endParaRPr>
+        </a:p>
+      </dsp:txBody>
+      <dsp:txXfrm>
+        <a:off x="2658135" y="952962"/>
+        <a:ext cx="358599" cy="359566"/>
+      </dsp:txXfrm>
+    </dsp:sp>
+    <dsp:sp modelId="{80C28EC3-0F8C-4801-886A-2DC6310169A5}">
+      <dsp:nvSpPr>
+        <dsp:cNvPr id="0" name=""/>
+        <dsp:cNvSpPr/>
+      </dsp:nvSpPr>
+      <dsp:spPr>
+        <a:xfrm>
+          <a:off x="3383066" y="407814"/>
+          <a:ext cx="3004573" cy="1449862"/>
+        </a:xfrm>
+        <a:prstGeom prst="roundRect">
+          <a:avLst>
+            <a:gd name="adj" fmla="val 10000"/>
+          </a:avLst>
+        </a:prstGeom>
+        <a:solidFill>
+          <a:srgbClr val="D6CA2A"/>
+        </a:solidFill>
+        <a:ln w="19050" cap="flat" cmpd="sng" algn="ctr">
+          <a:solidFill>
+            <a:schemeClr val="lt1">
+              <a:hueOff val="0"/>
+              <a:satOff val="0"/>
+              <a:lumOff val="0"/>
+              <a:alphaOff val="0"/>
+            </a:schemeClr>
+          </a:solidFill>
+          <a:prstDash val="solid"/>
+          <a:miter lim="800000"/>
+        </a:ln>
+        <a:effectLst/>
+      </dsp:spPr>
+      <dsp:style>
+        <a:lnRef idx="3">
+          <a:scrgbClr r="0" g="0" b="0"/>
+        </a:lnRef>
+        <a:fillRef idx="1">
+          <a:scrgbClr r="0" g="0" b="0"/>
+        </a:fillRef>
+        <a:effectRef idx="1">
+          <a:scrgbClr r="0" g="0" b="0"/>
+        </a:effectRef>
+        <a:fontRef idx="minor">
+          <a:schemeClr val="lt1"/>
+        </a:fontRef>
+      </dsp:style>
+      <dsp:txBody>
+        <a:bodyPr spcFirstLastPara="0" vert="horz" wrap="square" lIns="140970" tIns="140970" rIns="140970" bIns="140970" numCol="1" spcCol="1270" anchor="ctr" anchorCtr="0">
+          <a:noAutofit/>
+        </a:bodyPr>
+        <a:lstStyle/>
+        <a:p>
+          <a:pPr marL="0" lvl="0" indent="0" algn="ctr" defTabSz="1644650">
+            <a:lnSpc>
+              <a:spcPct val="90000"/>
+            </a:lnSpc>
+            <a:spcBef>
+              <a:spcPct val="0"/>
+            </a:spcBef>
+            <a:spcAft>
+              <a:spcPct val="35000"/>
+            </a:spcAft>
+            <a:buNone/>
+          </a:pPr>
+          <a:r>
+            <a:rPr lang="es-ES" sz="3700" kern="1200" dirty="0">
+              <a:solidFill>
+                <a:schemeClr val="bg1">
+                  <a:lumMod val="50000"/>
+                </a:schemeClr>
+              </a:solidFill>
+            </a:rPr>
+            <a:t>4 + 2 </a:t>
+          </a:r>
+          <a:r>
+            <a:rPr lang="es-ES" sz="3700" kern="1200" dirty="0" err="1">
+              <a:solidFill>
+                <a:schemeClr val="bg1">
+                  <a:lumMod val="50000"/>
+                </a:schemeClr>
+              </a:solidFill>
+            </a:rPr>
+            <a:t>model</a:t>
+          </a:r>
+          <a:r>
+            <a:rPr lang="es-ES" sz="3700" kern="1200" dirty="0">
+              <a:solidFill>
+                <a:schemeClr val="bg1">
+                  <a:lumMod val="50000"/>
+                </a:schemeClr>
+              </a:solidFill>
+            </a:rPr>
+            <a:t> </a:t>
+          </a:r>
+          <a:r>
+            <a:rPr lang="es-ES" sz="3700" kern="1200" dirty="0" err="1">
+              <a:solidFill>
+                <a:schemeClr val="bg1">
+                  <a:lumMod val="50000"/>
+                </a:schemeClr>
+              </a:solidFill>
+            </a:rPr>
+            <a:t>iterations</a:t>
+          </a:r>
+          <a:endParaRPr lang="en-US" sz="3700" kern="1200" dirty="0">
+            <a:solidFill>
+              <a:schemeClr val="bg1">
+                <a:lumMod val="50000"/>
+              </a:schemeClr>
+            </a:solidFill>
+          </a:endParaRPr>
+        </a:p>
+      </dsp:txBody>
+      <dsp:txXfrm>
+        <a:off x="3425531" y="450279"/>
+        <a:ext cx="2919643" cy="1364932"/>
+      </dsp:txXfrm>
+    </dsp:sp>
+    <dsp:sp modelId="{E6BE704A-7C9B-4723-8D29-3E62A826C8D3}">
+      <dsp:nvSpPr>
+        <dsp:cNvPr id="0" name=""/>
+        <dsp:cNvSpPr/>
+      </dsp:nvSpPr>
+      <dsp:spPr>
+        <a:xfrm>
+          <a:off x="6629283" y="833107"/>
+          <a:ext cx="512284" cy="599276"/>
+        </a:xfrm>
+        <a:prstGeom prst="rightArrow">
+          <a:avLst>
+            <a:gd name="adj1" fmla="val 60000"/>
+            <a:gd name="adj2" fmla="val 50000"/>
+          </a:avLst>
+        </a:prstGeom>
+        <a:solidFill>
+          <a:schemeClr val="bg1">
+            <a:lumMod val="65000"/>
+          </a:schemeClr>
+        </a:solidFill>
+        <a:ln>
+          <a:noFill/>
+        </a:ln>
+        <a:effectLst/>
+      </dsp:spPr>
+      <dsp:style>
+        <a:lnRef idx="0">
+          <a:scrgbClr r="0" g="0" b="0"/>
+        </a:lnRef>
+        <a:fillRef idx="1">
+          <a:scrgbClr r="0" g="0" b="0"/>
+        </a:fillRef>
+        <a:effectRef idx="1">
+          <a:scrgbClr r="0" g="0" b="0"/>
+        </a:effectRef>
+        <a:fontRef idx="minor">
+          <a:schemeClr val="lt1"/>
+        </a:fontRef>
+      </dsp:style>
+      <dsp:txBody>
+        <a:bodyPr spcFirstLastPara="0" vert="horz" wrap="square" lIns="0" tIns="0" rIns="0" bIns="0" numCol="1" spcCol="1270" anchor="ctr" anchorCtr="0">
+          <a:noAutofit/>
+        </a:bodyPr>
+        <a:lstStyle/>
+        <a:p>
+          <a:pPr marL="0" lvl="0" indent="0" algn="ctr" defTabSz="1111250">
+            <a:lnSpc>
+              <a:spcPct val="90000"/>
+            </a:lnSpc>
+            <a:spcBef>
+              <a:spcPct val="0"/>
+            </a:spcBef>
+            <a:spcAft>
+              <a:spcPct val="35000"/>
+            </a:spcAft>
+            <a:buNone/>
+          </a:pPr>
+          <a:endParaRPr lang="en-US" sz="2500" kern="1200">
+            <a:highlight>
+              <a:srgbClr val="C0C0C0"/>
+            </a:highlight>
+          </a:endParaRPr>
+        </a:p>
+      </dsp:txBody>
+      <dsp:txXfrm>
+        <a:off x="6629283" y="952962"/>
+        <a:ext cx="358599" cy="359566"/>
+      </dsp:txXfrm>
+    </dsp:sp>
+    <dsp:sp modelId="{FF53784B-9CCC-45B9-BA23-EC4388FBB74F}">
+      <dsp:nvSpPr>
+        <dsp:cNvPr id="0" name=""/>
+        <dsp:cNvSpPr/>
+      </dsp:nvSpPr>
+      <dsp:spPr>
+        <a:xfrm>
+          <a:off x="7354214" y="407814"/>
+          <a:ext cx="2416436" cy="1449862"/>
+        </a:xfrm>
+        <a:prstGeom prst="roundRect">
+          <a:avLst>
+            <a:gd name="adj" fmla="val 10000"/>
+          </a:avLst>
+        </a:prstGeom>
+        <a:solidFill>
+          <a:srgbClr val="D6CA2A"/>
+        </a:solidFill>
+        <a:ln w="19050" cap="flat" cmpd="sng" algn="ctr">
+          <a:solidFill>
+            <a:schemeClr val="lt1">
+              <a:hueOff val="0"/>
+              <a:satOff val="0"/>
+              <a:lumOff val="0"/>
+              <a:alphaOff val="0"/>
+            </a:schemeClr>
+          </a:solidFill>
+          <a:prstDash val="solid"/>
+          <a:miter lim="800000"/>
+        </a:ln>
+        <a:effectLst/>
+      </dsp:spPr>
+      <dsp:style>
+        <a:lnRef idx="3">
+          <a:scrgbClr r="0" g="0" b="0"/>
+        </a:lnRef>
+        <a:fillRef idx="1">
+          <a:scrgbClr r="0" g="0" b="0"/>
+        </a:fillRef>
+        <a:effectRef idx="1">
+          <a:scrgbClr r="0" g="0" b="0"/>
+        </a:effectRef>
+        <a:fontRef idx="minor">
+          <a:schemeClr val="lt1"/>
+        </a:fontRef>
+      </dsp:style>
+      <dsp:txBody>
+        <a:bodyPr spcFirstLastPara="0" vert="horz" wrap="square" lIns="140970" tIns="140970" rIns="140970" bIns="140970" numCol="1" spcCol="1270" anchor="ctr" anchorCtr="0">
+          <a:noAutofit/>
+        </a:bodyPr>
+        <a:lstStyle/>
+        <a:p>
+          <a:pPr marL="0" lvl="0" indent="0" algn="ctr" defTabSz="1644650">
+            <a:lnSpc>
+              <a:spcPct val="90000"/>
+            </a:lnSpc>
+            <a:spcBef>
+              <a:spcPct val="0"/>
+            </a:spcBef>
+            <a:spcAft>
+              <a:spcPct val="35000"/>
+            </a:spcAft>
+            <a:buNone/>
+          </a:pPr>
+          <a:r>
+            <a:rPr lang="es-ES" sz="3700" kern="1200" dirty="0">
+              <a:solidFill>
+                <a:schemeClr val="bg1">
+                  <a:lumMod val="50000"/>
+                </a:schemeClr>
+              </a:solidFill>
+            </a:rPr>
+            <a:t>Final </a:t>
+          </a:r>
+          <a:r>
+            <a:rPr lang="es-ES" sz="3700" kern="1200" dirty="0" err="1">
+              <a:solidFill>
+                <a:schemeClr val="bg1">
+                  <a:lumMod val="50000"/>
+                </a:schemeClr>
+              </a:solidFill>
+            </a:rPr>
+            <a:t>model</a:t>
+          </a:r>
+          <a:endParaRPr lang="en-US" sz="3700" kern="1200" dirty="0">
+            <a:solidFill>
+              <a:schemeClr val="bg1">
+                <a:lumMod val="50000"/>
+              </a:schemeClr>
+            </a:solidFill>
+          </a:endParaRPr>
+        </a:p>
+      </dsp:txBody>
+      <dsp:txXfrm>
+        <a:off x="7396679" y="450279"/>
+        <a:ext cx="2331506" cy="1364932"/>
+      </dsp:txXfrm>
+    </dsp:sp>
+  </dsp:spTree>
+</dsp:drawing>
+</file>
+
+<file path=ppt/diagrams/drawing2.xml><?xml version="1.0" encoding="utf-8"?>
+<dsp:drawing xmlns:dgm="http://schemas.openxmlformats.org/drawingml/2006/diagram" xmlns:dsp="http://schemas.microsoft.com/office/drawing/2008/diagram" xmlns:a="http://schemas.openxmlformats.org/drawingml/2006/main">
+  <dsp:spTree>
+    <dsp:nvGrpSpPr>
+      <dsp:cNvPr id="0" name=""/>
+      <dsp:cNvGrpSpPr/>
+    </dsp:nvGrpSpPr>
+    <dsp:grpSpPr/>
+    <dsp:sp modelId="{B456E1A3-0F3D-4CE2-A5D5-63D2FF7B06B6}">
+      <dsp:nvSpPr>
+        <dsp:cNvPr id="0" name=""/>
+        <dsp:cNvSpPr/>
+      </dsp:nvSpPr>
+      <dsp:spPr>
+        <a:xfrm>
+          <a:off x="5881" y="429579"/>
+          <a:ext cx="1975042" cy="1406333"/>
+        </a:xfrm>
+        <a:prstGeom prst="roundRect">
+          <a:avLst>
+            <a:gd name="adj" fmla="val 10000"/>
+          </a:avLst>
+        </a:prstGeom>
+        <a:solidFill>
+          <a:srgbClr val="D6CA2A"/>
         </a:solidFill>
         <a:ln w="12700" cap="flat" cmpd="sng" algn="ctr">
           <a:solidFill>
@@ -2218,12 +2916,12 @@
         </a:fontRef>
       </dsp:style>
       <dsp:txBody>
-        <a:bodyPr spcFirstLastPara="0" vert="horz" wrap="square" lIns="144780" tIns="144780" rIns="144780" bIns="144780" numCol="1" spcCol="1270" anchor="ctr" anchorCtr="0">
+        <a:bodyPr spcFirstLastPara="0" vert="horz" wrap="square" lIns="140970" tIns="140970" rIns="140970" bIns="140970" numCol="1" spcCol="1270" anchor="ctr" anchorCtr="0">
           <a:noAutofit/>
         </a:bodyPr>
         <a:lstStyle/>
         <a:p>
-          <a:pPr marL="0" lvl="0" indent="0" algn="ctr" defTabSz="1689100">
+          <a:pPr marL="0" lvl="0" indent="0" algn="ctr" defTabSz="1644650">
             <a:lnSpc>
               <a:spcPct val="90000"/>
             </a:lnSpc>
@@ -2236,23 +2934,39 @@
             <a:buNone/>
           </a:pPr>
           <a:r>
-            <a:rPr lang="es-ES" sz="3800" kern="1200" dirty="0" err="1"/>
+            <a:rPr lang="es-ES" sz="3700" kern="1200" dirty="0" err="1">
+              <a:solidFill>
+                <a:srgbClr val="7F7F7F"/>
+              </a:solidFill>
+            </a:rPr>
             <a:t>Baseline</a:t>
           </a:r>
           <a:r>
-            <a:rPr lang="es-ES" sz="3800" kern="1200" dirty="0"/>
+            <a:rPr lang="es-ES" sz="3700" kern="1200" dirty="0">
+              <a:solidFill>
+                <a:srgbClr val="7F7F7F"/>
+              </a:solidFill>
+            </a:rPr>
             <a:t> </a:t>
           </a:r>
           <a:r>
-            <a:rPr lang="es-ES" sz="3800" kern="1200" dirty="0" err="1"/>
+            <a:rPr lang="es-ES" sz="3700" kern="1200" dirty="0" err="1">
+              <a:solidFill>
+                <a:srgbClr val="7F7F7F"/>
+              </a:solidFill>
+            </a:rPr>
             <a:t>model</a:t>
           </a:r>
-          <a:endParaRPr lang="en-US" sz="3800" kern="1200" dirty="0"/>
+          <a:endParaRPr lang="en-US" sz="3700" kern="1200" dirty="0">
+            <a:solidFill>
+              <a:srgbClr val="7F7F7F"/>
+            </a:solidFill>
+          </a:endParaRPr>
         </a:p>
       </dsp:txBody>
       <dsp:txXfrm>
-        <a:off x="42519" y="450279"/>
-        <a:ext cx="2331506" cy="1364932"/>
+        <a:off x="47071" y="470769"/>
+        <a:ext cx="1892662" cy="1323953"/>
       </dsp:txXfrm>
     </dsp:sp>
     <dsp:sp modelId="{D38B62ED-24D5-4FAF-8097-FE5A416477F2}">
@@ -2262,8 +2976,8 @@
       </dsp:nvSpPr>
       <dsp:spPr>
         <a:xfrm>
-          <a:off x="2658135" y="833107"/>
-          <a:ext cx="512284" cy="599276"/>
+          <a:off x="2160901" y="909573"/>
+          <a:ext cx="381553" cy="446345"/>
         </a:xfrm>
         <a:prstGeom prst="rightArrow">
           <a:avLst>
@@ -2272,12 +2986,8 @@
           </a:avLst>
         </a:prstGeom>
         <a:solidFill>
-          <a:schemeClr val="accent1">
-            <a:tint val="60000"/>
-            <a:hueOff val="0"/>
-            <a:satOff val="0"/>
-            <a:lumOff val="0"/>
-            <a:alphaOff val="0"/>
+          <a:schemeClr val="bg1">
+            <a:lumMod val="65000"/>
           </a:schemeClr>
         </a:solidFill>
         <a:ln>
@@ -2305,7 +3015,7 @@
         </a:bodyPr>
         <a:lstStyle/>
         <a:p>
-          <a:pPr marL="0" lvl="0" indent="0" algn="ctr" defTabSz="1111250">
+          <a:pPr marL="0" lvl="0" indent="0" algn="ctr" defTabSz="800100">
             <a:lnSpc>
               <a:spcPct val="90000"/>
             </a:lnSpc>
@@ -2317,12 +3027,12 @@
             </a:spcAft>
             <a:buNone/>
           </a:pPr>
-          <a:endParaRPr lang="en-US" sz="2500" kern="1200"/>
+          <a:endParaRPr lang="en-US" sz="1800" kern="1200"/>
         </a:p>
       </dsp:txBody>
       <dsp:txXfrm>
-        <a:off x="2658135" y="952962"/>
-        <a:ext cx="358599" cy="359566"/>
+        <a:off x="2160901" y="998842"/>
+        <a:ext cx="267087" cy="267807"/>
       </dsp:txXfrm>
     </dsp:sp>
     <dsp:sp modelId="{80C28EC3-0F8C-4801-886A-2DC6310169A5}">
@@ -2332,21 +3042,14 @@
       </dsp:nvSpPr>
       <dsp:spPr>
         <a:xfrm>
-          <a:off x="3383066" y="407814"/>
-          <a:ext cx="3004573" cy="1449862"/>
+          <a:off x="2700835" y="429579"/>
+          <a:ext cx="2905744" cy="1406333"/>
         </a:xfrm>
-        <a:prstGeom prst="roundRect">
-          <a:avLst>
-            <a:gd name="adj" fmla="val 10000"/>
-          </a:avLst>
+        <a:prstGeom prst="ellipse">
+          <a:avLst/>
         </a:prstGeom>
         <a:solidFill>
-          <a:schemeClr val="accent1">
-            <a:hueOff val="0"/>
-            <a:satOff val="0"/>
-            <a:lumOff val="0"/>
-            <a:alphaOff val="0"/>
-          </a:schemeClr>
+          <a:srgbClr val="5FA972"/>
         </a:solidFill>
         <a:ln w="12700" cap="flat" cmpd="sng" algn="ctr">
           <a:solidFill>
@@ -2377,12 +3080,12 @@
         </a:fontRef>
       </dsp:style>
       <dsp:txBody>
-        <a:bodyPr spcFirstLastPara="0" vert="horz" wrap="square" lIns="144780" tIns="144780" rIns="144780" bIns="144780" numCol="1" spcCol="1270" anchor="ctr" anchorCtr="0">
+        <a:bodyPr spcFirstLastPara="0" vert="horz" wrap="square" lIns="76200" tIns="76200" rIns="76200" bIns="76200" numCol="1" spcCol="1270" anchor="ctr" anchorCtr="0">
           <a:noAutofit/>
         </a:bodyPr>
         <a:lstStyle/>
         <a:p>
-          <a:pPr marL="0" lvl="0" indent="0" algn="ctr" defTabSz="1689100">
+          <a:pPr marL="0" lvl="0" indent="0" algn="ctr" defTabSz="889000">
             <a:lnSpc>
               <a:spcPct val="90000"/>
             </a:lnSpc>
@@ -2395,27 +3098,87 @@
             <a:buNone/>
           </a:pPr>
           <a:r>
-            <a:rPr lang="es-ES" sz="3800" kern="1200" dirty="0"/>
-            <a:t>4 </a:t>
+            <a:rPr lang="es-ES" sz="2000" kern="1200" dirty="0" err="1">
+              <a:solidFill>
+                <a:srgbClr val="F2F2F2"/>
+              </a:solidFill>
+            </a:rPr>
+            <a:t>Database</a:t>
           </a:r>
           <a:r>
-            <a:rPr lang="es-ES" sz="3800" kern="1200" dirty="0" err="1"/>
-            <a:t>model</a:t>
-          </a:r>
-          <a:r>
-            <a:rPr lang="es-ES" sz="3800" kern="1200" dirty="0"/>
+            <a:rPr lang="es-ES" sz="2000" kern="1200" dirty="0">
+              <a:solidFill>
+                <a:srgbClr val="F2F2F2"/>
+              </a:solidFill>
+            </a:rPr>
             <a:t> </a:t>
           </a:r>
           <a:r>
-            <a:rPr lang="es-ES" sz="3800" kern="1200" dirty="0" err="1"/>
-            <a:t>iterations</a:t>
+            <a:rPr lang="es-ES" sz="2000" kern="1200" dirty="0" err="1">
+              <a:solidFill>
+                <a:srgbClr val="F2F2F2"/>
+              </a:solidFill>
+            </a:rPr>
+            <a:t>from</a:t>
           </a:r>
-          <a:endParaRPr lang="en-US" sz="3800" kern="1200" dirty="0"/>
+          <a:r>
+            <a:rPr lang="es-ES" sz="2000" kern="1200" dirty="0">
+              <a:solidFill>
+                <a:srgbClr val="F2F2F2"/>
+              </a:solidFill>
+            </a:rPr>
+            <a:t> </a:t>
+          </a:r>
+          <a:r>
+            <a:rPr lang="es-ES" sz="2000" kern="1200" dirty="0" err="1">
+              <a:solidFill>
+                <a:srgbClr val="F2F2F2"/>
+              </a:solidFill>
+            </a:rPr>
+            <a:t>best</a:t>
+          </a:r>
+          <a:r>
+            <a:rPr lang="es-ES" sz="2000" kern="1200" dirty="0">
+              <a:solidFill>
+                <a:srgbClr val="F2F2F2"/>
+              </a:solidFill>
+            </a:rPr>
+            <a:t> linear </a:t>
+          </a:r>
+          <a:r>
+            <a:rPr lang="es-ES" sz="2000" kern="1200" dirty="0" err="1">
+              <a:solidFill>
+                <a:srgbClr val="F2F2F2"/>
+              </a:solidFill>
+            </a:rPr>
+            <a:t>regression</a:t>
+          </a:r>
+          <a:r>
+            <a:rPr lang="es-ES" sz="2000" kern="1200" dirty="0">
+              <a:solidFill>
+                <a:srgbClr val="F2F2F2"/>
+              </a:solidFill>
+            </a:rPr>
+            <a:t> </a:t>
+          </a:r>
+          <a:r>
+            <a:rPr lang="es-ES" sz="2000" kern="1200" dirty="0" err="1">
+              <a:solidFill>
+                <a:srgbClr val="F2F2F2"/>
+              </a:solidFill>
+            </a:rPr>
+            <a:t>model</a:t>
+          </a:r>
+          <a:endParaRPr lang="en-US" sz="2000" kern="1200" dirty="0">
+            <a:solidFill>
+              <a:srgbClr val="F2F2F2"/>
+            </a:solidFill>
+          </a:endParaRPr>
         </a:p>
       </dsp:txBody>
       <dsp:txXfrm>
-        <a:off x="3425531" y="450279"/>
-        <a:ext cx="2919643" cy="1364932"/>
+        <a:off x="3126371" y="635532"/>
+        <a:ext cx="2054672" cy="994427"/>
       </dsp:txXfrm>
     </dsp:sp>
     <dsp:sp modelId="{E6BE704A-7C9B-4723-8D29-3E62A826C8D3}">
@@ -2425,8 +3188,8 @@
       </dsp:nvSpPr>
       <dsp:spPr>
         <a:xfrm>
-          <a:off x="6629283" y="833107"/>
-          <a:ext cx="512284" cy="599276"/>
+          <a:off x="5786557" y="909573"/>
+          <a:ext cx="381553" cy="446345"/>
         </a:xfrm>
         <a:prstGeom prst="rightArrow">
           <a:avLst>
@@ -2435,12 +3198,8 @@
           </a:avLst>
         </a:prstGeom>
         <a:solidFill>
-          <a:schemeClr val="accent1">
-            <a:tint val="60000"/>
-            <a:hueOff val="0"/>
-            <a:satOff val="0"/>
-            <a:lumOff val="0"/>
-            <a:alphaOff val="0"/>
+          <a:schemeClr val="bg1">
+            <a:lumMod val="65000"/>
           </a:schemeClr>
         </a:solidFill>
         <a:ln>
@@ -2468,7 +3227,7 @@
         </a:bodyPr>
         <a:lstStyle/>
         <a:p>
-          <a:pPr marL="0" lvl="0" indent="0" algn="ctr" defTabSz="1111250">
+          <a:pPr marL="0" lvl="0" indent="0" algn="ctr" defTabSz="800100">
             <a:lnSpc>
               <a:spcPct val="90000"/>
             </a:lnSpc>
@@ -2480,133 +3239,29 @@
             </a:spcAft>
             <a:buNone/>
           </a:pPr>
-          <a:endParaRPr lang="en-US" sz="2500" kern="1200"/>
+          <a:endParaRPr lang="en-US" sz="1800" kern="1200"/>
         </a:p>
       </dsp:txBody>
       <dsp:txXfrm>
-        <a:off x="6629283" y="952962"/>
-        <a:ext cx="358599" cy="359566"/>
+        <a:off x="5786557" y="998842"/>
+        <a:ext cx="267087" cy="267807"/>
       </dsp:txXfrm>
     </dsp:sp>
-    <dsp:sp modelId="{FF53784B-9CCC-45B9-BA23-EC4388FBB74F}">
+    <dsp:sp modelId="{9F5063E8-5169-4F33-8B39-FC232346ACCD}">
       <dsp:nvSpPr>
         <dsp:cNvPr id="0" name=""/>
         <dsp:cNvSpPr/>
       </dsp:nvSpPr>
       <dsp:spPr>
         <a:xfrm>
-          <a:off x="7354214" y="407814"/>
-          <a:ext cx="2416436" cy="1449862"/>
+          <a:off x="6326491" y="623653"/>
+          <a:ext cx="1850227" cy="1018185"/>
         </a:xfrm>
-        <a:prstGeom prst="roundRect">
-          <a:avLst>
-            <a:gd name="adj" fmla="val 10000"/>
-          </a:avLst>
+        <a:prstGeom prst="ellipse">
+          <a:avLst/>
         </a:prstGeom>
         <a:solidFill>
-          <a:schemeClr val="accent1">
-            <a:hueOff val="0"/>
-            <a:satOff val="0"/>
-            <a:lumOff val="0"/>
-            <a:alphaOff val="0"/>
-          </a:schemeClr>
-        </a:solidFill>
-        <a:ln w="12700" cap="flat" cmpd="sng" algn="ctr">
-          <a:solidFill>
-            <a:schemeClr val="lt1">
-              <a:hueOff val="0"/>
-              <a:satOff val="0"/>
-              <a:lumOff val="0"/>
-              <a:alphaOff val="0"/>
-            </a:schemeClr>
-          </a:solidFill>
-          <a:prstDash val="solid"/>
-          <a:miter lim="800000"/>
-        </a:ln>
-        <a:effectLst/>
-      </dsp:spPr>
-      <dsp:style>
-        <a:lnRef idx="2">
-          <a:scrgbClr r="0" g="0" b="0"/>
-        </a:lnRef>
-        <a:fillRef idx="1">
-          <a:scrgbClr r="0" g="0" b="0"/>
-        </a:fillRef>
-        <a:effectRef idx="0">
-          <a:scrgbClr r="0" g="0" b="0"/>
-        </a:effectRef>
-        <a:fontRef idx="minor">
-          <a:schemeClr val="lt1"/>
-        </a:fontRef>
-      </dsp:style>
-      <dsp:txBody>
-        <a:bodyPr spcFirstLastPara="0" vert="horz" wrap="square" lIns="144780" tIns="144780" rIns="144780" bIns="144780" numCol="1" spcCol="1270" anchor="ctr" anchorCtr="0">
-          <a:noAutofit/>
-        </a:bodyPr>
-        <a:lstStyle/>
-        <a:p>
-          <a:pPr marL="0" lvl="0" indent="0" algn="ctr" defTabSz="1689100">
-            <a:lnSpc>
-              <a:spcPct val="90000"/>
-            </a:lnSpc>
-            <a:spcBef>
-              <a:spcPct val="0"/>
-            </a:spcBef>
-            <a:spcAft>
-              <a:spcPct val="35000"/>
-            </a:spcAft>
-            <a:buNone/>
-          </a:pPr>
-          <a:r>
-            <a:rPr lang="es-ES" sz="3800" kern="1200" dirty="0"/>
-            <a:t>Final </a:t>
-          </a:r>
-          <a:r>
-            <a:rPr lang="es-ES" sz="3800" kern="1200" dirty="0" err="1"/>
-            <a:t>model</a:t>
-          </a:r>
-          <a:endParaRPr lang="en-US" sz="3800" kern="1200" dirty="0"/>
-        </a:p>
-      </dsp:txBody>
-      <dsp:txXfrm>
-        <a:off x="7396679" y="450279"/>
-        <a:ext cx="2331506" cy="1364932"/>
-      </dsp:txXfrm>
-    </dsp:sp>
-  </dsp:spTree>
-</dsp:drawing>
-</file>
-
-<file path=ppt/diagrams/drawing2.xml><?xml version="1.0" encoding="utf-8"?>
-<dsp:drawing xmlns:dgm="http://schemas.openxmlformats.org/drawingml/2006/diagram" xmlns:dsp="http://schemas.microsoft.com/office/drawing/2008/diagram" xmlns:a="http://schemas.openxmlformats.org/drawingml/2006/main">
-  <dsp:spTree>
-    <dsp:nvGrpSpPr>
-      <dsp:cNvPr id="0" name=""/>
-      <dsp:cNvGrpSpPr/>
-    </dsp:nvGrpSpPr>
-    <dsp:grpSpPr/>
-    <dsp:sp modelId="{B456E1A3-0F3D-4CE2-A5D5-63D2FF7B06B6}">
-      <dsp:nvSpPr>
-        <dsp:cNvPr id="0" name=""/>
-        <dsp:cNvSpPr/>
-      </dsp:nvSpPr>
-      <dsp:spPr>
-        <a:xfrm>
-          <a:off x="7057" y="312688"/>
-          <a:ext cx="1840359" cy="1640115"/>
-        </a:xfrm>
-        <a:prstGeom prst="roundRect">
-          <a:avLst>
-            <a:gd name="adj" fmla="val 10000"/>
-          </a:avLst>
-        </a:prstGeom>
-        <a:solidFill>
-          <a:schemeClr val="accent1">
-            <a:hueOff val="0"/>
-            <a:satOff val="0"/>
-            <a:lumOff val="0"/>
-            <a:alphaOff val="0"/>
-          </a:schemeClr>
+          <a:srgbClr val="5FA972"/>
         </a:solidFill>
         <a:ln w="12700" cap="flat" cmpd="sng" algn="ctr">
           <a:solidFill>
@@ -2655,34 +3310,42 @@
             <a:buNone/>
           </a:pPr>
           <a:r>
-            <a:rPr lang="es-ES" sz="1800" kern="1200" dirty="0" err="1"/>
-            <a:t>Baseline</a:t>
+            <a:rPr lang="es-ES" sz="1800" kern="1200" dirty="0">
+              <a:solidFill>
+                <a:srgbClr val="F2F2F2"/>
+              </a:solidFill>
+            </a:rPr>
+            <a:t>Max Depth </a:t>
           </a:r>
           <a:r>
-            <a:rPr lang="es-ES" sz="1800" kern="1200" dirty="0"/>
-            <a:t> </a:t>
+            <a:rPr lang="es-ES" sz="1800" kern="1200" dirty="0" err="1">
+              <a:solidFill>
+                <a:srgbClr val="F2F2F2"/>
+              </a:solidFill>
+            </a:rPr>
+            <a:t>selection</a:t>
           </a:r>
-          <a:r>
-            <a:rPr lang="es-ES" sz="1800" kern="1200" dirty="0" err="1"/>
-            <a:t>model</a:t>
-          </a:r>
-          <a:endParaRPr lang="en-US" sz="1800" kern="1200" dirty="0"/>
+          <a:endParaRPr lang="es-ES" sz="1800" kern="1200" dirty="0">
+            <a:solidFill>
+              <a:srgbClr val="F2F2F2"/>
+            </a:solidFill>
+          </a:endParaRPr>
         </a:p>
       </dsp:txBody>
       <dsp:txXfrm>
-        <a:off x="55094" y="360725"/>
-        <a:ext cx="1744285" cy="1544041"/>
+        <a:off x="6597450" y="772763"/>
+        <a:ext cx="1308309" cy="719965"/>
       </dsp:txXfrm>
     </dsp:sp>
-    <dsp:sp modelId="{D38B62ED-24D5-4FAF-8097-FE5A416477F2}">
+    <dsp:sp modelId="{7A79F7AD-146B-4744-BB0C-8994E09C656F}">
       <dsp:nvSpPr>
         <dsp:cNvPr id="0" name=""/>
         <dsp:cNvSpPr/>
       </dsp:nvSpPr>
       <dsp:spPr>
         <a:xfrm>
-          <a:off x="2031452" y="904541"/>
-          <a:ext cx="390156" cy="456409"/>
+          <a:off x="8356697" y="909573"/>
+          <a:ext cx="381553" cy="446345"/>
         </a:xfrm>
         <a:prstGeom prst="rightArrow">
           <a:avLst>
@@ -2691,12 +3354,8 @@
           </a:avLst>
         </a:prstGeom>
         <a:solidFill>
-          <a:schemeClr val="accent1">
-            <a:tint val="60000"/>
-            <a:hueOff val="0"/>
-            <a:satOff val="0"/>
-            <a:lumOff val="0"/>
-            <a:alphaOff val="0"/>
+          <a:schemeClr val="bg1">
+            <a:lumMod val="65000"/>
           </a:schemeClr>
         </a:solidFill>
         <a:ln>
@@ -2740,30 +3399,27 @@
         </a:p>
       </dsp:txBody>
       <dsp:txXfrm>
-        <a:off x="2031452" y="995823"/>
-        <a:ext cx="273109" cy="273845"/>
+        <a:off x="8356697" y="998842"/>
+        <a:ext cx="267087" cy="267807"/>
       </dsp:txXfrm>
     </dsp:sp>
-    <dsp:sp modelId="{80C28EC3-0F8C-4801-886A-2DC6310169A5}">
+    <dsp:sp modelId="{FF53784B-9CCC-45B9-BA23-EC4388FBB74F}">
       <dsp:nvSpPr>
         <dsp:cNvPr id="0" name=""/>
         <dsp:cNvSpPr/>
       </dsp:nvSpPr>
       <dsp:spPr>
         <a:xfrm>
-          <a:off x="2583560" y="312688"/>
-          <a:ext cx="2288284" cy="1640115"/>
+          <a:off x="8896631" y="429579"/>
+          <a:ext cx="1997197" cy="1406333"/>
         </a:xfrm>
-        <a:prstGeom prst="ellipse">
-          <a:avLst/>
+        <a:prstGeom prst="roundRect">
+          <a:avLst>
+            <a:gd name="adj" fmla="val 10000"/>
+          </a:avLst>
         </a:prstGeom>
         <a:solidFill>
-          <a:schemeClr val="accent1">
-            <a:hueOff val="0"/>
-            <a:satOff val="0"/>
-            <a:lumOff val="0"/>
-            <a:alphaOff val="0"/>
-          </a:schemeClr>
+          <a:srgbClr val="D6CA2A"/>
         </a:solidFill>
         <a:ln w="12700" cap="flat" cmpd="sng" algn="ctr">
           <a:solidFill>
@@ -2794,12 +3450,12 @@
         </a:fontRef>
       </dsp:style>
       <dsp:txBody>
-        <a:bodyPr spcFirstLastPara="0" vert="horz" wrap="square" lIns="68580" tIns="68580" rIns="68580" bIns="68580" numCol="1" spcCol="1270" anchor="ctr" anchorCtr="0">
+        <a:bodyPr spcFirstLastPara="0" vert="horz" wrap="square" lIns="140970" tIns="140970" rIns="140970" bIns="140970" numCol="1" spcCol="1270" anchor="ctr" anchorCtr="0">
           <a:noAutofit/>
         </a:bodyPr>
         <a:lstStyle/>
         <a:p>
-          <a:pPr marL="0" lvl="0" indent="0" algn="ctr" defTabSz="800100">
+          <a:pPr marL="0" lvl="0" indent="0" algn="ctr" defTabSz="1644650">
             <a:lnSpc>
               <a:spcPct val="90000"/>
             </a:lnSpc>
@@ -2812,355 +3468,31 @@
             <a:buNone/>
           </a:pPr>
           <a:r>
-            <a:rPr lang="es-ES" sz="1800" kern="1200" dirty="0" err="1"/>
-            <a:t>Database</a:t>
+            <a:rPr lang="es-ES" sz="3700" kern="1200" dirty="0">
+              <a:solidFill>
+                <a:srgbClr val="83837C"/>
+              </a:solidFill>
+            </a:rPr>
+            <a:t>Final </a:t>
           </a:r>
           <a:r>
-            <a:rPr lang="es-ES" sz="1800" kern="1200" dirty="0"/>
-            <a:t> </a:t>
-          </a:r>
-          <a:r>
-            <a:rPr lang="es-ES" sz="1800" kern="1200" dirty="0" err="1"/>
-            <a:t>from</a:t>
-          </a:r>
-          <a:r>
-            <a:rPr lang="es-ES" sz="1800" kern="1200" dirty="0"/>
-            <a:t> </a:t>
-          </a:r>
-          <a:r>
-            <a:rPr lang="es-ES" sz="1800" kern="1200" dirty="0" err="1"/>
-            <a:t>best</a:t>
-          </a:r>
-          <a:r>
-            <a:rPr lang="es-ES" sz="1800" kern="1200" dirty="0"/>
-            <a:t> linear </a:t>
-          </a:r>
-          <a:r>
-            <a:rPr lang="es-ES" sz="1800" kern="1200" dirty="0" err="1"/>
-            <a:t>regression</a:t>
-          </a:r>
-          <a:r>
-            <a:rPr lang="es-ES" sz="1800" kern="1200" dirty="0"/>
-            <a:t> </a:t>
-          </a:r>
-          <a:r>
-            <a:rPr lang="es-ES" sz="1800" kern="1200" dirty="0" err="1"/>
+            <a:rPr lang="es-ES" sz="3700" kern="1200" dirty="0" err="1">
+              <a:solidFill>
+                <a:srgbClr val="83837C"/>
+              </a:solidFill>
+            </a:rPr>
             <a:t>model</a:t>
           </a:r>
-          <a:endParaRPr lang="en-US" sz="1800" kern="1200" dirty="0"/>
+          <a:endParaRPr lang="en-US" sz="3700" kern="1200" dirty="0">
+            <a:solidFill>
+              <a:srgbClr val="83837C"/>
+            </a:solidFill>
+          </a:endParaRPr>
         </a:p>
       </dsp:txBody>
       <dsp:txXfrm>
-        <a:off x="2918671" y="552877"/>
-        <a:ext cx="1618062" cy="1159737"/>
-      </dsp:txXfrm>
-    </dsp:sp>
-    <dsp:sp modelId="{E6BE704A-7C9B-4723-8D29-3E62A826C8D3}">
-      <dsp:nvSpPr>
-        <dsp:cNvPr id="0" name=""/>
-        <dsp:cNvSpPr/>
-      </dsp:nvSpPr>
-      <dsp:spPr>
-        <a:xfrm>
-          <a:off x="5055880" y="904541"/>
-          <a:ext cx="390156" cy="456409"/>
-        </a:xfrm>
-        <a:prstGeom prst="rightArrow">
-          <a:avLst>
-            <a:gd name="adj1" fmla="val 60000"/>
-            <a:gd name="adj2" fmla="val 50000"/>
-          </a:avLst>
-        </a:prstGeom>
-        <a:solidFill>
-          <a:schemeClr val="accent1">
-            <a:tint val="60000"/>
-            <a:hueOff val="0"/>
-            <a:satOff val="0"/>
-            <a:lumOff val="0"/>
-            <a:alphaOff val="0"/>
-          </a:schemeClr>
-        </a:solidFill>
-        <a:ln>
-          <a:noFill/>
-        </a:ln>
-        <a:effectLst/>
-      </dsp:spPr>
-      <dsp:style>
-        <a:lnRef idx="0">
-          <a:scrgbClr r="0" g="0" b="0"/>
-        </a:lnRef>
-        <a:fillRef idx="1">
-          <a:scrgbClr r="0" g="0" b="0"/>
-        </a:fillRef>
-        <a:effectRef idx="0">
-          <a:scrgbClr r="0" g="0" b="0"/>
-        </a:effectRef>
-        <a:fontRef idx="minor">
-          <a:schemeClr val="lt1"/>
-        </a:fontRef>
-      </dsp:style>
-      <dsp:txBody>
-        <a:bodyPr spcFirstLastPara="0" vert="horz" wrap="square" lIns="0" tIns="0" rIns="0" bIns="0" numCol="1" spcCol="1270" anchor="ctr" anchorCtr="0">
-          <a:noAutofit/>
-        </a:bodyPr>
-        <a:lstStyle/>
-        <a:p>
-          <a:pPr marL="0" lvl="0" indent="0" algn="ctr" defTabSz="800100">
-            <a:lnSpc>
-              <a:spcPct val="90000"/>
-            </a:lnSpc>
-            <a:spcBef>
-              <a:spcPct val="0"/>
-            </a:spcBef>
-            <a:spcAft>
-              <a:spcPct val="35000"/>
-            </a:spcAft>
-            <a:buNone/>
-          </a:pPr>
-          <a:endParaRPr lang="en-US" sz="1800" kern="1200"/>
-        </a:p>
-      </dsp:txBody>
-      <dsp:txXfrm>
-        <a:off x="5055880" y="995823"/>
-        <a:ext cx="273109" cy="273845"/>
-      </dsp:txXfrm>
-    </dsp:sp>
-    <dsp:sp modelId="{9F5063E8-5169-4F33-8B39-FC232346ACCD}">
-      <dsp:nvSpPr>
-        <dsp:cNvPr id="0" name=""/>
-        <dsp:cNvSpPr/>
-      </dsp:nvSpPr>
-      <dsp:spPr>
-        <a:xfrm>
-          <a:off x="5607988" y="312688"/>
-          <a:ext cx="2288284" cy="1640115"/>
-        </a:xfrm>
-        <a:prstGeom prst="ellipse">
-          <a:avLst/>
-        </a:prstGeom>
-        <a:solidFill>
-          <a:schemeClr val="accent1">
-            <a:hueOff val="0"/>
-            <a:satOff val="0"/>
-            <a:lumOff val="0"/>
-            <a:alphaOff val="0"/>
-          </a:schemeClr>
-        </a:solidFill>
-        <a:ln w="12700" cap="flat" cmpd="sng" algn="ctr">
-          <a:solidFill>
-            <a:schemeClr val="lt1">
-              <a:hueOff val="0"/>
-              <a:satOff val="0"/>
-              <a:lumOff val="0"/>
-              <a:alphaOff val="0"/>
-            </a:schemeClr>
-          </a:solidFill>
-          <a:prstDash val="solid"/>
-          <a:miter lim="800000"/>
-        </a:ln>
-        <a:effectLst/>
-      </dsp:spPr>
-      <dsp:style>
-        <a:lnRef idx="2">
-          <a:scrgbClr r="0" g="0" b="0"/>
-        </a:lnRef>
-        <a:fillRef idx="1">
-          <a:scrgbClr r="0" g="0" b="0"/>
-        </a:fillRef>
-        <a:effectRef idx="0">
-          <a:scrgbClr r="0" g="0" b="0"/>
-        </a:effectRef>
-        <a:fontRef idx="minor">
-          <a:schemeClr val="lt1"/>
-        </a:fontRef>
-      </dsp:style>
-      <dsp:txBody>
-        <a:bodyPr spcFirstLastPara="0" vert="horz" wrap="square" lIns="68580" tIns="68580" rIns="68580" bIns="68580" numCol="1" spcCol="1270" anchor="ctr" anchorCtr="0">
-          <a:noAutofit/>
-        </a:bodyPr>
-        <a:lstStyle/>
-        <a:p>
-          <a:pPr marL="0" lvl="0" indent="0" algn="ctr" defTabSz="800100">
-            <a:lnSpc>
-              <a:spcPct val="90000"/>
-            </a:lnSpc>
-            <a:spcBef>
-              <a:spcPct val="0"/>
-            </a:spcBef>
-            <a:spcAft>
-              <a:spcPct val="35000"/>
-            </a:spcAft>
-            <a:buNone/>
-          </a:pPr>
-          <a:r>
-            <a:rPr lang="es-ES" sz="1800" kern="1200" dirty="0"/>
-            <a:t>Max Depth </a:t>
-          </a:r>
-          <a:r>
-            <a:rPr lang="es-ES" sz="1800" kern="1200" dirty="0" err="1"/>
-            <a:t>selection</a:t>
-          </a:r>
-          <a:endParaRPr lang="es-ES" sz="1800" kern="1200" dirty="0"/>
-        </a:p>
-      </dsp:txBody>
-      <dsp:txXfrm>
-        <a:off x="5943099" y="552877"/>
-        <a:ext cx="1618062" cy="1159737"/>
-      </dsp:txXfrm>
-    </dsp:sp>
-    <dsp:sp modelId="{7A79F7AD-146B-4744-BB0C-8994E09C656F}">
-      <dsp:nvSpPr>
-        <dsp:cNvPr id="0" name=""/>
-        <dsp:cNvSpPr/>
-      </dsp:nvSpPr>
-      <dsp:spPr>
-        <a:xfrm>
-          <a:off x="8080308" y="904541"/>
-          <a:ext cx="390156" cy="456409"/>
-        </a:xfrm>
-        <a:prstGeom prst="rightArrow">
-          <a:avLst>
-            <a:gd name="adj1" fmla="val 60000"/>
-            <a:gd name="adj2" fmla="val 50000"/>
-          </a:avLst>
-        </a:prstGeom>
-        <a:solidFill>
-          <a:schemeClr val="accent1">
-            <a:tint val="60000"/>
-            <a:hueOff val="0"/>
-            <a:satOff val="0"/>
-            <a:lumOff val="0"/>
-            <a:alphaOff val="0"/>
-          </a:schemeClr>
-        </a:solidFill>
-        <a:ln>
-          <a:noFill/>
-        </a:ln>
-        <a:effectLst/>
-      </dsp:spPr>
-      <dsp:style>
-        <a:lnRef idx="0">
-          <a:scrgbClr r="0" g="0" b="0"/>
-        </a:lnRef>
-        <a:fillRef idx="1">
-          <a:scrgbClr r="0" g="0" b="0"/>
-        </a:fillRef>
-        <a:effectRef idx="0">
-          <a:scrgbClr r="0" g="0" b="0"/>
-        </a:effectRef>
-        <a:fontRef idx="minor">
-          <a:schemeClr val="lt1"/>
-        </a:fontRef>
-      </dsp:style>
-      <dsp:txBody>
-        <a:bodyPr spcFirstLastPara="0" vert="horz" wrap="square" lIns="0" tIns="0" rIns="0" bIns="0" numCol="1" spcCol="1270" anchor="ctr" anchorCtr="0">
-          <a:noAutofit/>
-        </a:bodyPr>
-        <a:lstStyle/>
-        <a:p>
-          <a:pPr marL="0" lvl="0" indent="0" algn="ctr" defTabSz="800100">
-            <a:lnSpc>
-              <a:spcPct val="90000"/>
-            </a:lnSpc>
-            <a:spcBef>
-              <a:spcPct val="0"/>
-            </a:spcBef>
-            <a:spcAft>
-              <a:spcPct val="35000"/>
-            </a:spcAft>
-            <a:buNone/>
-          </a:pPr>
-          <a:endParaRPr lang="en-US" sz="1800" kern="1200"/>
-        </a:p>
-      </dsp:txBody>
-      <dsp:txXfrm>
-        <a:off x="8080308" y="995823"/>
-        <a:ext cx="273109" cy="273845"/>
-      </dsp:txXfrm>
-    </dsp:sp>
-    <dsp:sp modelId="{FF53784B-9CCC-45B9-BA23-EC4388FBB74F}">
-      <dsp:nvSpPr>
-        <dsp:cNvPr id="0" name=""/>
-        <dsp:cNvSpPr/>
-      </dsp:nvSpPr>
-      <dsp:spPr>
-        <a:xfrm>
-          <a:off x="8632416" y="312688"/>
-          <a:ext cx="1840359" cy="1640115"/>
-        </a:xfrm>
-        <a:prstGeom prst="roundRect">
-          <a:avLst>
-            <a:gd name="adj" fmla="val 10000"/>
-          </a:avLst>
-        </a:prstGeom>
-        <a:solidFill>
-          <a:schemeClr val="accent1">
-            <a:hueOff val="0"/>
-            <a:satOff val="0"/>
-            <a:lumOff val="0"/>
-            <a:alphaOff val="0"/>
-          </a:schemeClr>
-        </a:solidFill>
-        <a:ln w="12700" cap="flat" cmpd="sng" algn="ctr">
-          <a:solidFill>
-            <a:schemeClr val="lt1">
-              <a:hueOff val="0"/>
-              <a:satOff val="0"/>
-              <a:lumOff val="0"/>
-              <a:alphaOff val="0"/>
-            </a:schemeClr>
-          </a:solidFill>
-          <a:prstDash val="solid"/>
-          <a:miter lim="800000"/>
-        </a:ln>
-        <a:effectLst/>
-      </dsp:spPr>
-      <dsp:style>
-        <a:lnRef idx="2">
-          <a:scrgbClr r="0" g="0" b="0"/>
-        </a:lnRef>
-        <a:fillRef idx="1">
-          <a:scrgbClr r="0" g="0" b="0"/>
-        </a:fillRef>
-        <a:effectRef idx="0">
-          <a:scrgbClr r="0" g="0" b="0"/>
-        </a:effectRef>
-        <a:fontRef idx="minor">
-          <a:schemeClr val="lt1"/>
-        </a:fontRef>
-      </dsp:style>
-      <dsp:txBody>
-        <a:bodyPr spcFirstLastPara="0" vert="horz" wrap="square" lIns="68580" tIns="68580" rIns="68580" bIns="68580" numCol="1" spcCol="1270" anchor="ctr" anchorCtr="0">
-          <a:noAutofit/>
-        </a:bodyPr>
-        <a:lstStyle/>
-        <a:p>
-          <a:pPr marL="0" lvl="0" indent="0" algn="ctr" defTabSz="800100">
-            <a:lnSpc>
-              <a:spcPct val="90000"/>
-            </a:lnSpc>
-            <a:spcBef>
-              <a:spcPct val="0"/>
-            </a:spcBef>
-            <a:spcAft>
-              <a:spcPct val="35000"/>
-            </a:spcAft>
-            <a:buNone/>
-          </a:pPr>
-          <a:r>
-            <a:rPr lang="es-ES" sz="1800" kern="1200" dirty="0"/>
-            <a:t>Final </a:t>
-          </a:r>
-          <a:r>
-            <a:rPr lang="es-ES" sz="1800" kern="1200" dirty="0" err="1"/>
-            <a:t>model</a:t>
-          </a:r>
-          <a:endParaRPr lang="en-US" sz="1800" kern="1200" dirty="0"/>
-        </a:p>
-      </dsp:txBody>
-      <dsp:txXfrm>
-        <a:off x="8680453" y="360725"/>
-        <a:ext cx="1744285" cy="1544041"/>
+        <a:off x="8937821" y="470769"/>
+        <a:ext cx="1914817" cy="1323953"/>
       </dsp:txXfrm>
     </dsp:sp>
   </dsp:spTree>
@@ -3460,11 +3792,11 @@
 </file>
 
 <file path=ppt/diagrams/quickStyle1.xml><?xml version="1.0" encoding="utf-8"?>
-<dgm:styleDef xmlns:dgm="http://schemas.openxmlformats.org/drawingml/2006/diagram" xmlns:a="http://schemas.openxmlformats.org/drawingml/2006/main" uniqueId="urn:microsoft.com/office/officeart/2005/8/quickstyle/simple1">
+<dgm:styleDef xmlns:dgm="http://schemas.openxmlformats.org/drawingml/2006/diagram" xmlns:a="http://schemas.openxmlformats.org/drawingml/2006/main" uniqueId="urn:microsoft.com/office/officeart/2005/8/quickstyle/simple2">
   <dgm:title val=""/>
   <dgm:desc val=""/>
   <dgm:catLst>
-    <dgm:cat type="simple" pri="10100"/>
+    <dgm:cat type="simple" pri="10200"/>
   </dgm:catLst>
   <dgm:scene3d>
     <a:camera prst="orthographicFront"/>
@@ -3478,13 +3810,13 @@
     <dgm:sp3d/>
     <dgm:txPr/>
     <dgm:style>
-      <a:lnRef idx="2">
+      <a:lnRef idx="3">
         <a:scrgbClr r="0" g="0" b="0"/>
       </a:lnRef>
       <a:fillRef idx="1">
         <a:scrgbClr r="0" g="0" b="0"/>
       </a:fillRef>
-      <a:effectRef idx="0">
+      <a:effectRef idx="1">
         <a:scrgbClr r="0" g="0" b="0"/>
       </a:effectRef>
       <a:fontRef idx="minor">
@@ -3500,13 +3832,13 @@
     <dgm:sp3d/>
     <dgm:txPr/>
     <dgm:style>
-      <a:lnRef idx="2">
+      <a:lnRef idx="3">
         <a:scrgbClr r="0" g="0" b="0"/>
       </a:lnRef>
       <a:fillRef idx="1">
         <a:scrgbClr r="0" g="0" b="0"/>
       </a:fillRef>
-      <a:effectRef idx="0">
+      <a:effectRef idx="1">
         <a:scrgbClr r="0" g="0" b="0"/>
       </a:effectRef>
       <a:fontRef idx="minor">
@@ -3522,7 +3854,7 @@
     <dgm:sp3d/>
     <dgm:txPr/>
     <dgm:style>
-      <a:lnRef idx="2">
+      <a:lnRef idx="3">
         <a:scrgbClr r="0" g="0" b="0"/>
       </a:lnRef>
       <a:fillRef idx="1">
@@ -3550,7 +3882,7 @@
       <a:fillRef idx="1">
         <a:scrgbClr r="0" g="0" b="0"/>
       </a:fillRef>
-      <a:effectRef idx="0">
+      <a:effectRef idx="1">
         <a:scrgbClr r="0" g="0" b="0"/>
       </a:effectRef>
       <a:fontRef idx="minor">
@@ -3566,13 +3898,13 @@
     <dgm:sp3d/>
     <dgm:txPr/>
     <dgm:style>
-      <a:lnRef idx="2">
+      <a:lnRef idx="3">
         <a:scrgbClr r="0" g="0" b="0"/>
       </a:lnRef>
       <a:fillRef idx="1">
         <a:scrgbClr r="0" g="0" b="0"/>
       </a:fillRef>
-      <a:effectRef idx="0">
+      <a:effectRef idx="1">
         <a:scrgbClr r="0" g="0" b="0"/>
       </a:effectRef>
       <a:fontRef idx="minor">
@@ -3588,13 +3920,13 @@
     <dgm:sp3d/>
     <dgm:txPr/>
     <dgm:style>
-      <a:lnRef idx="2">
+      <a:lnRef idx="3">
         <a:scrgbClr r="0" g="0" b="0"/>
       </a:lnRef>
       <a:fillRef idx="1">
         <a:scrgbClr r="0" g="0" b="0"/>
       </a:fillRef>
-      <a:effectRef idx="0">
+      <a:effectRef idx="1">
         <a:scrgbClr r="0" g="0" b="0"/>
       </a:effectRef>
       <a:fontRef idx="minor">
@@ -3610,13 +3942,13 @@
     <dgm:sp3d/>
     <dgm:txPr/>
     <dgm:style>
-      <a:lnRef idx="2">
+      <a:lnRef idx="3">
         <a:scrgbClr r="0" g="0" b="0"/>
       </a:lnRef>
       <a:fillRef idx="1">
         <a:scrgbClr r="0" g="0" b="0"/>
       </a:fillRef>
-      <a:effectRef idx="0">
+      <a:effectRef idx="1">
         <a:scrgbClr r="0" g="0" b="0"/>
       </a:effectRef>
       <a:fontRef idx="minor">
@@ -3632,13 +3964,13 @@
     <dgm:sp3d/>
     <dgm:txPr/>
     <dgm:style>
-      <a:lnRef idx="2">
+      <a:lnRef idx="3">
         <a:scrgbClr r="0" g="0" b="0"/>
       </a:lnRef>
       <a:fillRef idx="1">
         <a:scrgbClr r="0" g="0" b="0"/>
       </a:fillRef>
-      <a:effectRef idx="0">
+      <a:effectRef idx="1">
         <a:scrgbClr r="0" g="0" b="0"/>
       </a:effectRef>
       <a:fontRef idx="minor">
@@ -3654,13 +3986,13 @@
     <dgm:sp3d/>
     <dgm:txPr/>
     <dgm:style>
-      <a:lnRef idx="2">
+      <a:lnRef idx="3">
         <a:scrgbClr r="0" g="0" b="0"/>
       </a:lnRef>
       <a:fillRef idx="1">
         <a:scrgbClr r="0" g="0" b="0"/>
       </a:fillRef>
-      <a:effectRef idx="0">
+      <a:effectRef idx="1">
         <a:scrgbClr r="0" g="0" b="0"/>
       </a:effectRef>
       <a:fontRef idx="minor"/>
@@ -3674,13 +4006,13 @@
     <dgm:sp3d/>
     <dgm:txPr/>
     <dgm:style>
-      <a:lnRef idx="2">
+      <a:lnRef idx="3">
         <a:scrgbClr r="0" g="0" b="0"/>
       </a:lnRef>
       <a:fillRef idx="1">
         <a:scrgbClr r="0" g="0" b="0"/>
       </a:fillRef>
-      <a:effectRef idx="0">
+      <a:effectRef idx="1">
         <a:scrgbClr r="0" g="0" b="0"/>
       </a:effectRef>
       <a:fontRef idx="minor"/>
@@ -3694,13 +4026,13 @@
     <dgm:sp3d/>
     <dgm:txPr/>
     <dgm:style>
-      <a:lnRef idx="2">
+      <a:lnRef idx="3">
         <a:scrgbClr r="0" g="0" b="0"/>
       </a:lnRef>
       <a:fillRef idx="1">
         <a:scrgbClr r="0" g="0" b="0"/>
       </a:fillRef>
-      <a:effectRef idx="0">
+      <a:effectRef idx="1">
         <a:scrgbClr r="0" g="0" b="0"/>
       </a:effectRef>
       <a:fontRef idx="minor"/>
@@ -3720,7 +4052,7 @@
       <a:fillRef idx="1">
         <a:scrgbClr r="0" g="0" b="0"/>
       </a:fillRef>
-      <a:effectRef idx="0">
+      <a:effectRef idx="1">
         <a:scrgbClr r="0" g="0" b="0"/>
       </a:effectRef>
       <a:fontRef idx="minor">
@@ -3742,7 +4074,7 @@
       <a:fillRef idx="1">
         <a:scrgbClr r="0" g="0" b="0"/>
       </a:fillRef>
-      <a:effectRef idx="0">
+      <a:effectRef idx="1">
         <a:scrgbClr r="0" g="0" b="0"/>
       </a:effectRef>
       <a:fontRef idx="minor">
@@ -3764,7 +4096,7 @@
       <a:fillRef idx="1">
         <a:scrgbClr r="0" g="0" b="0"/>
       </a:fillRef>
-      <a:effectRef idx="0">
+      <a:effectRef idx="1">
         <a:scrgbClr r="0" g="0" b="0"/>
       </a:effectRef>
       <a:fontRef idx="minor">
@@ -3806,7 +4138,7 @@
       <a:fillRef idx="1">
         <a:scrgbClr r="0" g="0" b="0"/>
       </a:fillRef>
-      <a:effectRef idx="0">
+      <a:effectRef idx="1">
         <a:scrgbClr r="0" g="0" b="0"/>
       </a:effectRef>
       <a:fontRef idx="minor"/>
@@ -3820,13 +4152,13 @@
     <dgm:sp3d/>
     <dgm:txPr/>
     <dgm:style>
-      <a:lnRef idx="2">
+      <a:lnRef idx="3">
         <a:scrgbClr r="0" g="0" b="0"/>
       </a:lnRef>
       <a:fillRef idx="1">
         <a:scrgbClr r="0" g="0" b="0"/>
       </a:fillRef>
-      <a:effectRef idx="0">
+      <a:effectRef idx="1">
         <a:scrgbClr r="0" g="0" b="0"/>
       </a:effectRef>
       <a:fontRef idx="minor">
@@ -3842,13 +4174,13 @@
     <dgm:sp3d/>
     <dgm:txPr/>
     <dgm:style>
-      <a:lnRef idx="2">
+      <a:lnRef idx="3">
         <a:scrgbClr r="0" g="0" b="0"/>
       </a:lnRef>
       <a:fillRef idx="1">
         <a:scrgbClr r="0" g="0" b="0"/>
       </a:fillRef>
-      <a:effectRef idx="0">
+      <a:effectRef idx="1">
         <a:scrgbClr r="0" g="0" b="0"/>
       </a:effectRef>
       <a:fontRef idx="minor">
@@ -3864,13 +4196,13 @@
     <dgm:sp3d/>
     <dgm:txPr/>
     <dgm:style>
-      <a:lnRef idx="2">
+      <a:lnRef idx="3">
         <a:scrgbClr r="0" g="0" b="0"/>
       </a:lnRef>
       <a:fillRef idx="1">
         <a:scrgbClr r="0" g="0" b="0"/>
       </a:fillRef>
-      <a:effectRef idx="0">
+      <a:effectRef idx="1">
         <a:scrgbClr r="0" g="0" b="0"/>
       </a:effectRef>
       <a:fontRef idx="minor">
@@ -3886,13 +4218,13 @@
     <dgm:sp3d/>
     <dgm:txPr/>
     <dgm:style>
-      <a:lnRef idx="2">
+      <a:lnRef idx="3">
         <a:scrgbClr r="0" g="0" b="0"/>
       </a:lnRef>
       <a:fillRef idx="1">
         <a:scrgbClr r="0" g="0" b="0"/>
       </a:fillRef>
-      <a:effectRef idx="0">
+      <a:effectRef idx="1">
         <a:scrgbClr r="0" g="0" b="0"/>
       </a:effectRef>
       <a:fontRef idx="minor">
@@ -3908,13 +4240,13 @@
     <dgm:sp3d/>
     <dgm:txPr/>
     <dgm:style>
-      <a:lnRef idx="2">
+      <a:lnRef idx="3">
         <a:scrgbClr r="0" g="0" b="0"/>
       </a:lnRef>
       <a:fillRef idx="1">
         <a:scrgbClr r="0" g="0" b="0"/>
       </a:fillRef>
-      <a:effectRef idx="0">
+      <a:effectRef idx="1">
         <a:scrgbClr r="0" g="0" b="0"/>
       </a:effectRef>
       <a:fontRef idx="minor">
@@ -3930,13 +4262,13 @@
     <dgm:sp3d/>
     <dgm:txPr/>
     <dgm:style>
-      <a:lnRef idx="2">
+      <a:lnRef idx="3">
         <a:scrgbClr r="0" g="0" b="0"/>
       </a:lnRef>
       <a:fillRef idx="1">
         <a:scrgbClr r="0" g="0" b="0"/>
       </a:fillRef>
-      <a:effectRef idx="0">
+      <a:effectRef idx="1">
         <a:scrgbClr r="0" g="0" b="0"/>
       </a:effectRef>
       <a:fontRef idx="minor">
@@ -3952,13 +4284,13 @@
     <dgm:sp3d/>
     <dgm:txPr/>
     <dgm:style>
-      <a:lnRef idx="2">
+      <a:lnRef idx="3">
         <a:scrgbClr r="0" g="0" b="0"/>
       </a:lnRef>
       <a:fillRef idx="1">
         <a:scrgbClr r="0" g="0" b="0"/>
       </a:fillRef>
-      <a:effectRef idx="0">
+      <a:effectRef idx="1">
         <a:scrgbClr r="0" g="0" b="0"/>
       </a:effectRef>
       <a:fontRef idx="minor">
@@ -3974,13 +4306,13 @@
     <dgm:sp3d/>
     <dgm:txPr/>
     <dgm:style>
-      <a:lnRef idx="2">
+      <a:lnRef idx="3">
         <a:scrgbClr r="0" g="0" b="0"/>
       </a:lnRef>
       <a:fillRef idx="1">
         <a:scrgbClr r="0" g="0" b="0"/>
       </a:fillRef>
-      <a:effectRef idx="0">
+      <a:effectRef idx="1">
         <a:scrgbClr r="0" g="0" b="0"/>
       </a:effectRef>
       <a:fontRef idx="minor">
@@ -3996,13 +4328,13 @@
     <dgm:sp3d/>
     <dgm:txPr/>
     <dgm:style>
-      <a:lnRef idx="2">
+      <a:lnRef idx="3">
         <a:scrgbClr r="0" g="0" b="0"/>
       </a:lnRef>
       <a:fillRef idx="1">
         <a:scrgbClr r="0" g="0" b="0"/>
       </a:fillRef>
-      <a:effectRef idx="0">
+      <a:effectRef idx="1">
         <a:scrgbClr r="0" g="0" b="0"/>
       </a:effectRef>
       <a:fontRef idx="minor">
@@ -4458,13 +4790,13 @@
     <dgm:sp3d/>
     <dgm:txPr/>
     <dgm:style>
-      <a:lnRef idx="2">
+      <a:lnRef idx="3">
         <a:scrgbClr r="0" g="0" b="0"/>
       </a:lnRef>
       <a:fillRef idx="1">
         <a:scrgbClr r="0" g="0" b="0"/>
       </a:fillRef>
-      <a:effectRef idx="0">
+      <a:effectRef idx="1">
         <a:scrgbClr r="0" g="0" b="0"/>
       </a:effectRef>
       <a:fontRef idx="minor"/>
@@ -9223,7 +9555,7 @@
                 </a:solidFill>
                 <a:latin typeface="+mn-lt"/>
               </a:rPr>
-              <a:t>Midbootcamp</a:t>
+              <a:t>Mid-bootcamp</a:t>
             </a:r>
             <a:r>
               <a:rPr lang="es-ES" b="1" dirty="0">
@@ -9355,6 +9687,30 @@
                 <a:latin typeface="+mn-lt"/>
               </a:rPr>
               <a:t>pay</a:t>
+            </a:r>
+            <a:r>
+              <a:rPr lang="es-ES" b="1" dirty="0">
+                <a:solidFill>
+                  <a:schemeClr val="tx1">
+                    <a:lumMod val="50000"/>
+                    <a:lumOff val="50000"/>
+                  </a:schemeClr>
+                </a:solidFill>
+                <a:latin typeface="+mn-lt"/>
+              </a:rPr>
+              <a:t> </a:t>
+            </a:r>
+            <a:r>
+              <a:rPr lang="es-ES" b="1" dirty="0" err="1">
+                <a:solidFill>
+                  <a:schemeClr val="tx1">
+                    <a:lumMod val="50000"/>
+                    <a:lumOff val="50000"/>
+                  </a:schemeClr>
+                </a:solidFill>
+                <a:latin typeface="+mn-lt"/>
+              </a:rPr>
+              <a:t>for</a:t>
             </a:r>
             <a:r>
               <a:rPr lang="es-ES" b="1" dirty="0">
@@ -9566,7 +9922,7 @@
         </p:blipFill>
         <p:spPr bwMode="auto">
           <a:xfrm>
-            <a:off x="350835" y="3429000"/>
+            <a:off x="838200" y="3429000"/>
             <a:ext cx="4615195" cy="3007986"/>
           </a:xfrm>
           <a:prstGeom prst="rect">
@@ -9771,14 +10127,14 @@
           <p:nvPr>
             <p:extLst>
               <p:ext uri="{D42A27DB-BD31-4B8C-83A1-F6EECF244321}">
-                <p14:modId xmlns:p14="http://schemas.microsoft.com/office/powerpoint/2010/main" val="1410613579"/>
+                <p14:modId xmlns:p14="http://schemas.microsoft.com/office/powerpoint/2010/main" val="2838905827"/>
               </p:ext>
             </p:extLst>
           </p:nvPr>
         </p:nvGraphicFramePr>
         <p:xfrm>
-          <a:off x="1782147" y="1487515"/>
-          <a:ext cx="7716415" cy="2455355"/>
+          <a:off x="296172" y="1571480"/>
+          <a:ext cx="6795292" cy="2482444"/>
         </p:xfrm>
         <a:graphic>
           <a:graphicData uri="http://schemas.openxmlformats.org/drawingml/2006/table">
@@ -9787,21 +10143,21 @@
                 <a:tableStyleId>{5940675A-B579-460E-94D1-54222C63F5DA}</a:tableStyleId>
               </a:tblPr>
               <a:tblGrid>
-                <a:gridCol w="1272831">
+                <a:gridCol w="1596998">
                   <a:extLst>
                     <a:ext uri="{9D8B030D-6E8A-4147-A177-3AD203B41FA5}">
                       <a16:colId xmlns:a16="http://schemas.microsoft.com/office/drawing/2014/main" val="3069066585"/>
                     </a:ext>
                   </a:extLst>
                 </a:gridCol>
-                <a:gridCol w="3031403">
+                <a:gridCol w="2542643">
                   <a:extLst>
                     <a:ext uri="{9D8B030D-6E8A-4147-A177-3AD203B41FA5}">
                       <a16:colId xmlns:a16="http://schemas.microsoft.com/office/drawing/2014/main" val="2537496800"/>
                     </a:ext>
                   </a:extLst>
                 </a:gridCol>
-                <a:gridCol w="3412181">
+                <a:gridCol w="2655651">
                   <a:extLst>
                     <a:ext uri="{9D8B030D-6E8A-4147-A177-3AD203B41FA5}">
                       <a16:colId xmlns:a16="http://schemas.microsoft.com/office/drawing/2014/main" val="960031367"/>
@@ -9816,10 +10172,10 @@
                     <a:lstStyle/>
                     <a:p>
                       <a:r>
-                        <a:rPr lang="es-ES" dirty="0" err="1"/>
+                        <a:rPr lang="es-ES" sz="2800" b="1" dirty="0" err="1"/>
                         <a:t>Metrics</a:t>
                       </a:r>
-                      <a:endParaRPr lang="en-US" dirty="0"/>
+                      <a:endParaRPr lang="en-US" sz="2800" b="1" dirty="0"/>
                     </a:p>
                   </a:txBody>
                   <a:tcPr>
@@ -9845,18 +10201,18 @@
                     <a:lstStyle/>
                     <a:p>
                       <a:r>
-                        <a:rPr lang="es-ES" dirty="0" err="1"/>
+                        <a:rPr lang="es-ES" sz="2800" b="1" dirty="0" err="1"/>
                         <a:t>Baseline</a:t>
                       </a:r>
                       <a:r>
-                        <a:rPr lang="es-ES" dirty="0"/>
+                        <a:rPr lang="es-ES" sz="2800" b="1" dirty="0"/>
                         <a:t> </a:t>
                       </a:r>
                       <a:r>
-                        <a:rPr lang="es-ES" dirty="0" err="1"/>
+                        <a:rPr lang="es-ES" sz="2800" b="1" dirty="0" err="1"/>
                         <a:t>model</a:t>
                       </a:r>
-                      <a:endParaRPr lang="en-US" dirty="0"/>
+                      <a:endParaRPr lang="en-US" sz="2800" b="1" dirty="0"/>
                     </a:p>
                   </a:txBody>
                   <a:tcPr>
@@ -9875,18 +10231,18 @@
                     <a:lstStyle/>
                     <a:p>
                       <a:r>
-                        <a:rPr lang="es-ES" dirty="0" err="1"/>
-                        <a:t>Best</a:t>
+                        <a:rPr lang="es-ES" sz="2800" b="1" dirty="0" err="1"/>
+                        <a:t>Improved</a:t>
                       </a:r>
                       <a:r>
-                        <a:rPr lang="es-ES" dirty="0"/>
+                        <a:rPr lang="es-ES" sz="2800" b="1" dirty="0"/>
                         <a:t> </a:t>
                       </a:r>
                       <a:r>
-                        <a:rPr lang="es-ES" dirty="0" err="1"/>
+                        <a:rPr lang="es-ES" sz="2800" b="1" dirty="0" err="1"/>
                         <a:t>model</a:t>
                       </a:r>
-                      <a:endParaRPr lang="en-US" dirty="0"/>
+                      <a:endParaRPr lang="en-US" sz="2800" b="1" dirty="0"/>
                     </a:p>
                   </a:txBody>
                   <a:tcPr>
@@ -9919,7 +10275,7 @@
                     <a:lstStyle/>
                     <a:p>
                       <a:r>
-                        <a:rPr lang="pt-BR" sz="1800" b="1" dirty="0">
+                        <a:rPr lang="pt-BR" sz="2000" b="1" dirty="0">
                           <a:solidFill>
                             <a:srgbClr val="1D1C1D"/>
                           </a:solidFill>
@@ -9927,7 +10283,7 @@
                         </a:rPr>
                         <a:t>r2</a:t>
                       </a:r>
-                      <a:endParaRPr lang="en-US" dirty="0"/>
+                      <a:endParaRPr lang="en-US" sz="2000" dirty="0"/>
                     </a:p>
                   </a:txBody>
                   <a:tcPr>
@@ -9945,7 +10301,18 @@
                     <a:bodyPr/>
                     <a:lstStyle/>
                     <a:p>
-                      <a:endParaRPr lang="en-US" dirty="0"/>
+                      <a:pPr algn="r"/>
+                      <a:r>
+                        <a:rPr lang="pt-BR" b="1" i="0" dirty="0">
+                          <a:solidFill>
+                            <a:srgbClr val="000000"/>
+                          </a:solidFill>
+                          <a:effectLst/>
+                          <a:latin typeface="Helvetica Neue"/>
+                        </a:rPr>
+                        <a:t>0,736</a:t>
+                      </a:r>
+                      <a:endParaRPr lang="en-US" b="1" dirty="0"/>
                     </a:p>
                   </a:txBody>
                   <a:tcPr/>
@@ -9955,16 +10322,44 @@
                     <a:bodyPr/>
                     <a:lstStyle/>
                     <a:p>
+                      <a:pPr marL="0" marR="0" lvl="0" indent="0" algn="r" defTabSz="914400" rtl="0" eaLnBrk="1" fontAlgn="auto" latinLnBrk="0" hangingPunct="1">
+                        <a:lnSpc>
+                          <a:spcPct val="100000"/>
+                        </a:lnSpc>
+                        <a:spcBef>
+                          <a:spcPts val="0"/>
+                        </a:spcBef>
+                        <a:spcAft>
+                          <a:spcPts val="0"/>
+                        </a:spcAft>
+                        <a:buClrTx/>
+                        <a:buSzTx/>
+                        <a:buFontTx/>
+                        <a:buNone/>
+                        <a:tabLst/>
+                        <a:defRPr/>
+                      </a:pPr>
                       <a:r>
-                        <a:rPr lang="pt-BR" sz="1800" b="0" dirty="0">
+                        <a:rPr lang="en-US" altLang="en-US" sz="1800" b="1" kern="1200" dirty="0">
                           <a:solidFill>
                             <a:srgbClr val="1D1C1D"/>
                           </a:solidFill>
                           <a:effectLst/>
+                          <a:latin typeface="+mn-lt"/>
+                          <a:ea typeface="+mn-ea"/>
+                          <a:cs typeface="+mn-cs"/>
                         </a:rPr>
-                        <a:t>0.7338</a:t>
+                        <a:t>0,8046</a:t>
                       </a:r>
-                      <a:endParaRPr lang="en-US" dirty="0"/>
+                      <a:endParaRPr lang="en-US" sz="1800" b="1" kern="1200" dirty="0">
+                        <a:solidFill>
+                          <a:srgbClr val="1D1C1D"/>
+                        </a:solidFill>
+                        <a:effectLst/>
+                        <a:latin typeface="+mn-lt"/>
+                        <a:ea typeface="+mn-ea"/>
+                        <a:cs typeface="+mn-cs"/>
+                      </a:endParaRPr>
                     </a:p>
                   </a:txBody>
                   <a:tcPr>
@@ -9990,7 +10385,7 @@
                     <a:lstStyle/>
                     <a:p>
                       <a:r>
-                        <a:rPr lang="pt-BR" sz="1800" b="1" dirty="0">
+                        <a:rPr lang="pt-BR" sz="2000" b="1" dirty="0">
                           <a:solidFill>
                             <a:srgbClr val="1D1C1D"/>
                           </a:solidFill>
@@ -9998,7 +10393,7 @@
                         </a:rPr>
                         <a:t>MAE</a:t>
                       </a:r>
-                      <a:endParaRPr lang="en-US" dirty="0"/>
+                      <a:endParaRPr lang="en-US" sz="2000" dirty="0"/>
                     </a:p>
                   </a:txBody>
                   <a:tcPr>
@@ -10016,7 +10411,7 @@
                     <a:bodyPr/>
                     <a:lstStyle/>
                     <a:p>
-                      <a:pPr marL="0" marR="0" lvl="0" indent="0" algn="l" defTabSz="914400" rtl="0" eaLnBrk="1" fontAlgn="auto" latinLnBrk="0" hangingPunct="1">
+                      <a:pPr marL="0" marR="0" lvl="0" indent="0" algn="r" defTabSz="914400" rtl="0" eaLnBrk="1" fontAlgn="auto" latinLnBrk="0" hangingPunct="1">
                         <a:lnSpc>
                           <a:spcPct val="100000"/>
                         </a:lnSpc>
@@ -10033,6 +10428,16 @@
                         <a:tabLst/>
                         <a:defRPr/>
                       </a:pPr>
+                      <a:r>
+                        <a:rPr lang="pt-BR" b="0" i="0" dirty="0">
+                          <a:solidFill>
+                            <a:srgbClr val="000000"/>
+                          </a:solidFill>
+                          <a:effectLst/>
+                          <a:latin typeface="Helvetica Neue"/>
+                        </a:rPr>
+                        <a:t>102.218,31</a:t>
+                      </a:r>
                       <a:endParaRPr lang="en-US" dirty="0"/>
                     </a:p>
                   </a:txBody>
@@ -10043,16 +10448,44 @@
                     <a:bodyPr/>
                     <a:lstStyle/>
                     <a:p>
+                      <a:pPr marL="0" marR="0" lvl="0" indent="0" algn="r" defTabSz="914400" rtl="0" eaLnBrk="1" fontAlgn="auto" latinLnBrk="0" hangingPunct="1">
+                        <a:lnSpc>
+                          <a:spcPct val="100000"/>
+                        </a:lnSpc>
+                        <a:spcBef>
+                          <a:spcPts val="0"/>
+                        </a:spcBef>
+                        <a:spcAft>
+                          <a:spcPts val="0"/>
+                        </a:spcAft>
+                        <a:buClrTx/>
+                        <a:buSzTx/>
+                        <a:buFontTx/>
+                        <a:buNone/>
+                        <a:tabLst/>
+                        <a:defRPr/>
+                      </a:pPr>
                       <a:r>
-                        <a:rPr lang="pt-BR" sz="1800" b="0" dirty="0">
+                        <a:rPr lang="en-US" altLang="en-US" sz="1800" b="0" kern="1200" dirty="0">
                           <a:solidFill>
                             <a:srgbClr val="1D1C1D"/>
                           </a:solidFill>
                           <a:effectLst/>
+                          <a:latin typeface="+mn-lt"/>
+                          <a:ea typeface="+mn-ea"/>
+                          <a:cs typeface="+mn-cs"/>
                         </a:rPr>
-                        <a:t>121.454,3186 </a:t>
+                        <a:t>99.028,35</a:t>
                       </a:r>
-                      <a:endParaRPr lang="en-US" dirty="0"/>
+                      <a:endParaRPr lang="en-US" sz="1800" b="0" kern="1200" dirty="0">
+                        <a:solidFill>
+                          <a:srgbClr val="1D1C1D"/>
+                        </a:solidFill>
+                        <a:effectLst/>
+                        <a:latin typeface="+mn-lt"/>
+                        <a:ea typeface="+mn-ea"/>
+                        <a:cs typeface="+mn-cs"/>
+                      </a:endParaRPr>
                     </a:p>
                   </a:txBody>
                   <a:tcPr>
@@ -10078,7 +10511,7 @@
                     <a:lstStyle/>
                     <a:p>
                       <a:r>
-                        <a:rPr lang="pt-BR" sz="1800" b="1" dirty="0">
+                        <a:rPr lang="pt-BR" sz="2000" b="1" dirty="0">
                           <a:solidFill>
                             <a:srgbClr val="1D1C1D"/>
                           </a:solidFill>
@@ -10086,7 +10519,7 @@
                         </a:rPr>
                         <a:t>MSE</a:t>
                       </a:r>
-                      <a:endParaRPr lang="en-US" dirty="0"/>
+                      <a:endParaRPr lang="en-US" sz="2000" dirty="0"/>
                     </a:p>
                   </a:txBody>
                   <a:tcPr>
@@ -10104,40 +10537,7 @@
                     <a:bodyPr/>
                     <a:lstStyle/>
                     <a:p>
-                      <a:pPr marL="0" marR="0" lvl="0" indent="0" algn="l" defTabSz="914400" rtl="0" eaLnBrk="1" fontAlgn="auto" latinLnBrk="0" hangingPunct="1">
-                        <a:lnSpc>
-                          <a:spcPct val="100000"/>
-                        </a:lnSpc>
-                        <a:spcBef>
-                          <a:spcPts val="0"/>
-                        </a:spcBef>
-                        <a:spcAft>
-                          <a:spcPts val="0"/>
-                        </a:spcAft>
-                        <a:buClrTx/>
-                        <a:buSzTx/>
-                        <a:buFontTx/>
-                        <a:buNone/>
-                        <a:tabLst/>
-                        <a:defRPr/>
-                      </a:pPr>
-                      <a:endParaRPr lang="pt-BR" sz="1800" b="0" i="0" dirty="0">
-                        <a:solidFill>
-                          <a:srgbClr val="1D1C1D"/>
-                        </a:solidFill>
-                        <a:effectLst/>
-                        <a:latin typeface="Slack-Lato"/>
-                      </a:endParaRPr>
-                    </a:p>
-                  </a:txBody>
-                  <a:tcPr/>
-                </a:tc>
-                <a:tc>
-                  <a:txBody>
-                    <a:bodyPr/>
-                    <a:lstStyle/>
-                    <a:p>
-                      <a:pPr marL="0" marR="0" lvl="0" indent="0" algn="l" defTabSz="914400" rtl="0" eaLnBrk="1" fontAlgn="auto" latinLnBrk="0" hangingPunct="1">
+                      <a:pPr marL="0" marR="0" lvl="0" indent="0" algn="r" defTabSz="914400" rtl="0" eaLnBrk="1" fontAlgn="auto" latinLnBrk="0" hangingPunct="1">
                         <a:lnSpc>
                           <a:spcPct val="100000"/>
                         </a:lnSpc>
@@ -10155,13 +10555,14 @@
                         <a:defRPr/>
                       </a:pPr>
                       <a:r>
-                        <a:rPr lang="pt-BR" sz="1800" b="0" dirty="0">
+                        <a:rPr lang="pt-BR" b="0" i="0" dirty="0">
                           <a:solidFill>
-                            <a:srgbClr val="1D1C1D"/>
+                            <a:srgbClr val="000000"/>
                           </a:solidFill>
                           <a:effectLst/>
+                          <a:latin typeface="Helvetica Neue"/>
                         </a:rPr>
-                        <a:t>35.003.441.781,8334 </a:t>
+                        <a:t>42.546.512.242,17</a:t>
                       </a:r>
                       <a:endParaRPr lang="pt-BR" sz="1800" b="0" i="0" dirty="0">
                         <a:solidFill>
@@ -10169,6 +10570,53 @@
                         </a:solidFill>
                         <a:effectLst/>
                         <a:latin typeface="Slack-Lato"/>
+                      </a:endParaRPr>
+                    </a:p>
+                  </a:txBody>
+                  <a:tcPr/>
+                </a:tc>
+                <a:tc>
+                  <a:txBody>
+                    <a:bodyPr/>
+                    <a:lstStyle/>
+                    <a:p>
+                      <a:pPr marL="0" marR="0" lvl="0" indent="0" algn="r" defTabSz="914400" rtl="0" eaLnBrk="1" fontAlgn="auto" latinLnBrk="0" hangingPunct="1">
+                        <a:lnSpc>
+                          <a:spcPct val="100000"/>
+                        </a:lnSpc>
+                        <a:spcBef>
+                          <a:spcPts val="0"/>
+                        </a:spcBef>
+                        <a:spcAft>
+                          <a:spcPts val="0"/>
+                        </a:spcAft>
+                        <a:buClrTx/>
+                        <a:buSzTx/>
+                        <a:buFontTx/>
+                        <a:buNone/>
+                        <a:tabLst/>
+                        <a:defRPr/>
+                      </a:pPr>
+                      <a:r>
+                        <a:rPr lang="en-US" altLang="en-US" sz="1800" b="0" kern="1200" dirty="0">
+                          <a:solidFill>
+                            <a:srgbClr val="1D1C1D"/>
+                          </a:solidFill>
+                          <a:effectLst/>
+                          <a:latin typeface="+mn-lt"/>
+                          <a:ea typeface="+mn-ea"/>
+                          <a:cs typeface="+mn-cs"/>
+                        </a:rPr>
+                        <a:t>25.697.817.780,33</a:t>
+                      </a:r>
+                      <a:endParaRPr lang="pt-BR" sz="1800" b="0" kern="1200" dirty="0">
+                        <a:solidFill>
+                          <a:srgbClr val="1D1C1D"/>
+                        </a:solidFill>
+                        <a:effectLst/>
+                        <a:latin typeface="+mn-lt"/>
+                        <a:ea typeface="+mn-ea"/>
+                        <a:cs typeface="+mn-cs"/>
                       </a:endParaRPr>
                     </a:p>
                   </a:txBody>
@@ -10195,7 +10643,7 @@
                     <a:lstStyle/>
                     <a:p>
                       <a:r>
-                        <a:rPr lang="pt-BR" sz="1800" b="1" dirty="0">
+                        <a:rPr lang="pt-BR" sz="2000" b="1" dirty="0">
                           <a:solidFill>
                             <a:srgbClr val="1D1C1D"/>
                           </a:solidFill>
@@ -10203,7 +10651,7 @@
                         </a:rPr>
                         <a:t>RMSE</a:t>
                       </a:r>
-                      <a:endParaRPr lang="en-US" dirty="0"/>
+                      <a:endParaRPr lang="en-US" sz="2000" dirty="0"/>
                     </a:p>
                   </a:txBody>
                   <a:tcPr>
@@ -10228,7 +10676,7 @@
                     <a:bodyPr/>
                     <a:lstStyle/>
                     <a:p>
-                      <a:pPr marL="0" marR="0" lvl="0" indent="0" algn="l" defTabSz="914400" rtl="0" eaLnBrk="1" fontAlgn="auto" latinLnBrk="0" hangingPunct="1">
+                      <a:pPr marL="0" marR="0" lvl="0" indent="0" algn="r" defTabSz="914400" rtl="0" eaLnBrk="1" fontAlgn="auto" latinLnBrk="0" hangingPunct="1">
                         <a:lnSpc>
                           <a:spcPct val="100000"/>
                         </a:lnSpc>
@@ -10245,6 +10693,16 @@
                         <a:tabLst/>
                         <a:defRPr/>
                       </a:pPr>
+                      <a:r>
+                        <a:rPr lang="pt-BR" b="0" i="0" dirty="0">
+                          <a:solidFill>
+                            <a:srgbClr val="000000"/>
+                          </a:solidFill>
+                          <a:effectLst/>
+                          <a:latin typeface="Helvetica Neue"/>
+                        </a:rPr>
+                        <a:t>206.268,06</a:t>
+                      </a:r>
                       <a:endParaRPr lang="en-US" dirty="0"/>
                     </a:p>
                   </a:txBody>
@@ -10263,14 +10721,18 @@
                     <a:bodyPr/>
                     <a:lstStyle/>
                     <a:p>
+                      <a:pPr algn="r"/>
                       <a:r>
-                        <a:rPr lang="pt-BR" sz="1800" b="0" dirty="0">
+                        <a:rPr lang="en-US" altLang="en-US" sz="1800" b="0" kern="1200" dirty="0">
                           <a:solidFill>
                             <a:srgbClr val="1D1C1D"/>
                           </a:solidFill>
                           <a:effectLst/>
+                          <a:latin typeface="+mn-lt"/>
+                          <a:ea typeface="+mn-ea"/>
+                          <a:cs typeface="+mn-cs"/>
                         </a:rPr>
-                        <a:t>187.092,0677</a:t>
+                        <a:t>160.305,39</a:t>
                       </a:r>
                       <a:endParaRPr lang="en-US" dirty="0"/>
                     </a:p>
@@ -10304,10 +10766,10 @@
       </p:graphicFrame>
       <p:pic>
         <p:nvPicPr>
-          <p:cNvPr id="4098" name="Picture 2">
+          <p:cNvPr id="2051" name="Picture 3">
             <a:extLst>
               <a:ext uri="{FF2B5EF4-FFF2-40B4-BE49-F238E27FC236}">
-                <a16:creationId xmlns:a16="http://schemas.microsoft.com/office/drawing/2014/main" id="{32F3761B-1B26-2BFB-CB33-5ED4812FC6CB}"/>
+                <a16:creationId xmlns:a16="http://schemas.microsoft.com/office/drawing/2014/main" id="{D5B1EC9D-C32C-E582-9167-9A930C232D19}"/>
               </a:ext>
             </a:extLst>
           </p:cNvPr>
@@ -10318,6 +10780,13 @@
         </p:nvPicPr>
         <p:blipFill>
           <a:blip r:embed="rId2">
+            <a:duotone>
+              <a:prstClr val="black"/>
+              <a:srgbClr val="D6CA2A">
+                <a:tint val="45000"/>
+                <a:satMod val="400000"/>
+              </a:srgbClr>
+            </a:duotone>
             <a:extLst>
               <a:ext uri="{28A0092B-C50C-407E-A947-70E740481C1C}">
                 <a14:useLocalDpi xmlns:a14="http://schemas.microsoft.com/office/drawing/2010/main" val="0"/>
@@ -10331,8 +10800,8 @@
         </p:blipFill>
         <p:spPr bwMode="auto">
           <a:xfrm>
-            <a:off x="3283955" y="4254760"/>
-            <a:ext cx="5482252" cy="2684817"/>
+            <a:off x="7091464" y="1869768"/>
+            <a:ext cx="5024351" cy="4839509"/>
           </a:xfrm>
           <a:prstGeom prst="rect">
             <a:avLst/>
@@ -10424,8 +10893,8 @@
         </p:nvSpPr>
         <p:spPr>
           <a:xfrm>
-            <a:off x="838200" y="114431"/>
-            <a:ext cx="9770706" cy="1325563"/>
+            <a:off x="439562" y="173096"/>
+            <a:ext cx="10017671" cy="881060"/>
           </a:xfrm>
           <a:prstGeom prst="rect">
             <a:avLst/>
@@ -10462,430 +10931,335 @@
           <a:p>
             <a:r>
               <a:rPr lang="es-ES" b="1" dirty="0" err="1"/>
-              <a:t>Decision</a:t>
+              <a:t>Conclusions</a:t>
             </a:r>
             <a:r>
               <a:rPr lang="es-ES" b="1" dirty="0"/>
               <a:t> </a:t>
             </a:r>
-            <a:r>
-              <a:rPr lang="es-ES" b="1" dirty="0" err="1"/>
-              <a:t>tree</a:t>
-            </a:r>
-            <a:r>
-              <a:rPr lang="es-ES" b="1" dirty="0"/>
-              <a:t> </a:t>
-            </a:r>
-            <a:r>
-              <a:rPr lang="es-ES" b="1" dirty="0" err="1"/>
-              <a:t>regression</a:t>
-            </a:r>
-            <a:r>
-              <a:rPr lang="es-ES" b="1" dirty="0"/>
-              <a:t> </a:t>
-            </a:r>
-            <a:r>
-              <a:rPr lang="es-ES" b="1" dirty="0" err="1"/>
-              <a:t>model</a:t>
-            </a:r>
-            <a:endParaRPr lang="en-US" b="1" dirty="0"/>
           </a:p>
         </p:txBody>
       </p:sp>
-      <p:graphicFrame>
-        <p:nvGraphicFramePr>
-          <p:cNvPr id="12" name="Table 4">
+      <p:sp>
+        <p:nvSpPr>
+          <p:cNvPr id="5" name="Title 1">
             <a:extLst>
               <a:ext uri="{FF2B5EF4-FFF2-40B4-BE49-F238E27FC236}">
-                <a16:creationId xmlns:a16="http://schemas.microsoft.com/office/drawing/2014/main" id="{E6FBD42D-0C8E-4993-EF72-A1753B461674}"/>
+                <a16:creationId xmlns:a16="http://schemas.microsoft.com/office/drawing/2014/main" id="{0F80033B-5B14-1097-291B-8F0982EB566E}"/>
               </a:ext>
             </a:extLst>
           </p:cNvPr>
-          <p:cNvGraphicFramePr>
-            <a:graphicFrameLocks noGrp="1"/>
-          </p:cNvGraphicFramePr>
-          <p:nvPr>
-            <p:extLst>
-              <p:ext uri="{D42A27DB-BD31-4B8C-83A1-F6EECF244321}">
-                <p14:modId xmlns:p14="http://schemas.microsoft.com/office/powerpoint/2010/main" val="3148117010"/>
-              </p:ext>
-            </p:extLst>
-          </p:nvPr>
-        </p:nvGraphicFramePr>
-        <p:xfrm>
-          <a:off x="854787" y="1801552"/>
-          <a:ext cx="9754119" cy="1888601"/>
-        </p:xfrm>
-        <a:graphic>
-          <a:graphicData uri="http://schemas.openxmlformats.org/drawingml/2006/table">
-            <a:tbl>
-              <a:tblPr firstRow="1" bandRow="1">
-                <a:tableStyleId>{F5AB1C69-6EDB-4FF4-983F-18BD219EF322}</a:tableStyleId>
-              </a:tblPr>
-              <a:tblGrid>
-                <a:gridCol w="3251373">
-                  <a:extLst>
-                    <a:ext uri="{9D8B030D-6E8A-4147-A177-3AD203B41FA5}">
-                      <a16:colId xmlns:a16="http://schemas.microsoft.com/office/drawing/2014/main" val="3069066585"/>
-                    </a:ext>
-                  </a:extLst>
-                </a:gridCol>
-                <a:gridCol w="3251373">
-                  <a:extLst>
-                    <a:ext uri="{9D8B030D-6E8A-4147-A177-3AD203B41FA5}">
-                      <a16:colId xmlns:a16="http://schemas.microsoft.com/office/drawing/2014/main" val="2537496800"/>
-                    </a:ext>
-                  </a:extLst>
-                </a:gridCol>
-                <a:gridCol w="3251373">
-                  <a:extLst>
-                    <a:ext uri="{9D8B030D-6E8A-4147-A177-3AD203B41FA5}">
-                      <a16:colId xmlns:a16="http://schemas.microsoft.com/office/drawing/2014/main" val="960031367"/>
-                    </a:ext>
-                  </a:extLst>
-                </a:gridCol>
-              </a:tblGrid>
-              <a:tr h="370840">
-                <a:tc>
-                  <a:txBody>
-                    <a:bodyPr/>
-                    <a:lstStyle/>
-                    <a:p>
-                      <a:r>
-                        <a:rPr lang="es-ES" dirty="0" err="1"/>
-                        <a:t>Metrics</a:t>
-                      </a:r>
-                      <a:endParaRPr lang="en-US" dirty="0"/>
-                    </a:p>
-                  </a:txBody>
-                  <a:tcPr/>
-                </a:tc>
-                <a:tc>
-                  <a:txBody>
-                    <a:bodyPr/>
-                    <a:lstStyle/>
-                    <a:p>
-                      <a:r>
-                        <a:rPr lang="es-ES" dirty="0" err="1"/>
-                        <a:t>Baseline</a:t>
-                      </a:r>
-                      <a:r>
-                        <a:rPr lang="es-ES" dirty="0"/>
-                        <a:t> </a:t>
-                      </a:r>
-                      <a:r>
-                        <a:rPr lang="es-ES" dirty="0" err="1"/>
-                        <a:t>model</a:t>
-                      </a:r>
-                      <a:endParaRPr lang="en-US" dirty="0"/>
-                    </a:p>
-                  </a:txBody>
-                  <a:tcPr/>
-                </a:tc>
-                <a:tc>
-                  <a:txBody>
-                    <a:bodyPr/>
-                    <a:lstStyle/>
-                    <a:p>
-                      <a:r>
-                        <a:rPr lang="es-ES" dirty="0" err="1"/>
-                        <a:t>Best</a:t>
-                      </a:r>
-                      <a:r>
-                        <a:rPr lang="es-ES" dirty="0"/>
-                        <a:t> </a:t>
-                      </a:r>
-                      <a:r>
-                        <a:rPr lang="es-ES" dirty="0" err="1"/>
-                        <a:t>model</a:t>
-                      </a:r>
-                      <a:endParaRPr lang="en-US" dirty="0"/>
-                    </a:p>
-                  </a:txBody>
-                  <a:tcPr/>
-                </a:tc>
-                <a:extLst>
-                  <a:ext uri="{0D108BD9-81ED-4DB2-BD59-A6C34878D82A}">
-                    <a16:rowId xmlns:a16="http://schemas.microsoft.com/office/drawing/2014/main" val="2200906997"/>
-                  </a:ext>
-                </a:extLst>
-              </a:tr>
-              <a:tr h="370840">
-                <a:tc>
-                  <a:txBody>
-                    <a:bodyPr/>
-                    <a:lstStyle/>
-                    <a:p>
-                      <a:r>
-                        <a:rPr lang="pt-BR" sz="1800" b="1" dirty="0">
-                          <a:solidFill>
-                            <a:srgbClr val="1D1C1D"/>
-                          </a:solidFill>
-                          <a:effectLst/>
-                        </a:rPr>
-                        <a:t>r2</a:t>
-                      </a:r>
-                      <a:endParaRPr lang="en-US" dirty="0"/>
-                    </a:p>
-                  </a:txBody>
-                  <a:tcPr/>
-                </a:tc>
-                <a:tc>
-                  <a:txBody>
-                    <a:bodyPr/>
-                    <a:lstStyle/>
-                    <a:p>
-                      <a:endParaRPr lang="en-US" dirty="0"/>
-                    </a:p>
-                  </a:txBody>
-                  <a:tcPr/>
-                </a:tc>
-                <a:tc>
-                  <a:txBody>
-                    <a:bodyPr/>
-                    <a:lstStyle/>
-                    <a:p>
-                      <a:r>
-                        <a:rPr lang="pt-BR" sz="1800" b="0" dirty="0">
-                          <a:solidFill>
-                            <a:srgbClr val="1D1C1D"/>
-                          </a:solidFill>
-                          <a:effectLst/>
-                        </a:rPr>
-                        <a:t>0.7338</a:t>
-                      </a:r>
-                      <a:endParaRPr lang="en-US" dirty="0"/>
-                    </a:p>
-                  </a:txBody>
-                  <a:tcPr/>
-                </a:tc>
-                <a:extLst>
-                  <a:ext uri="{0D108BD9-81ED-4DB2-BD59-A6C34878D82A}">
-                    <a16:rowId xmlns:a16="http://schemas.microsoft.com/office/drawing/2014/main" val="1828838536"/>
-                  </a:ext>
-                </a:extLst>
-              </a:tr>
-              <a:tr h="405241">
-                <a:tc>
-                  <a:txBody>
-                    <a:bodyPr/>
-                    <a:lstStyle/>
-                    <a:p>
-                      <a:r>
-                        <a:rPr lang="pt-BR" sz="1800" b="1" dirty="0">
-                          <a:solidFill>
-                            <a:srgbClr val="1D1C1D"/>
-                          </a:solidFill>
-                          <a:effectLst/>
-                        </a:rPr>
-                        <a:t>MAE</a:t>
-                      </a:r>
-                      <a:endParaRPr lang="en-US" dirty="0"/>
-                    </a:p>
-                  </a:txBody>
-                  <a:tcPr/>
-                </a:tc>
-                <a:tc>
-                  <a:txBody>
-                    <a:bodyPr/>
-                    <a:lstStyle/>
-                    <a:p>
-                      <a:endParaRPr lang="en-US" dirty="0"/>
-                    </a:p>
-                  </a:txBody>
-                  <a:tcPr/>
-                </a:tc>
-                <a:tc>
-                  <a:txBody>
-                    <a:bodyPr/>
-                    <a:lstStyle/>
-                    <a:p>
-                      <a:r>
-                        <a:rPr lang="pt-BR" sz="1800" b="0" dirty="0">
-                          <a:solidFill>
-                            <a:srgbClr val="1D1C1D"/>
-                          </a:solidFill>
-                          <a:effectLst/>
-                        </a:rPr>
-                        <a:t>121.454,3186 </a:t>
-                      </a:r>
-                      <a:endParaRPr lang="en-US" dirty="0"/>
-                    </a:p>
-                  </a:txBody>
-                  <a:tcPr/>
-                </a:tc>
-                <a:extLst>
-                  <a:ext uri="{0D108BD9-81ED-4DB2-BD59-A6C34878D82A}">
-                    <a16:rowId xmlns:a16="http://schemas.microsoft.com/office/drawing/2014/main" val="2261324713"/>
-                  </a:ext>
-                </a:extLst>
-              </a:tr>
-              <a:tr h="370840">
-                <a:tc>
-                  <a:txBody>
-                    <a:bodyPr/>
-                    <a:lstStyle/>
-                    <a:p>
-                      <a:r>
-                        <a:rPr lang="pt-BR" sz="1800" b="1" dirty="0">
-                          <a:solidFill>
-                            <a:srgbClr val="1D1C1D"/>
-                          </a:solidFill>
-                          <a:effectLst/>
-                        </a:rPr>
-                        <a:t>MSE</a:t>
-                      </a:r>
-                      <a:endParaRPr lang="en-US" dirty="0"/>
-                    </a:p>
-                  </a:txBody>
-                  <a:tcPr/>
-                </a:tc>
-                <a:tc>
-                  <a:txBody>
-                    <a:bodyPr/>
-                    <a:lstStyle/>
-                    <a:p>
-                      <a:pPr marL="0" marR="0" lvl="0" indent="0" algn="l" defTabSz="914400" rtl="0" eaLnBrk="1" fontAlgn="auto" latinLnBrk="0" hangingPunct="1">
-                        <a:lnSpc>
-                          <a:spcPct val="100000"/>
-                        </a:lnSpc>
-                        <a:spcBef>
-                          <a:spcPts val="0"/>
-                        </a:spcBef>
-                        <a:spcAft>
-                          <a:spcPts val="0"/>
-                        </a:spcAft>
-                        <a:buClrTx/>
-                        <a:buSzTx/>
-                        <a:buFontTx/>
-                        <a:buNone/>
-                        <a:tabLst/>
-                        <a:defRPr/>
-                      </a:pPr>
-                      <a:endParaRPr lang="pt-BR" sz="1800" b="0" i="0" dirty="0">
-                        <a:solidFill>
-                          <a:srgbClr val="1D1C1D"/>
-                        </a:solidFill>
-                        <a:effectLst/>
-                        <a:latin typeface="Slack-Lato"/>
-                      </a:endParaRPr>
-                    </a:p>
-                  </a:txBody>
-                  <a:tcPr/>
-                </a:tc>
-                <a:tc>
-                  <a:txBody>
-                    <a:bodyPr/>
-                    <a:lstStyle/>
-                    <a:p>
-                      <a:pPr marL="0" marR="0" lvl="0" indent="0" algn="l" defTabSz="914400" rtl="0" eaLnBrk="1" fontAlgn="auto" latinLnBrk="0" hangingPunct="1">
-                        <a:lnSpc>
-                          <a:spcPct val="100000"/>
-                        </a:lnSpc>
-                        <a:spcBef>
-                          <a:spcPts val="0"/>
-                        </a:spcBef>
-                        <a:spcAft>
-                          <a:spcPts val="0"/>
-                        </a:spcAft>
-                        <a:buClrTx/>
-                        <a:buSzTx/>
-                        <a:buFontTx/>
-                        <a:buNone/>
-                        <a:tabLst/>
-                        <a:defRPr/>
-                      </a:pPr>
-                      <a:r>
-                        <a:rPr lang="pt-BR" sz="1800" b="0" dirty="0">
-                          <a:solidFill>
-                            <a:srgbClr val="1D1C1D"/>
-                          </a:solidFill>
-                          <a:effectLst/>
-                        </a:rPr>
-                        <a:t>35.003.441.781,8334 </a:t>
-                      </a:r>
-                      <a:endParaRPr lang="pt-BR" sz="1800" b="0" i="0" dirty="0">
-                        <a:solidFill>
-                          <a:srgbClr val="1D1C1D"/>
-                        </a:solidFill>
-                        <a:effectLst/>
-                        <a:latin typeface="Slack-Lato"/>
-                      </a:endParaRPr>
-                    </a:p>
-                  </a:txBody>
-                  <a:tcPr/>
-                </a:tc>
-                <a:extLst>
-                  <a:ext uri="{0D108BD9-81ED-4DB2-BD59-A6C34878D82A}">
-                    <a16:rowId xmlns:a16="http://schemas.microsoft.com/office/drawing/2014/main" val="2156599954"/>
-                  </a:ext>
-                </a:extLst>
-              </a:tr>
-              <a:tr h="370840">
-                <a:tc>
-                  <a:txBody>
-                    <a:bodyPr/>
-                    <a:lstStyle/>
-                    <a:p>
-                      <a:r>
-                        <a:rPr lang="pt-BR" sz="1800" b="1" dirty="0">
-                          <a:solidFill>
-                            <a:srgbClr val="1D1C1D"/>
-                          </a:solidFill>
-                          <a:effectLst/>
-                        </a:rPr>
-                        <a:t>RMSE</a:t>
-                      </a:r>
-                      <a:endParaRPr lang="en-US" dirty="0"/>
-                    </a:p>
-                  </a:txBody>
-                  <a:tcPr/>
-                </a:tc>
-                <a:tc>
-                  <a:txBody>
-                    <a:bodyPr/>
-                    <a:lstStyle/>
-                    <a:p>
-                      <a:endParaRPr lang="en-US" dirty="0"/>
-                    </a:p>
-                  </a:txBody>
-                  <a:tcPr/>
-                </a:tc>
-                <a:tc>
-                  <a:txBody>
-                    <a:bodyPr/>
-                    <a:lstStyle/>
-                    <a:p>
-                      <a:r>
-                        <a:rPr lang="pt-BR" sz="1800" b="0" dirty="0">
-                          <a:solidFill>
-                            <a:srgbClr val="1D1C1D"/>
-                          </a:solidFill>
-                          <a:effectLst/>
-                        </a:rPr>
-                        <a:t>187.092,0677</a:t>
-                      </a:r>
-                      <a:endParaRPr lang="en-US" dirty="0"/>
-                    </a:p>
-                  </a:txBody>
-                  <a:tcPr/>
-                </a:tc>
-                <a:extLst>
-                  <a:ext uri="{0D108BD9-81ED-4DB2-BD59-A6C34878D82A}">
-                    <a16:rowId xmlns:a16="http://schemas.microsoft.com/office/drawing/2014/main" val="1206078891"/>
-                  </a:ext>
-                </a:extLst>
-              </a:tr>
-            </a:tbl>
-          </a:graphicData>
-        </a:graphic>
-      </p:graphicFrame>
+          <p:cNvSpPr txBox="1">
+            <a:spLocks/>
+          </p:cNvSpPr>
+          <p:nvPr/>
+        </p:nvSpPr>
+        <p:spPr>
+          <a:xfrm>
+            <a:off x="2060839" y="1424233"/>
+            <a:ext cx="9770706" cy="1389434"/>
+          </a:xfrm>
+          <a:prstGeom prst="rect">
+            <a:avLst/>
+          </a:prstGeom>
+          <a:ln w="28575">
+            <a:solidFill>
+              <a:srgbClr val="D6CA2A"/>
+            </a:solidFill>
+          </a:ln>
+        </p:spPr>
+        <p:txBody>
+          <a:bodyPr vert="horz" lIns="91440" tIns="45720" rIns="91440" bIns="45720" rtlCol="0" anchor="ctr">
+            <a:normAutofit/>
+          </a:bodyPr>
+          <a:lstStyle>
+            <a:lvl1pPr algn="l" defTabSz="914400" rtl="0" eaLnBrk="1" latinLnBrk="0" hangingPunct="1">
+              <a:lnSpc>
+                <a:spcPct val="90000"/>
+              </a:lnSpc>
+              <a:spcBef>
+                <a:spcPct val="0"/>
+              </a:spcBef>
+              <a:buNone/>
+              <a:defRPr sz="4400" kern="1200">
+                <a:solidFill>
+                  <a:schemeClr val="tx1"/>
+                </a:solidFill>
+                <a:latin typeface="+mj-lt"/>
+                <a:ea typeface="+mj-ea"/>
+                <a:cs typeface="+mj-cs"/>
+              </a:defRPr>
+            </a:lvl1pPr>
+          </a:lstStyle>
+          <a:p>
+            <a:pPr marL="571500" indent="-571500">
+              <a:lnSpc>
+                <a:spcPct val="150000"/>
+              </a:lnSpc>
+              <a:buFont typeface="Wingdings" panose="05000000000000000000" pitchFamily="2" charset="2"/>
+              <a:buChar char="§"/>
+            </a:pPr>
+            <a:r>
+              <a:rPr lang="es-ES" sz="2600" dirty="0" err="1">
+                <a:latin typeface="+mn-lt"/>
+              </a:rPr>
+              <a:t>According</a:t>
+            </a:r>
+            <a:r>
+              <a:rPr lang="es-ES" sz="2600" dirty="0">
+                <a:latin typeface="+mn-lt"/>
+              </a:rPr>
+              <a:t> </a:t>
+            </a:r>
+            <a:r>
+              <a:rPr lang="es-ES" sz="2600" dirty="0" err="1">
+                <a:latin typeface="+mn-lt"/>
+              </a:rPr>
+              <a:t>to</a:t>
+            </a:r>
+            <a:r>
+              <a:rPr lang="es-ES" sz="2600" dirty="0">
+                <a:latin typeface="+mn-lt"/>
+              </a:rPr>
+              <a:t> </a:t>
+            </a:r>
+            <a:r>
+              <a:rPr lang="es-ES" sz="2600" dirty="0" err="1">
+                <a:latin typeface="+mn-lt"/>
+              </a:rPr>
+              <a:t>our</a:t>
+            </a:r>
+            <a:r>
+              <a:rPr lang="es-ES" sz="2600" dirty="0">
+                <a:latin typeface="+mn-lt"/>
+              </a:rPr>
+              <a:t> </a:t>
+            </a:r>
+            <a:r>
+              <a:rPr lang="en-US" sz="2600" dirty="0">
+                <a:latin typeface="+mn-lt"/>
+              </a:rPr>
+              <a:t>analysis</a:t>
+            </a:r>
+            <a:r>
+              <a:rPr lang="es-ES" sz="2600" dirty="0">
+                <a:latin typeface="+mn-lt"/>
+              </a:rPr>
+              <a:t>, </a:t>
+            </a:r>
+            <a:r>
+              <a:rPr lang="es-ES" sz="2600" dirty="0" err="1">
+                <a:latin typeface="+mn-lt"/>
+              </a:rPr>
+              <a:t>the</a:t>
+            </a:r>
+            <a:r>
+              <a:rPr lang="es-ES" sz="2600" dirty="0">
+                <a:latin typeface="+mn-lt"/>
+              </a:rPr>
+              <a:t> </a:t>
+            </a:r>
+            <a:r>
+              <a:rPr lang="es-ES" sz="2600" dirty="0" err="1">
+                <a:latin typeface="+mn-lt"/>
+              </a:rPr>
+              <a:t>decision</a:t>
+            </a:r>
+            <a:r>
+              <a:rPr lang="es-ES" sz="2600" dirty="0">
+                <a:latin typeface="+mn-lt"/>
+              </a:rPr>
+              <a:t> </a:t>
+            </a:r>
+            <a:r>
+              <a:rPr lang="es-ES" sz="2600" dirty="0" err="1">
+                <a:latin typeface="+mn-lt"/>
+              </a:rPr>
+              <a:t>tree</a:t>
+            </a:r>
+            <a:r>
+              <a:rPr lang="es-ES" sz="2600" dirty="0">
+                <a:latin typeface="+mn-lt"/>
+              </a:rPr>
+              <a:t> </a:t>
+            </a:r>
+            <a:r>
+              <a:rPr lang="es-ES" sz="2600" dirty="0" err="1">
+                <a:latin typeface="+mn-lt"/>
+              </a:rPr>
+              <a:t>regression</a:t>
+            </a:r>
+            <a:r>
+              <a:rPr lang="es-ES" sz="2600" dirty="0">
+                <a:latin typeface="+mn-lt"/>
+              </a:rPr>
+              <a:t> </a:t>
+            </a:r>
+            <a:r>
+              <a:rPr lang="es-ES" sz="2600" dirty="0" err="1">
+                <a:latin typeface="+mn-lt"/>
+              </a:rPr>
+              <a:t>model</a:t>
+            </a:r>
+            <a:r>
+              <a:rPr lang="es-ES" sz="2600" dirty="0">
+                <a:latin typeface="+mn-lt"/>
+              </a:rPr>
+              <a:t> </a:t>
+            </a:r>
+            <a:r>
+              <a:rPr lang="es-ES" sz="2600" dirty="0" err="1">
+                <a:latin typeface="+mn-lt"/>
+              </a:rPr>
+              <a:t>is</a:t>
+            </a:r>
+            <a:r>
+              <a:rPr lang="es-ES" sz="2600" dirty="0">
+                <a:latin typeface="+mn-lt"/>
+              </a:rPr>
+              <a:t> </a:t>
+            </a:r>
+            <a:r>
+              <a:rPr lang="es-ES" sz="2600" dirty="0" err="1">
+                <a:latin typeface="+mn-lt"/>
+              </a:rPr>
+              <a:t>the</a:t>
+            </a:r>
+            <a:r>
+              <a:rPr lang="es-ES" sz="2600" dirty="0">
+                <a:latin typeface="+mn-lt"/>
+              </a:rPr>
+              <a:t> </a:t>
+            </a:r>
+            <a:r>
+              <a:rPr lang="es-ES" sz="2600" dirty="0" err="1">
+                <a:latin typeface="+mn-lt"/>
+              </a:rPr>
+              <a:t>better</a:t>
+            </a:r>
+            <a:r>
+              <a:rPr lang="es-ES" sz="2600" dirty="0">
+                <a:latin typeface="+mn-lt"/>
+              </a:rPr>
+              <a:t> </a:t>
+            </a:r>
+            <a:r>
+              <a:rPr lang="es-ES" sz="2600" dirty="0" err="1">
+                <a:latin typeface="+mn-lt"/>
+              </a:rPr>
+              <a:t>choice</a:t>
+            </a:r>
+            <a:r>
+              <a:rPr lang="es-ES" sz="2600" dirty="0">
+                <a:latin typeface="+mn-lt"/>
+              </a:rPr>
+              <a:t> </a:t>
+            </a:r>
+            <a:r>
+              <a:rPr lang="es-ES" sz="2600" dirty="0" err="1">
+                <a:latin typeface="+mn-lt"/>
+              </a:rPr>
+              <a:t>to</a:t>
+            </a:r>
+            <a:r>
+              <a:rPr lang="es-ES" sz="2600" dirty="0">
+                <a:latin typeface="+mn-lt"/>
+              </a:rPr>
+              <a:t> </a:t>
+            </a:r>
+            <a:r>
+              <a:rPr lang="es-ES" sz="2600" dirty="0" err="1">
+                <a:latin typeface="+mn-lt"/>
+              </a:rPr>
+              <a:t>predict</a:t>
+            </a:r>
+            <a:r>
+              <a:rPr lang="es-ES" sz="2600" dirty="0">
+                <a:latin typeface="+mn-lt"/>
+              </a:rPr>
+              <a:t> </a:t>
+            </a:r>
+            <a:r>
+              <a:rPr lang="es-ES" sz="2600" dirty="0" err="1">
+                <a:latin typeface="+mn-lt"/>
+              </a:rPr>
+              <a:t>house</a:t>
+            </a:r>
+            <a:r>
+              <a:rPr lang="es-ES" sz="2600" dirty="0">
+                <a:latin typeface="+mn-lt"/>
+              </a:rPr>
+              <a:t> </a:t>
+            </a:r>
+            <a:r>
+              <a:rPr lang="es-ES" sz="2600" dirty="0" err="1">
+                <a:latin typeface="+mn-lt"/>
+              </a:rPr>
+              <a:t>prices</a:t>
+            </a:r>
+            <a:r>
+              <a:rPr lang="es-ES" sz="2600" dirty="0">
+                <a:latin typeface="+mn-lt"/>
+              </a:rPr>
+              <a:t> </a:t>
+            </a:r>
+            <a:r>
+              <a:rPr lang="es-ES" sz="2600" dirty="0" err="1">
+                <a:latin typeface="+mn-lt"/>
+              </a:rPr>
+              <a:t>given</a:t>
+            </a:r>
+            <a:r>
+              <a:rPr lang="es-ES" sz="2600" dirty="0">
+                <a:latin typeface="+mn-lt"/>
+              </a:rPr>
+              <a:t> </a:t>
+            </a:r>
+            <a:r>
+              <a:rPr lang="es-ES" sz="2600" dirty="0" err="1">
+                <a:latin typeface="+mn-lt"/>
+              </a:rPr>
+              <a:t>the</a:t>
+            </a:r>
+            <a:r>
+              <a:rPr lang="es-ES" sz="2600" dirty="0">
+                <a:latin typeface="+mn-lt"/>
+              </a:rPr>
+              <a:t> </a:t>
+            </a:r>
+            <a:r>
+              <a:rPr lang="es-ES" sz="2600" dirty="0" err="1">
+                <a:latin typeface="+mn-lt"/>
+              </a:rPr>
+              <a:t>current</a:t>
+            </a:r>
+            <a:r>
+              <a:rPr lang="es-ES" sz="2600" dirty="0">
+                <a:latin typeface="+mn-lt"/>
+              </a:rPr>
+              <a:t> </a:t>
+            </a:r>
+            <a:r>
+              <a:rPr lang="es-ES" sz="2600" dirty="0" err="1">
+                <a:latin typeface="+mn-lt"/>
+              </a:rPr>
+              <a:t>database</a:t>
+            </a:r>
+            <a:r>
+              <a:rPr lang="es-ES" sz="2600" dirty="0">
+                <a:latin typeface="+mn-lt"/>
+              </a:rPr>
+              <a:t>.</a:t>
+            </a:r>
+          </a:p>
+        </p:txBody>
+      </p:sp>
       <p:pic>
         <p:nvPicPr>
-          <p:cNvPr id="3074" name="Picture 2">
+          <p:cNvPr id="10" name="Picture 3">
             <a:extLst>
               <a:ext uri="{FF2B5EF4-FFF2-40B4-BE49-F238E27FC236}">
-                <a16:creationId xmlns:a16="http://schemas.microsoft.com/office/drawing/2014/main" id="{5A33019B-D2B8-7F85-BE5B-2F51BB127FBE}"/>
+                <a16:creationId xmlns:a16="http://schemas.microsoft.com/office/drawing/2014/main" id="{906B26D5-7323-AAD1-FE67-ED22716C0188}"/>
               </a:ext>
             </a:extLst>
           </p:cNvPr>
@@ -10896,6 +11270,13 @@
         </p:nvPicPr>
         <p:blipFill>
           <a:blip r:embed="rId2">
+            <a:duotone>
+              <a:prstClr val="black"/>
+              <a:srgbClr val="D6CA2A">
+                <a:tint val="45000"/>
+                <a:satMod val="400000"/>
+              </a:srgbClr>
+            </a:duotone>
             <a:extLst>
               <a:ext uri="{28A0092B-C50C-407E-A947-70E740481C1C}">
                 <a14:useLocalDpi xmlns:a14="http://schemas.microsoft.com/office/drawing/2010/main" val="0"/>
@@ -10909,8 +11290,8 @@
         </p:blipFill>
         <p:spPr bwMode="auto">
           <a:xfrm>
-            <a:off x="1631950" y="0"/>
-            <a:ext cx="8926513" cy="6858000"/>
+            <a:off x="233995" y="1400402"/>
+            <a:ext cx="1545260" cy="1488411"/>
           </a:xfrm>
           <a:prstGeom prst="rect">
             <a:avLst/>
@@ -10927,10 +11308,402 @@
           </a:extLst>
         </p:spPr>
       </p:pic>
+      <p:sp>
+        <p:nvSpPr>
+          <p:cNvPr id="11" name="Title 1">
+            <a:extLst>
+              <a:ext uri="{FF2B5EF4-FFF2-40B4-BE49-F238E27FC236}">
+                <a16:creationId xmlns:a16="http://schemas.microsoft.com/office/drawing/2014/main" id="{FC915977-C9FD-717A-AD30-07CDF4658120}"/>
+              </a:ext>
+            </a:extLst>
+          </p:cNvPr>
+          <p:cNvSpPr txBox="1">
+            <a:spLocks/>
+          </p:cNvSpPr>
+          <p:nvPr/>
+        </p:nvSpPr>
+        <p:spPr>
+          <a:xfrm>
+            <a:off x="2477383" y="4812434"/>
+            <a:ext cx="9354162" cy="1588816"/>
+          </a:xfrm>
+          <a:prstGeom prst="rect">
+            <a:avLst/>
+          </a:prstGeom>
+          <a:ln w="28575">
+            <a:solidFill>
+              <a:srgbClr val="D6CA2A"/>
+            </a:solidFill>
+          </a:ln>
+        </p:spPr>
+        <p:txBody>
+          <a:bodyPr vert="horz" lIns="91440" tIns="45720" rIns="91440" bIns="45720" rtlCol="0" anchor="ctr">
+            <a:normAutofit fontScale="92500"/>
+          </a:bodyPr>
+          <a:lstStyle>
+            <a:lvl1pPr algn="l" defTabSz="914400" rtl="0" eaLnBrk="1" latinLnBrk="0" hangingPunct="1">
+              <a:lnSpc>
+                <a:spcPct val="90000"/>
+              </a:lnSpc>
+              <a:spcBef>
+                <a:spcPct val="0"/>
+              </a:spcBef>
+              <a:buNone/>
+              <a:defRPr sz="4400" kern="1200">
+                <a:solidFill>
+                  <a:schemeClr val="tx1"/>
+                </a:solidFill>
+                <a:latin typeface="+mj-lt"/>
+                <a:ea typeface="+mj-ea"/>
+                <a:cs typeface="+mj-cs"/>
+              </a:defRPr>
+            </a:lvl1pPr>
+          </a:lstStyle>
+          <a:p>
+            <a:pPr marL="571500" indent="-571500">
+              <a:lnSpc>
+                <a:spcPct val="150000"/>
+              </a:lnSpc>
+              <a:buFont typeface="Wingdings" panose="05000000000000000000" pitchFamily="2" charset="2"/>
+              <a:buChar char="§"/>
+            </a:pPr>
+            <a:r>
+              <a:rPr lang="en-US" sz="2600" dirty="0">
+                <a:latin typeface="+mn-lt"/>
+              </a:rPr>
+              <a:t>Our analysis also suggests that </a:t>
+            </a:r>
+            <a:r>
+              <a:rPr lang="en-US" sz="2600" dirty="0" err="1">
+                <a:latin typeface="+mn-lt"/>
+              </a:rPr>
+              <a:t>sqft_lot</a:t>
+            </a:r>
+            <a:r>
+              <a:rPr lang="en-US" sz="2600" dirty="0">
+                <a:latin typeface="+mn-lt"/>
+              </a:rPr>
+              <a:t>, sqft_lot15, sqft_living15 are not important factors in predicting the house prices</a:t>
+            </a:r>
+          </a:p>
+        </p:txBody>
+      </p:sp>
+      <p:sp>
+        <p:nvSpPr>
+          <p:cNvPr id="12" name="Title 1">
+            <a:extLst>
+              <a:ext uri="{FF2B5EF4-FFF2-40B4-BE49-F238E27FC236}">
+                <a16:creationId xmlns:a16="http://schemas.microsoft.com/office/drawing/2014/main" id="{09DD80C5-6309-B07A-66E9-C30E98F00620}"/>
+              </a:ext>
+            </a:extLst>
+          </p:cNvPr>
+          <p:cNvSpPr txBox="1">
+            <a:spLocks/>
+          </p:cNvSpPr>
+          <p:nvPr/>
+        </p:nvSpPr>
+        <p:spPr>
+          <a:xfrm>
+            <a:off x="297517" y="2968149"/>
+            <a:ext cx="11534028" cy="1389434"/>
+          </a:xfrm>
+          <a:prstGeom prst="rect">
+            <a:avLst/>
+          </a:prstGeom>
+          <a:ln w="28575">
+            <a:solidFill>
+              <a:srgbClr val="D6CA2A"/>
+            </a:solidFill>
+          </a:ln>
+        </p:spPr>
+        <p:txBody>
+          <a:bodyPr vert="horz" lIns="91440" tIns="45720" rIns="91440" bIns="45720" rtlCol="0" anchor="ctr">
+            <a:normAutofit/>
+          </a:bodyPr>
+          <a:lstStyle>
+            <a:lvl1pPr algn="l" defTabSz="914400" rtl="0" eaLnBrk="1" latinLnBrk="0" hangingPunct="1">
+              <a:lnSpc>
+                <a:spcPct val="90000"/>
+              </a:lnSpc>
+              <a:spcBef>
+                <a:spcPct val="0"/>
+              </a:spcBef>
+              <a:buNone/>
+              <a:defRPr sz="4400" kern="1200">
+                <a:solidFill>
+                  <a:schemeClr val="tx1"/>
+                </a:solidFill>
+                <a:latin typeface="+mj-lt"/>
+                <a:ea typeface="+mj-ea"/>
+                <a:cs typeface="+mj-cs"/>
+              </a:defRPr>
+            </a:lvl1pPr>
+          </a:lstStyle>
+          <a:p>
+            <a:pPr marL="571500" indent="-571500">
+              <a:lnSpc>
+                <a:spcPct val="150000"/>
+              </a:lnSpc>
+              <a:buFont typeface="Wingdings" panose="05000000000000000000" pitchFamily="2" charset="2"/>
+              <a:buChar char="§"/>
+            </a:pPr>
+            <a:r>
+              <a:rPr lang="es-ES" sz="2600" dirty="0" err="1">
+                <a:latin typeface="+mn-lt"/>
+              </a:rPr>
+              <a:t>Our</a:t>
+            </a:r>
+            <a:r>
+              <a:rPr lang="es-ES" sz="2600" dirty="0">
+                <a:latin typeface="+mn-lt"/>
+              </a:rPr>
+              <a:t> </a:t>
+            </a:r>
+            <a:r>
+              <a:rPr lang="es-ES" sz="2600" dirty="0" err="1">
+                <a:latin typeface="+mn-lt"/>
+              </a:rPr>
+              <a:t>model</a:t>
+            </a:r>
+            <a:r>
+              <a:rPr lang="es-ES" sz="2600" dirty="0">
+                <a:latin typeface="+mn-lt"/>
+              </a:rPr>
+              <a:t> can </a:t>
+            </a:r>
+            <a:r>
+              <a:rPr lang="es-ES" sz="2600" dirty="0" err="1">
+                <a:latin typeface="+mn-lt"/>
+              </a:rPr>
+              <a:t>predict</a:t>
+            </a:r>
+            <a:r>
+              <a:rPr lang="es-ES" sz="2600" dirty="0">
+                <a:latin typeface="+mn-lt"/>
+              </a:rPr>
+              <a:t> </a:t>
+            </a:r>
+            <a:r>
+              <a:rPr lang="es-ES" sz="2600" dirty="0" err="1">
+                <a:latin typeface="+mn-lt"/>
+              </a:rPr>
+              <a:t>the</a:t>
+            </a:r>
+            <a:r>
+              <a:rPr lang="es-ES" sz="2600" dirty="0">
+                <a:latin typeface="+mn-lt"/>
+              </a:rPr>
+              <a:t> actual </a:t>
+            </a:r>
+            <a:r>
+              <a:rPr lang="es-ES" sz="2600" dirty="0" err="1">
+                <a:latin typeface="+mn-lt"/>
+              </a:rPr>
+              <a:t>prices</a:t>
+            </a:r>
+            <a:r>
+              <a:rPr lang="es-ES" sz="2600" dirty="0">
+                <a:latin typeface="+mn-lt"/>
+              </a:rPr>
+              <a:t> </a:t>
+            </a:r>
+            <a:r>
+              <a:rPr lang="es-ES" sz="2600" dirty="0" err="1">
+                <a:latin typeface="+mn-lt"/>
+              </a:rPr>
+              <a:t>with</a:t>
+            </a:r>
+            <a:r>
+              <a:rPr lang="es-ES" sz="2600" dirty="0">
+                <a:latin typeface="+mn-lt"/>
+              </a:rPr>
+              <a:t> </a:t>
+            </a:r>
+            <a:r>
+              <a:rPr lang="es-ES" sz="2600" dirty="0" err="1">
+                <a:latin typeface="+mn-lt"/>
+              </a:rPr>
+              <a:t>an</a:t>
+            </a:r>
+            <a:r>
+              <a:rPr lang="es-ES" sz="2600" dirty="0">
+                <a:latin typeface="+mn-lt"/>
+              </a:rPr>
+              <a:t> </a:t>
+            </a:r>
+            <a:r>
+              <a:rPr lang="es-ES" sz="2600" dirty="0" err="1">
+                <a:latin typeface="+mn-lt"/>
+              </a:rPr>
+              <a:t>accuracy</a:t>
+            </a:r>
+            <a:r>
+              <a:rPr lang="es-ES" sz="2600" dirty="0">
+                <a:latin typeface="+mn-lt"/>
+              </a:rPr>
+              <a:t> </a:t>
+            </a:r>
+            <a:r>
+              <a:rPr lang="es-ES" sz="2600" dirty="0" err="1">
+                <a:latin typeface="+mn-lt"/>
+              </a:rPr>
+              <a:t>of</a:t>
+            </a:r>
+            <a:r>
+              <a:rPr lang="es-ES" sz="2600" dirty="0">
+                <a:latin typeface="+mn-lt"/>
+              </a:rPr>
+              <a:t> 80% and a mean absolute error </a:t>
+            </a:r>
+            <a:r>
+              <a:rPr lang="es-ES" sz="2600" dirty="0" err="1">
+                <a:latin typeface="+mn-lt"/>
+              </a:rPr>
+              <a:t>of</a:t>
+            </a:r>
+            <a:r>
+              <a:rPr lang="es-ES" sz="2600" dirty="0">
+                <a:latin typeface="+mn-lt"/>
+              </a:rPr>
+              <a:t> </a:t>
+            </a:r>
+            <a:r>
+              <a:rPr lang="es-ES" sz="2600" dirty="0" err="1">
+                <a:latin typeface="+mn-lt"/>
+              </a:rPr>
+              <a:t>less</a:t>
+            </a:r>
+            <a:r>
+              <a:rPr lang="es-ES" sz="2600" dirty="0">
+                <a:latin typeface="+mn-lt"/>
+              </a:rPr>
+              <a:t> </a:t>
+            </a:r>
+            <a:r>
+              <a:rPr lang="es-ES" sz="2600" dirty="0" err="1">
+                <a:latin typeface="+mn-lt"/>
+              </a:rPr>
+              <a:t>than</a:t>
+            </a:r>
+            <a:r>
+              <a:rPr lang="es-ES" sz="2600" dirty="0">
+                <a:latin typeface="+mn-lt"/>
+              </a:rPr>
+              <a:t> $100k</a:t>
+            </a:r>
+          </a:p>
+        </p:txBody>
+      </p:sp>
+      <p:pic>
+        <p:nvPicPr>
+          <p:cNvPr id="13" name="Picture 2" descr="Angle Symbol Brand Clipart Variable, Hammer, Tool, Text, Logo Transparent  Png – Pngset.com">
+            <a:extLst>
+              <a:ext uri="{FF2B5EF4-FFF2-40B4-BE49-F238E27FC236}">
+                <a16:creationId xmlns:a16="http://schemas.microsoft.com/office/drawing/2014/main" id="{1E04C23D-0CBA-DA15-9F7D-85C97A9709E6}"/>
+              </a:ext>
+            </a:extLst>
+          </p:cNvPr>
+          <p:cNvPicPr>
+            <a:picLocks noChangeAspect="1" noChangeArrowheads="1"/>
+          </p:cNvPicPr>
+          <p:nvPr/>
+        </p:nvPicPr>
+        <p:blipFill>
+          <a:blip r:embed="rId3">
+            <a:biLevel thresh="25000"/>
+            <a:extLst>
+              <a:ext uri="{28A0092B-C50C-407E-A947-70E740481C1C}">
+                <a14:useLocalDpi xmlns:a14="http://schemas.microsoft.com/office/drawing/2010/main" val="0"/>
+              </a:ext>
+            </a:extLst>
+          </a:blip>
+          <a:srcRect/>
+          <a:stretch>
+            <a:fillRect/>
+          </a:stretch>
+        </p:blipFill>
+        <p:spPr bwMode="auto">
+          <a:xfrm rot="20291121">
+            <a:off x="432960" y="4899726"/>
+            <a:ext cx="1781933" cy="1414232"/>
+          </a:xfrm>
+          <a:prstGeom prst="rect">
+            <a:avLst/>
+          </a:prstGeom>
+          <a:noFill/>
+          <a:extLst>
+            <a:ext uri="{909E8E84-426E-40DD-AFC4-6F175D3DCCD1}">
+              <a14:hiddenFill xmlns:a14="http://schemas.microsoft.com/office/drawing/2010/main">
+                <a:solidFill>
+                  <a:srgbClr val="FFFFFF"/>
+                </a:solidFill>
+              </a14:hiddenFill>
+            </a:ext>
+          </a:extLst>
+        </p:spPr>
+      </p:pic>
+      <p:sp>
+        <p:nvSpPr>
+          <p:cNvPr id="2" name="Cross 1">
+            <a:extLst>
+              <a:ext uri="{FF2B5EF4-FFF2-40B4-BE49-F238E27FC236}">
+                <a16:creationId xmlns:a16="http://schemas.microsoft.com/office/drawing/2014/main" id="{722F9549-5518-1652-D25A-AA0C025D541B}"/>
+              </a:ext>
+            </a:extLst>
+          </p:cNvPr>
+          <p:cNvSpPr/>
+          <p:nvPr/>
+        </p:nvSpPr>
+        <p:spPr>
+          <a:xfrm rot="18554885">
+            <a:off x="473978" y="4656409"/>
+            <a:ext cx="1717834" cy="1714861"/>
+          </a:xfrm>
+          <a:prstGeom prst="plus">
+            <a:avLst>
+              <a:gd name="adj" fmla="val 42359"/>
+            </a:avLst>
+          </a:prstGeom>
+          <a:solidFill>
+            <a:srgbClr val="D6CA2A">
+              <a:alpha val="60000"/>
+            </a:srgbClr>
+          </a:solidFill>
+          <a:ln>
+            <a:solidFill>
+              <a:srgbClr val="D6CA2A"/>
+            </a:solidFill>
+          </a:ln>
+        </p:spPr>
+        <p:style>
+          <a:lnRef idx="2">
+            <a:schemeClr val="accent4">
+              <a:shade val="50000"/>
+            </a:schemeClr>
+          </a:lnRef>
+          <a:fillRef idx="1">
+            <a:schemeClr val="accent4"/>
+          </a:fillRef>
+          <a:effectRef idx="0">
+            <a:schemeClr val="accent4"/>
+          </a:effectRef>
+          <a:fontRef idx="minor">
+            <a:schemeClr val="lt1"/>
+          </a:fontRef>
+        </p:style>
+        <p:txBody>
+          <a:bodyPr rtlCol="0" anchor="ctr"/>
+          <a:lstStyle/>
+          <a:p>
+            <a:pPr algn="ctr"/>
+            <a:endParaRPr lang="en-US"/>
+          </a:p>
+        </p:txBody>
+      </p:sp>
     </p:spTree>
     <p:extLst>
       <p:ext uri="{BB962C8B-B14F-4D97-AF65-F5344CB8AC3E}">
-        <p14:creationId xmlns:p14="http://schemas.microsoft.com/office/powerpoint/2010/main" val="2780524223"/>
+        <p14:creationId xmlns:p14="http://schemas.microsoft.com/office/powerpoint/2010/main" val="1360526518"/>
       </p:ext>
     </p:extLst>
   </p:cSld>
@@ -11002,8 +11775,8 @@
         </p:nvSpPr>
         <p:spPr>
           <a:xfrm>
-            <a:off x="604934" y="694821"/>
-            <a:ext cx="9770706" cy="5267440"/>
+            <a:off x="754224" y="2359414"/>
+            <a:ext cx="9770706" cy="2029718"/>
           </a:xfrm>
           <a:prstGeom prst="rect">
             <a:avLst/>
@@ -11038,308 +11811,47 @@
             </a:lvl1pPr>
           </a:lstStyle>
           <a:p>
+            <a:pPr algn="ctr"/>
             <a:r>
               <a:rPr lang="es-ES" b="1" dirty="0" err="1"/>
-              <a:t>Conclusions</a:t>
+              <a:t>Thanks</a:t>
             </a:r>
             <a:r>
               <a:rPr lang="es-ES" b="1" dirty="0"/>
-              <a:t>: </a:t>
-            </a:r>
-          </a:p>
-          <a:p>
-            <a:pPr marL="571500" indent="-571500">
-              <a:lnSpc>
-                <a:spcPct val="150000"/>
-              </a:lnSpc>
-              <a:buFont typeface="Wingdings" panose="05000000000000000000" pitchFamily="2" charset="2"/>
-              <a:buChar char="§"/>
-            </a:pPr>
-            <a:r>
-              <a:rPr lang="es-ES" sz="2600" dirty="0" err="1"/>
-              <a:t>According</a:t>
-            </a:r>
-            <a:r>
-              <a:rPr lang="es-ES" sz="2600" dirty="0"/>
               <a:t> </a:t>
             </a:r>
             <a:r>
-              <a:rPr lang="es-ES" sz="2600" dirty="0" err="1"/>
-              <a:t>to</a:t>
-            </a:r>
-            <a:r>
-              <a:rPr lang="es-ES" sz="2600" dirty="0"/>
+              <a:rPr lang="es-ES" b="1" dirty="0" err="1"/>
+              <a:t>for</a:t>
+            </a:r>
+            <a:r>
+              <a:rPr lang="es-ES" b="1" dirty="0"/>
               <a:t> </a:t>
             </a:r>
             <a:r>
-              <a:rPr lang="es-ES" sz="2600" dirty="0" err="1"/>
-              <a:t>our</a:t>
-            </a:r>
-            <a:r>
-              <a:rPr lang="es-ES" sz="2600" dirty="0"/>
+              <a:rPr lang="es-ES" b="1" dirty="0" err="1"/>
+              <a:t>your</a:t>
+            </a:r>
+            <a:r>
+              <a:rPr lang="es-ES" b="1" dirty="0"/>
               <a:t> </a:t>
             </a:r>
             <a:r>
-              <a:rPr lang="en-US" sz="2600" dirty="0"/>
-              <a:t>analysis</a:t>
-            </a:r>
-            <a:r>
-              <a:rPr lang="es-ES" sz="2600" dirty="0"/>
-              <a:t>, </a:t>
-            </a:r>
-            <a:r>
-              <a:rPr lang="es-ES" sz="2600" dirty="0" err="1"/>
-              <a:t>the</a:t>
-            </a:r>
-            <a:r>
-              <a:rPr lang="es-ES" sz="2600" dirty="0"/>
-              <a:t> </a:t>
-            </a:r>
-            <a:r>
-              <a:rPr lang="es-ES" sz="2600" dirty="0" err="1"/>
-              <a:t>decision</a:t>
-            </a:r>
-            <a:r>
-              <a:rPr lang="es-ES" sz="2600" dirty="0"/>
-              <a:t> </a:t>
-            </a:r>
-            <a:r>
-              <a:rPr lang="es-ES" sz="2600" dirty="0" err="1"/>
-              <a:t>tree</a:t>
-            </a:r>
-            <a:r>
-              <a:rPr lang="es-ES" sz="2600" dirty="0"/>
-              <a:t> </a:t>
-            </a:r>
-            <a:r>
-              <a:rPr lang="es-ES" sz="2600" dirty="0" err="1"/>
-              <a:t>regression</a:t>
-            </a:r>
-            <a:r>
-              <a:rPr lang="es-ES" sz="2600" dirty="0"/>
-              <a:t> </a:t>
-            </a:r>
-            <a:r>
-              <a:rPr lang="es-ES" sz="2600" dirty="0" err="1"/>
-              <a:t>model</a:t>
-            </a:r>
-            <a:r>
-              <a:rPr lang="es-ES" sz="2600" dirty="0"/>
-              <a:t> </a:t>
-            </a:r>
-            <a:r>
-              <a:rPr lang="es-ES" sz="2600" dirty="0" err="1"/>
-              <a:t>is</a:t>
-            </a:r>
-            <a:r>
-              <a:rPr lang="es-ES" sz="2600" dirty="0"/>
-              <a:t> </a:t>
-            </a:r>
-            <a:r>
-              <a:rPr lang="es-ES" sz="2600" dirty="0" err="1"/>
-              <a:t>the</a:t>
-            </a:r>
-            <a:r>
-              <a:rPr lang="es-ES" sz="2600" dirty="0"/>
-              <a:t> </a:t>
-            </a:r>
-            <a:r>
-              <a:rPr lang="es-ES" sz="2600" dirty="0" err="1"/>
-              <a:t>better</a:t>
-            </a:r>
-            <a:r>
-              <a:rPr lang="es-ES" sz="2600" dirty="0"/>
-              <a:t> </a:t>
-            </a:r>
-            <a:r>
-              <a:rPr lang="es-ES" sz="2600" dirty="0" err="1"/>
-              <a:t>choice</a:t>
-            </a:r>
-            <a:r>
-              <a:rPr lang="es-ES" sz="2600" dirty="0"/>
-              <a:t> </a:t>
-            </a:r>
-            <a:r>
-              <a:rPr lang="es-ES" sz="2600" dirty="0" err="1"/>
-              <a:t>to</a:t>
-            </a:r>
-            <a:r>
-              <a:rPr lang="es-ES" sz="2600" dirty="0"/>
-              <a:t> </a:t>
-            </a:r>
-            <a:r>
-              <a:rPr lang="es-ES" sz="2600" dirty="0" err="1"/>
-              <a:t>predict</a:t>
-            </a:r>
-            <a:r>
-              <a:rPr lang="es-ES" sz="2600" dirty="0"/>
-              <a:t> </a:t>
-            </a:r>
-            <a:r>
-              <a:rPr lang="es-ES" sz="2600" dirty="0" err="1"/>
-              <a:t>house</a:t>
-            </a:r>
-            <a:r>
-              <a:rPr lang="es-ES" sz="2600" dirty="0"/>
-              <a:t> </a:t>
-            </a:r>
-            <a:r>
-              <a:rPr lang="es-ES" sz="2600" dirty="0" err="1"/>
-              <a:t>prices</a:t>
-            </a:r>
-            <a:r>
-              <a:rPr lang="es-ES" sz="2600" dirty="0"/>
-              <a:t> </a:t>
-            </a:r>
-            <a:r>
-              <a:rPr lang="es-ES" sz="2600" dirty="0" err="1"/>
-              <a:t>given</a:t>
-            </a:r>
-            <a:r>
-              <a:rPr lang="es-ES" sz="2600" dirty="0"/>
-              <a:t> </a:t>
-            </a:r>
-            <a:r>
-              <a:rPr lang="es-ES" sz="2600" dirty="0" err="1"/>
-              <a:t>the</a:t>
-            </a:r>
-            <a:r>
-              <a:rPr lang="es-ES" sz="2600" dirty="0"/>
-              <a:t> </a:t>
-            </a:r>
-            <a:r>
-              <a:rPr lang="es-ES" sz="2600" dirty="0" err="1"/>
-              <a:t>current</a:t>
-            </a:r>
-            <a:r>
-              <a:rPr lang="es-ES" sz="2600" dirty="0"/>
-              <a:t> </a:t>
-            </a:r>
-            <a:r>
-              <a:rPr lang="es-ES" sz="2600" dirty="0" err="1"/>
-              <a:t>database</a:t>
-            </a:r>
-            <a:r>
-              <a:rPr lang="es-ES" sz="2600" dirty="0"/>
-              <a:t>.</a:t>
-            </a:r>
-          </a:p>
-          <a:p>
-            <a:pPr marL="571500" indent="-571500">
-              <a:lnSpc>
-                <a:spcPct val="150000"/>
-              </a:lnSpc>
-              <a:buFont typeface="Wingdings" panose="05000000000000000000" pitchFamily="2" charset="2"/>
-              <a:buChar char="§"/>
-            </a:pPr>
-            <a:r>
-              <a:rPr lang="es-ES" sz="2600" dirty="0" err="1"/>
-              <a:t>Our</a:t>
-            </a:r>
-            <a:r>
-              <a:rPr lang="es-ES" sz="2600" dirty="0"/>
-              <a:t> </a:t>
-            </a:r>
-            <a:r>
-              <a:rPr lang="es-ES" sz="2600" dirty="0" err="1"/>
-              <a:t>model</a:t>
-            </a:r>
-            <a:r>
-              <a:rPr lang="es-ES" sz="2600" dirty="0"/>
-              <a:t> can </a:t>
-            </a:r>
-            <a:r>
-              <a:rPr lang="es-ES" sz="2600" dirty="0" err="1"/>
-              <a:t>predict</a:t>
-            </a:r>
-            <a:r>
-              <a:rPr lang="es-ES" sz="2600" dirty="0"/>
-              <a:t> </a:t>
-            </a:r>
-            <a:r>
-              <a:rPr lang="es-ES" sz="2600" dirty="0" err="1"/>
-              <a:t>the</a:t>
-            </a:r>
-            <a:r>
-              <a:rPr lang="es-ES" sz="2600" dirty="0"/>
-              <a:t> actual </a:t>
-            </a:r>
-            <a:r>
-              <a:rPr lang="es-ES" sz="2600" dirty="0" err="1"/>
-              <a:t>prices</a:t>
-            </a:r>
-            <a:r>
-              <a:rPr lang="es-ES" sz="2600" dirty="0"/>
-              <a:t> </a:t>
-            </a:r>
-            <a:r>
-              <a:rPr lang="es-ES" sz="2600" dirty="0" err="1"/>
-              <a:t>with</a:t>
-            </a:r>
-            <a:r>
-              <a:rPr lang="es-ES" sz="2600" dirty="0"/>
-              <a:t> </a:t>
-            </a:r>
-            <a:r>
-              <a:rPr lang="es-ES" sz="2600" dirty="0" err="1"/>
-              <a:t>an</a:t>
-            </a:r>
-            <a:r>
-              <a:rPr lang="es-ES" sz="2600" dirty="0"/>
-              <a:t> </a:t>
-            </a:r>
-            <a:r>
-              <a:rPr lang="es-ES" sz="2600" dirty="0" err="1"/>
-              <a:t>accuracy</a:t>
-            </a:r>
-            <a:r>
-              <a:rPr lang="es-ES" sz="2600" dirty="0"/>
-              <a:t> </a:t>
-            </a:r>
-            <a:r>
-              <a:rPr lang="es-ES" sz="2600" dirty="0" err="1"/>
-              <a:t>of</a:t>
-            </a:r>
-            <a:r>
-              <a:rPr lang="es-ES" sz="2600" dirty="0"/>
-              <a:t> 80% and a mean absolute error </a:t>
-            </a:r>
-            <a:r>
-              <a:rPr lang="es-ES" sz="2600" dirty="0" err="1"/>
-              <a:t>of</a:t>
-            </a:r>
-            <a:r>
-              <a:rPr lang="es-ES" sz="2600" dirty="0"/>
-              <a:t> les tan $100k</a:t>
-            </a:r>
-          </a:p>
-          <a:p>
-            <a:pPr marL="571500" indent="-571500">
-              <a:lnSpc>
-                <a:spcPct val="150000"/>
-              </a:lnSpc>
-              <a:buFont typeface="Wingdings" panose="05000000000000000000" pitchFamily="2" charset="2"/>
-              <a:buChar char="§"/>
-            </a:pPr>
-            <a:r>
-              <a:rPr lang="en-US" sz="2600" dirty="0"/>
-              <a:t>Our analysis also suggests that </a:t>
-            </a:r>
-            <a:r>
-              <a:rPr lang="en-US" sz="2600" dirty="0" err="1"/>
-              <a:t>sqft_lot</a:t>
-            </a:r>
-            <a:r>
-              <a:rPr lang="en-US" sz="2600" dirty="0"/>
-              <a:t>, sqft_lot15, sqft_living15 are not important factors in predicting the house prices</a:t>
-            </a:r>
+              <a:rPr lang="es-ES" b="1" dirty="0" err="1"/>
+              <a:t>attention</a:t>
+            </a:r>
+            <a:r>
+              <a:rPr lang="es-ES" b="1" dirty="0"/>
+              <a:t>!</a:t>
+            </a:r>
+            <a:endParaRPr lang="en-US" sz="2600" dirty="0"/>
           </a:p>
         </p:txBody>
       </p:sp>
     </p:spTree>
     <p:extLst>
       <p:ext uri="{BB962C8B-B14F-4D97-AF65-F5344CB8AC3E}">
-        <p14:creationId xmlns:p14="http://schemas.microsoft.com/office/powerpoint/2010/main" val="1360526518"/>
+        <p14:creationId xmlns:p14="http://schemas.microsoft.com/office/powerpoint/2010/main" val="1145279449"/>
       </p:ext>
     </p:extLst>
   </p:cSld>
@@ -11368,39 +11880,6 @@
       </p:grpSpPr>
       <p:sp>
         <p:nvSpPr>
-          <p:cNvPr id="2" name="Title 1">
-            <a:extLst>
-              <a:ext uri="{FF2B5EF4-FFF2-40B4-BE49-F238E27FC236}">
-                <a16:creationId xmlns:a16="http://schemas.microsoft.com/office/drawing/2014/main" id="{A545B797-4F72-5ED6-2324-3C5FC6B82E7D}"/>
-              </a:ext>
-            </a:extLst>
-          </p:cNvPr>
-          <p:cNvSpPr>
-            <a:spLocks noGrp="1"/>
-          </p:cNvSpPr>
-          <p:nvPr>
-            <p:ph type="title"/>
-          </p:nvPr>
-        </p:nvSpPr>
-        <p:spPr/>
-        <p:txBody>
-          <a:bodyPr/>
-          <a:lstStyle/>
-          <a:p>
-            <a:r>
-              <a:rPr lang="es-ES" dirty="0"/>
-              <a:t>Future </a:t>
-            </a:r>
-            <a:r>
-              <a:rPr lang="es-ES" dirty="0" err="1"/>
-              <a:t>steps</a:t>
-            </a:r>
-            <a:endParaRPr lang="en-US" dirty="0"/>
-          </a:p>
-        </p:txBody>
-      </p:sp>
-      <p:sp>
-        <p:nvSpPr>
           <p:cNvPr id="3" name="Content Placeholder 2">
             <a:extLst>
               <a:ext uri="{FF2B5EF4-FFF2-40B4-BE49-F238E27FC236}">
@@ -11415,18 +11894,26 @@
             <p:ph idx="1"/>
           </p:nvPr>
         </p:nvSpPr>
-        <p:spPr/>
+        <p:spPr>
+          <a:xfrm>
+            <a:off x="546566" y="1669982"/>
+            <a:ext cx="10017671" cy="1005124"/>
+          </a:xfrm>
+        </p:spPr>
         <p:txBody>
-          <a:bodyPr/>
+          <a:bodyPr>
+            <a:normAutofit fontScale="92500"/>
+          </a:bodyPr>
           <a:lstStyle/>
           <a:p>
+            <a:pPr algn="just"/>
             <a:r>
               <a:rPr lang="es-ES" dirty="0" err="1"/>
               <a:t>Implement</a:t>
             </a:r>
             <a:r>
               <a:rPr lang="es-ES" dirty="0"/>
-              <a:t> in </a:t>
+              <a:t> </a:t>
             </a:r>
             <a:r>
               <a:rPr lang="es-ES" dirty="0" err="1"/>
@@ -11434,6 +11921,62 @@
             </a:r>
             <a:r>
               <a:rPr lang="es-ES" dirty="0"/>
+              <a:t> </a:t>
+            </a:r>
+            <a:r>
+              <a:rPr lang="es-ES" dirty="0" err="1"/>
+              <a:t>observations</a:t>
+            </a:r>
+            <a:r>
+              <a:rPr lang="es-ES" dirty="0"/>
+              <a:t> </a:t>
+            </a:r>
+            <a:r>
+              <a:rPr lang="es-ES" dirty="0" err="1"/>
+              <a:t>coming</a:t>
+            </a:r>
+            <a:r>
+              <a:rPr lang="es-ES" dirty="0"/>
+              <a:t> </a:t>
+            </a:r>
+            <a:r>
+              <a:rPr lang="es-ES" dirty="0" err="1"/>
+              <a:t>from</a:t>
+            </a:r>
+            <a:r>
+              <a:rPr lang="es-ES" dirty="0"/>
+              <a:t> </a:t>
+            </a:r>
+            <a:r>
+              <a:rPr lang="es-ES" dirty="0" err="1"/>
+              <a:t>the</a:t>
+            </a:r>
+            <a:r>
+              <a:rPr lang="es-ES" dirty="0"/>
+              <a:t> visual </a:t>
+            </a:r>
+            <a:r>
+              <a:rPr lang="es-ES" dirty="0" err="1"/>
+              <a:t>inspection</a:t>
+            </a:r>
+            <a:r>
+              <a:rPr lang="es-ES" dirty="0"/>
+              <a:t> (</a:t>
+            </a:r>
+            <a:r>
+              <a:rPr lang="es-ES" dirty="0" err="1"/>
+              <a:t>Tableau</a:t>
+            </a:r>
+            <a:r>
+              <a:rPr lang="es-ES" dirty="0"/>
+              <a:t>) in </a:t>
+            </a:r>
+            <a:r>
+              <a:rPr lang="es-ES" dirty="0" err="1"/>
+              <a:t>the</a:t>
+            </a:r>
+            <a:r>
+              <a:rPr lang="es-ES" dirty="0"/>
               <a:t> ML </a:t>
             </a:r>
             <a:r>
@@ -11443,62 +11986,6 @@
             <a:r>
               <a:rPr lang="es-ES" dirty="0"/>
               <a:t> </a:t>
-            </a:r>
-            <a:r>
-              <a:rPr lang="es-ES" dirty="0" err="1"/>
-              <a:t>the</a:t>
-            </a:r>
-            <a:r>
-              <a:rPr lang="es-ES" dirty="0"/>
-              <a:t> </a:t>
-            </a:r>
-            <a:r>
-              <a:rPr lang="es-ES" dirty="0" err="1"/>
-              <a:t>observations</a:t>
-            </a:r>
-            <a:r>
-              <a:rPr lang="es-ES" dirty="0"/>
-              <a:t> </a:t>
-            </a:r>
-            <a:r>
-              <a:rPr lang="es-ES" dirty="0" err="1"/>
-              <a:t>coming</a:t>
-            </a:r>
-            <a:r>
-              <a:rPr lang="es-ES" dirty="0"/>
-              <a:t> </a:t>
-            </a:r>
-            <a:r>
-              <a:rPr lang="es-ES" dirty="0" err="1"/>
-              <a:t>from</a:t>
-            </a:r>
-            <a:r>
-              <a:rPr lang="es-ES" dirty="0"/>
-              <a:t> </a:t>
-            </a:r>
-            <a:r>
-              <a:rPr lang="es-ES" dirty="0" err="1"/>
-              <a:t>the</a:t>
-            </a:r>
-            <a:r>
-              <a:rPr lang="es-ES" dirty="0"/>
-              <a:t> visual </a:t>
-            </a:r>
-            <a:r>
-              <a:rPr lang="es-ES" dirty="0" err="1"/>
-              <a:t>inspection</a:t>
-            </a:r>
-            <a:r>
-              <a:rPr lang="es-ES" dirty="0"/>
-              <a:t> (</a:t>
-            </a:r>
-            <a:r>
-              <a:rPr lang="es-ES" dirty="0" err="1"/>
-              <a:t>Tableau</a:t>
-            </a:r>
-            <a:r>
-              <a:rPr lang="es-ES" dirty="0"/>
-              <a:t>) </a:t>
             </a:r>
             <a:r>
               <a:rPr lang="es-ES" dirty="0" err="1"/>
@@ -11602,7 +12089,7 @@
         </p:blipFill>
         <p:spPr bwMode="auto">
           <a:xfrm>
-            <a:off x="3788402" y="3168977"/>
+            <a:off x="3681398" y="3348364"/>
             <a:ext cx="4615195" cy="3007986"/>
           </a:xfrm>
           <a:prstGeom prst="rect">
@@ -11620,71 +12107,12 @@
           </a:extLst>
         </p:spPr>
       </p:pic>
-    </p:spTree>
-    <p:extLst>
-      <p:ext uri="{BB962C8B-B14F-4D97-AF65-F5344CB8AC3E}">
-        <p14:creationId xmlns:p14="http://schemas.microsoft.com/office/powerpoint/2010/main" val="3271377513"/>
-      </p:ext>
-    </p:extLst>
-  </p:cSld>
-  <p:clrMapOvr>
-    <a:masterClrMapping/>
-  </p:clrMapOvr>
-</p:sld>
-</file>
-
-<file path=ppt/slides/slide14.xml><?xml version="1.0" encoding="utf-8"?>
-<p:sld xmlns:a="http://schemas.openxmlformats.org/drawingml/2006/main" xmlns:r="http://schemas.openxmlformats.org/officeDocument/2006/relationships" xmlns:p="http://schemas.openxmlformats.org/presentationml/2006/main">
-  <p:cSld>
-    <p:spTree>
-      <p:nvGrpSpPr>
-        <p:cNvPr id="1" name=""/>
-        <p:cNvGrpSpPr/>
-        <p:nvPr/>
-      </p:nvGrpSpPr>
-      <p:grpSpPr>
-        <a:xfrm>
-          <a:off x="0" y="0"/>
-          <a:ext cx="0" cy="0"/>
-          <a:chOff x="0" y="0"/>
-          <a:chExt cx="0" cy="0"/>
-        </a:xfrm>
-      </p:grpSpPr>
-      <p:sp>
-        <p:nvSpPr>
-          <p:cNvPr id="4" name="Slide Number Placeholder 3">
-            <a:extLst>
-              <a:ext uri="{FF2B5EF4-FFF2-40B4-BE49-F238E27FC236}">
-                <a16:creationId xmlns:a16="http://schemas.microsoft.com/office/drawing/2014/main" id="{EDC69469-E0D2-8564-D653-107640DF73DB}"/>
-              </a:ext>
-            </a:extLst>
-          </p:cNvPr>
-          <p:cNvSpPr>
-            <a:spLocks noGrp="1"/>
-          </p:cNvSpPr>
-          <p:nvPr>
-            <p:ph type="sldNum" sz="quarter" idx="12"/>
-          </p:nvPr>
-        </p:nvSpPr>
-        <p:spPr/>
-        <p:txBody>
-          <a:bodyPr/>
-          <a:lstStyle/>
-          <a:p>
-            <a:fld id="{70A36DDD-6718-4AAF-9FBC-AD300EE7F597}" type="slidenum">
-              <a:rPr lang="en-US" smtClean="0"/>
-              <a:t>14</a:t>
-            </a:fld>
-            <a:endParaRPr lang="en-US"/>
-          </a:p>
-        </p:txBody>
-      </p:sp>
       <p:sp>
         <p:nvSpPr>
           <p:cNvPr id="8" name="Title 1">
             <a:extLst>
               <a:ext uri="{FF2B5EF4-FFF2-40B4-BE49-F238E27FC236}">
-                <a16:creationId xmlns:a16="http://schemas.microsoft.com/office/drawing/2014/main" id="{10B3D540-7AB4-1A23-B76E-CE322EE2A41A}"/>
+                <a16:creationId xmlns:a16="http://schemas.microsoft.com/office/drawing/2014/main" id="{088D3252-39DA-A524-4F8E-809D6784CF1A}"/>
               </a:ext>
             </a:extLst>
           </p:cNvPr>
@@ -11695,8 +12123,8 @@
         </p:nvSpPr>
         <p:spPr>
           <a:xfrm>
-            <a:off x="754224" y="2359414"/>
-            <a:ext cx="9770706" cy="2029718"/>
+            <a:off x="546566" y="240507"/>
+            <a:ext cx="10017671" cy="881060"/>
           </a:xfrm>
           <a:prstGeom prst="rect">
             <a:avLst/>
@@ -11731,47 +12159,22 @@
             </a:lvl1pPr>
           </a:lstStyle>
           <a:p>
-            <a:pPr algn="ctr"/>
+            <a:r>
+              <a:rPr lang="es-ES" b="1" dirty="0"/>
+              <a:t>Future </a:t>
+            </a:r>
             <a:r>
               <a:rPr lang="es-ES" b="1" dirty="0" err="1"/>
-              <a:t>Thanks</a:t>
-            </a:r>
-            <a:r>
-              <a:rPr lang="es-ES" b="1" dirty="0"/>
-              <a:t> </a:t>
-            </a:r>
-            <a:r>
-              <a:rPr lang="es-ES" b="1" dirty="0" err="1"/>
-              <a:t>for</a:t>
-            </a:r>
-            <a:r>
-              <a:rPr lang="es-ES" b="1" dirty="0"/>
-              <a:t> </a:t>
-            </a:r>
-            <a:r>
-              <a:rPr lang="es-ES" b="1" dirty="0" err="1"/>
-              <a:t>your</a:t>
-            </a:r>
-            <a:r>
-              <a:rPr lang="es-ES" b="1" dirty="0"/>
-              <a:t> </a:t>
-            </a:r>
-            <a:r>
-              <a:rPr lang="es-ES" b="1" dirty="0" err="1"/>
-              <a:t>attention</a:t>
-            </a:r>
-            <a:r>
-              <a:rPr lang="es-ES" b="1" dirty="0"/>
-              <a:t>!</a:t>
-            </a:r>
-            <a:endParaRPr lang="en-US" sz="2600" dirty="0"/>
+              <a:t>steps</a:t>
+            </a:r>
+            <a:endParaRPr lang="es-ES" b="1" dirty="0"/>
           </a:p>
         </p:txBody>
       </p:sp>
     </p:spTree>
     <p:extLst>
       <p:ext uri="{BB962C8B-B14F-4D97-AF65-F5344CB8AC3E}">
-        <p14:creationId xmlns:p14="http://schemas.microsoft.com/office/powerpoint/2010/main" val="1145279449"/>
+        <p14:creationId xmlns:p14="http://schemas.microsoft.com/office/powerpoint/2010/main" val="3271377513"/>
       </p:ext>
     </p:extLst>
   </p:cSld>
@@ -11860,7 +12263,9 @@
           </a:xfrm>
         </p:spPr>
         <p:txBody>
-          <a:bodyPr/>
+          <a:bodyPr>
+            <a:normAutofit/>
+          </a:bodyPr>
           <a:lstStyle/>
           <a:p>
             <a:pPr>
@@ -11871,10 +12276,38 @@
               <a:buChar char="§"/>
             </a:pPr>
             <a:r>
-              <a:rPr lang="es-ES" dirty="0" err="1"/>
+              <a:rPr lang="es-ES" sz="3200" dirty="0" err="1"/>
               <a:t>Objectives</a:t>
             </a:r>
-            <a:endParaRPr lang="es-ES" dirty="0"/>
+            <a:endParaRPr lang="es-ES" sz="3200" dirty="0"/>
+          </a:p>
+          <a:p>
+            <a:pPr lvl="1">
+              <a:lnSpc>
+                <a:spcPct val="200000"/>
+              </a:lnSpc>
+              <a:buFont typeface="Wingdings" panose="05000000000000000000" pitchFamily="2" charset="2"/>
+              <a:buChar char="§"/>
+            </a:pPr>
+            <a:r>
+              <a:rPr lang="es-ES" sz="2800" dirty="0" err="1"/>
+              <a:t>Methodology</a:t>
+            </a:r>
+            <a:endParaRPr lang="es-ES" sz="2800" dirty="0"/>
+          </a:p>
+          <a:p>
+            <a:pPr lvl="1">
+              <a:lnSpc>
+                <a:spcPct val="200000"/>
+              </a:lnSpc>
+              <a:buFont typeface="Wingdings" panose="05000000000000000000" pitchFamily="2" charset="2"/>
+              <a:buChar char="§"/>
+            </a:pPr>
+            <a:r>
+              <a:rPr lang="es-ES" sz="2800" dirty="0" err="1"/>
+              <a:t>Results</a:t>
+            </a:r>
+            <a:endParaRPr lang="es-ES" sz="2800" dirty="0"/>
           </a:p>
           <a:p>
             <a:pPr>
@@ -11885,32 +12318,14 @@
               <a:buChar char="§"/>
             </a:pPr>
             <a:r>
-              <a:rPr lang="es-ES" dirty="0" err="1"/>
-              <a:t>Methodology</a:t>
-            </a:r>
-            <a:endParaRPr lang="es-ES" dirty="0"/>
-          </a:p>
-          <a:p>
-            <a:pPr>
-              <a:lnSpc>
-                <a:spcPct val="200000"/>
-              </a:lnSpc>
-              <a:buFont typeface="Wingdings" panose="05000000000000000000" pitchFamily="2" charset="2"/>
-              <a:buChar char="§"/>
-            </a:pPr>
-            <a:r>
-              <a:rPr lang="es-ES" dirty="0" err="1"/>
-              <a:t>Results</a:t>
-            </a:r>
-            <a:r>
-              <a:rPr lang="es-ES" dirty="0"/>
-              <a:t> &amp; </a:t>
-            </a:r>
-            <a:r>
-              <a:rPr lang="es-ES" dirty="0" err="1"/>
+              <a:rPr lang="es-ES" sz="3600" dirty="0"/>
+              <a:t> </a:t>
+            </a:r>
+            <a:r>
+              <a:rPr lang="es-ES" sz="3600" dirty="0" err="1"/>
               <a:t>Conclusions</a:t>
             </a:r>
-            <a:endParaRPr lang="en-US" dirty="0"/>
+            <a:endParaRPr lang="en-US" sz="3600" dirty="0"/>
           </a:p>
         </p:txBody>
       </p:sp>
@@ -12036,15 +12451,17 @@
         </p:nvSpPr>
         <p:spPr>
           <a:xfrm>
-            <a:off x="2743200" y="1825625"/>
-            <a:ext cx="8610600" cy="4351338"/>
+            <a:off x="3200400" y="2105603"/>
+            <a:ext cx="7903030" cy="839928"/>
           </a:xfrm>
         </p:spPr>
         <p:txBody>
-          <a:bodyPr/>
+          <a:bodyPr>
+            <a:normAutofit lnSpcReduction="10000"/>
+          </a:bodyPr>
           <a:lstStyle/>
           <a:p>
-            <a:pPr marL="514350" indent="-514350">
+            <a:pPr marL="514350" indent="-514350" algn="just">
               <a:buAutoNum type="arabicParenR"/>
             </a:pPr>
             <a:r>
@@ -12056,36 +12473,6 @@
                 <a:latin typeface="Helvetica Neue"/>
               </a:rPr>
               <a:t>Explore the characteristics of the houses using some business intelligence tools.</a:t>
-            </a:r>
-          </a:p>
-          <a:p>
-            <a:pPr marL="514350" indent="-514350">
-              <a:buAutoNum type="arabicParenR"/>
-            </a:pPr>
-            <a:r>
-              <a:rPr lang="en-US" b="0" i="0" dirty="0">
-                <a:solidFill>
-                  <a:srgbClr val="000000"/>
-                </a:solidFill>
-                <a:effectLst/>
-                <a:latin typeface="Helvetica Neue"/>
-              </a:rPr>
-              <a:t>Build a model that will predict the price of a house based on features provided in the dataset.</a:t>
-            </a:r>
-          </a:p>
-          <a:p>
-            <a:pPr marL="514350" indent="-514350">
-              <a:buAutoNum type="arabicParenR"/>
-            </a:pPr>
-            <a:r>
-              <a:rPr lang="en-US" b="0" i="0" dirty="0">
-                <a:solidFill>
-                  <a:srgbClr val="000000"/>
-                </a:solidFill>
-                <a:effectLst/>
-                <a:latin typeface="Helvetica Neue"/>
-              </a:rPr>
-              <a:t>Understanding which factors are responsible for higher property value - $650K and above.</a:t>
             </a:r>
           </a:p>
         </p:txBody>
@@ -12133,8 +12520,8 @@
         </p:nvSpPr>
         <p:spPr>
           <a:xfrm>
-            <a:off x="490842" y="1843156"/>
-            <a:ext cx="1721796" cy="492443"/>
+            <a:off x="854739" y="2069838"/>
+            <a:ext cx="2103120" cy="640080"/>
           </a:xfrm>
           <a:prstGeom prst="rect">
             <a:avLst/>
@@ -12158,8 +12545,9 @@
           </a:bodyPr>
           <a:lstStyle/>
           <a:p>
-            <a:r>
-              <a:rPr lang="es-ES" sz="2600" dirty="0">
+            <a:pPr algn="ctr"/>
+            <a:r>
+              <a:rPr lang="es-ES" sz="3000" dirty="0">
                 <a:solidFill>
                   <a:schemeClr val="tx1">
                     <a:lumMod val="50000"/>
@@ -12170,7 +12558,7 @@
               <a:t>BI </a:t>
             </a:r>
             <a:r>
-              <a:rPr lang="es-ES" sz="2600" dirty="0" err="1">
+              <a:rPr lang="es-ES" sz="3000" dirty="0" err="1">
                 <a:solidFill>
                   <a:schemeClr val="tx1">
                     <a:lumMod val="50000"/>
@@ -12180,7 +12568,7 @@
               </a:rPr>
               <a:t>tools</a:t>
             </a:r>
-            <a:endParaRPr lang="en-US" sz="2600" dirty="0">
+            <a:endParaRPr lang="en-US" sz="3000" dirty="0">
               <a:solidFill>
                 <a:schemeClr val="tx1">
                   <a:lumMod val="50000"/>
@@ -12205,8 +12593,8 @@
         </p:nvSpPr>
         <p:spPr>
           <a:xfrm>
-            <a:off x="490842" y="4704424"/>
-            <a:ext cx="1721796" cy="892552"/>
+            <a:off x="854739" y="5220867"/>
+            <a:ext cx="2103120" cy="1097280"/>
           </a:xfrm>
           <a:prstGeom prst="rect">
             <a:avLst/>
@@ -12230,8 +12618,9 @@
           </a:bodyPr>
           <a:lstStyle/>
           <a:p>
-            <a:r>
-              <a:rPr lang="es-ES" sz="2600" dirty="0">
+            <a:pPr algn="ctr"/>
+            <a:r>
+              <a:rPr lang="es-ES" sz="3000" dirty="0">
                 <a:solidFill>
                   <a:schemeClr val="tx1">
                     <a:lumMod val="50000"/>
@@ -12242,7 +12631,7 @@
               <a:t>High-</a:t>
             </a:r>
             <a:r>
-              <a:rPr lang="es-ES" sz="2600" dirty="0" err="1">
+              <a:rPr lang="es-ES" sz="3000" dirty="0" err="1">
                 <a:solidFill>
                   <a:schemeClr val="tx1">
                     <a:lumMod val="50000"/>
@@ -12253,7 +12642,7 @@
               <a:t>value</a:t>
             </a:r>
             <a:r>
-              <a:rPr lang="es-ES" sz="2600" dirty="0">
+              <a:rPr lang="es-ES" sz="3000" dirty="0">
                 <a:solidFill>
                   <a:schemeClr val="tx1">
                     <a:lumMod val="50000"/>
@@ -12264,7 +12653,7 @@
               <a:t> </a:t>
             </a:r>
             <a:r>
-              <a:rPr lang="es-ES" sz="2600" dirty="0" err="1">
+              <a:rPr lang="es-ES" sz="3000" dirty="0" err="1">
                 <a:solidFill>
                   <a:schemeClr val="tx1">
                     <a:lumMod val="50000"/>
@@ -12274,7 +12663,7 @@
               </a:rPr>
               <a:t>property</a:t>
             </a:r>
-            <a:endParaRPr lang="en-US" sz="2600" dirty="0">
+            <a:endParaRPr lang="en-US" sz="3000" dirty="0">
               <a:solidFill>
                 <a:schemeClr val="tx1">
                   <a:lumMod val="50000"/>
@@ -12299,8 +12688,8 @@
         </p:nvSpPr>
         <p:spPr>
           <a:xfrm>
-            <a:off x="490842" y="3132699"/>
-            <a:ext cx="1721796" cy="492443"/>
+            <a:off x="854739" y="3438971"/>
+            <a:ext cx="2103120" cy="1097280"/>
           </a:xfrm>
           <a:prstGeom prst="rect">
             <a:avLst/>
@@ -12324,8 +12713,9 @@
           </a:bodyPr>
           <a:lstStyle/>
           <a:p>
-            <a:r>
-              <a:rPr lang="es-ES" sz="2600" dirty="0" err="1">
+            <a:pPr algn="ctr"/>
+            <a:r>
+              <a:rPr lang="es-ES" sz="3000" dirty="0">
                 <a:solidFill>
                   <a:schemeClr val="tx1">
                     <a:lumMod val="50000"/>
@@ -12333,9 +12723,20 @@
                   </a:schemeClr>
                 </a:solidFill>
               </a:rPr>
-              <a:t>Model</a:t>
-            </a:r>
-            <a:endParaRPr lang="en-US" sz="2600" dirty="0">
+              <a:t>Predictive </a:t>
+            </a:r>
+            <a:r>
+              <a:rPr lang="es-ES" sz="3000" dirty="0" err="1">
+                <a:solidFill>
+                  <a:schemeClr val="tx1">
+                    <a:lumMod val="50000"/>
+                    <a:lumOff val="50000"/>
+                  </a:schemeClr>
+                </a:solidFill>
+              </a:rPr>
+              <a:t>models</a:t>
+            </a:r>
+            <a:endParaRPr lang="en-US" sz="3000" dirty="0">
               <a:solidFill>
                 <a:schemeClr val="tx1">
                   <a:lumMod val="50000"/>
@@ -12382,6 +12783,429 @@
               <a:t>Objectives</a:t>
             </a:r>
             <a:endParaRPr lang="en-US" b="1" dirty="0"/>
+          </a:p>
+        </p:txBody>
+      </p:sp>
+      <p:sp>
+        <p:nvSpPr>
+          <p:cNvPr id="8" name="Content Placeholder 2">
+            <a:extLst>
+              <a:ext uri="{FF2B5EF4-FFF2-40B4-BE49-F238E27FC236}">
+                <a16:creationId xmlns:a16="http://schemas.microsoft.com/office/drawing/2014/main" id="{7847A25A-183F-5831-42E6-1F856553B8F1}"/>
+              </a:ext>
+            </a:extLst>
+          </p:cNvPr>
+          <p:cNvSpPr txBox="1">
+            <a:spLocks/>
+          </p:cNvSpPr>
+          <p:nvPr/>
+        </p:nvSpPr>
+        <p:spPr>
+          <a:xfrm>
+            <a:off x="3200400" y="5220867"/>
+            <a:ext cx="7903030" cy="1097280"/>
+          </a:xfrm>
+          <a:prstGeom prst="rect">
+            <a:avLst/>
+          </a:prstGeom>
+        </p:spPr>
+        <p:txBody>
+          <a:bodyPr vert="horz" lIns="91440" tIns="45720" rIns="91440" bIns="45720" rtlCol="0">
+            <a:normAutofit/>
+          </a:bodyPr>
+          <a:lstStyle>
+            <a:lvl1pPr marL="228600" indent="-228600" algn="l" defTabSz="914400" rtl="0" eaLnBrk="1" latinLnBrk="0" hangingPunct="1">
+              <a:lnSpc>
+                <a:spcPct val="90000"/>
+              </a:lnSpc>
+              <a:spcBef>
+                <a:spcPts val="1000"/>
+              </a:spcBef>
+              <a:buFont typeface="Arial" panose="020B0604020202020204" pitchFamily="34" charset="0"/>
+              <a:buChar char="•"/>
+              <a:defRPr sz="2800" kern="1200">
+                <a:solidFill>
+                  <a:schemeClr val="tx1"/>
+                </a:solidFill>
+                <a:latin typeface="+mn-lt"/>
+                <a:ea typeface="+mn-ea"/>
+                <a:cs typeface="+mn-cs"/>
+              </a:defRPr>
+            </a:lvl1pPr>
+            <a:lvl2pPr marL="685800" indent="-228600" algn="l" defTabSz="914400" rtl="0" eaLnBrk="1" latinLnBrk="0" hangingPunct="1">
+              <a:lnSpc>
+                <a:spcPct val="90000"/>
+              </a:lnSpc>
+              <a:spcBef>
+                <a:spcPts val="500"/>
+              </a:spcBef>
+              <a:buFont typeface="Arial" panose="020B0604020202020204" pitchFamily="34" charset="0"/>
+              <a:buChar char="•"/>
+              <a:defRPr sz="2400" kern="1200">
+                <a:solidFill>
+                  <a:schemeClr val="tx1"/>
+                </a:solidFill>
+                <a:latin typeface="+mn-lt"/>
+                <a:ea typeface="+mn-ea"/>
+                <a:cs typeface="+mn-cs"/>
+              </a:defRPr>
+            </a:lvl2pPr>
+            <a:lvl3pPr marL="1143000" indent="-228600" algn="l" defTabSz="914400" rtl="0" eaLnBrk="1" latinLnBrk="0" hangingPunct="1">
+              <a:lnSpc>
+                <a:spcPct val="90000"/>
+              </a:lnSpc>
+              <a:spcBef>
+                <a:spcPts val="500"/>
+              </a:spcBef>
+              <a:buFont typeface="Arial" panose="020B0604020202020204" pitchFamily="34" charset="0"/>
+              <a:buChar char="•"/>
+              <a:defRPr sz="2000" kern="1200">
+                <a:solidFill>
+                  <a:schemeClr val="tx1"/>
+                </a:solidFill>
+                <a:latin typeface="+mn-lt"/>
+                <a:ea typeface="+mn-ea"/>
+                <a:cs typeface="+mn-cs"/>
+              </a:defRPr>
+            </a:lvl3pPr>
+            <a:lvl4pPr marL="1600200" indent="-228600" algn="l" defTabSz="914400" rtl="0" eaLnBrk="1" latinLnBrk="0" hangingPunct="1">
+              <a:lnSpc>
+                <a:spcPct val="90000"/>
+              </a:lnSpc>
+              <a:spcBef>
+                <a:spcPts val="500"/>
+              </a:spcBef>
+              <a:buFont typeface="Arial" panose="020B0604020202020204" pitchFamily="34" charset="0"/>
+              <a:buChar char="•"/>
+              <a:defRPr sz="1800" kern="1200">
+                <a:solidFill>
+                  <a:schemeClr val="tx1"/>
+                </a:solidFill>
+                <a:latin typeface="+mn-lt"/>
+                <a:ea typeface="+mn-ea"/>
+                <a:cs typeface="+mn-cs"/>
+              </a:defRPr>
+            </a:lvl4pPr>
+            <a:lvl5pPr marL="2057400" indent="-228600" algn="l" defTabSz="914400" rtl="0" eaLnBrk="1" latinLnBrk="0" hangingPunct="1">
+              <a:lnSpc>
+                <a:spcPct val="90000"/>
+              </a:lnSpc>
+              <a:spcBef>
+                <a:spcPts val="500"/>
+              </a:spcBef>
+              <a:buFont typeface="Arial" panose="020B0604020202020204" pitchFamily="34" charset="0"/>
+              <a:buChar char="•"/>
+              <a:defRPr sz="1800" kern="1200">
+                <a:solidFill>
+                  <a:schemeClr val="tx1"/>
+                </a:solidFill>
+                <a:latin typeface="+mn-lt"/>
+                <a:ea typeface="+mn-ea"/>
+                <a:cs typeface="+mn-cs"/>
+              </a:defRPr>
+            </a:lvl5pPr>
+            <a:lvl6pPr marL="2514600" indent="-228600" algn="l" defTabSz="914400" rtl="0" eaLnBrk="1" latinLnBrk="0" hangingPunct="1">
+              <a:lnSpc>
+                <a:spcPct val="90000"/>
+              </a:lnSpc>
+              <a:spcBef>
+                <a:spcPts val="500"/>
+              </a:spcBef>
+              <a:buFont typeface="Arial" panose="020B0604020202020204" pitchFamily="34" charset="0"/>
+              <a:buChar char="•"/>
+              <a:defRPr sz="1800" kern="1200">
+                <a:solidFill>
+                  <a:schemeClr val="tx1"/>
+                </a:solidFill>
+                <a:latin typeface="+mn-lt"/>
+                <a:ea typeface="+mn-ea"/>
+                <a:cs typeface="+mn-cs"/>
+              </a:defRPr>
+            </a:lvl6pPr>
+            <a:lvl7pPr marL="2971800" indent="-228600" algn="l" defTabSz="914400" rtl="0" eaLnBrk="1" latinLnBrk="0" hangingPunct="1">
+              <a:lnSpc>
+                <a:spcPct val="90000"/>
+              </a:lnSpc>
+              <a:spcBef>
+                <a:spcPts val="500"/>
+              </a:spcBef>
+              <a:buFont typeface="Arial" panose="020B0604020202020204" pitchFamily="34" charset="0"/>
+              <a:buChar char="•"/>
+              <a:defRPr sz="1800" kern="1200">
+                <a:solidFill>
+                  <a:schemeClr val="tx1"/>
+                </a:solidFill>
+                <a:latin typeface="+mn-lt"/>
+                <a:ea typeface="+mn-ea"/>
+                <a:cs typeface="+mn-cs"/>
+              </a:defRPr>
+            </a:lvl7pPr>
+            <a:lvl8pPr marL="3429000" indent="-228600" algn="l" defTabSz="914400" rtl="0" eaLnBrk="1" latinLnBrk="0" hangingPunct="1">
+              <a:lnSpc>
+                <a:spcPct val="90000"/>
+              </a:lnSpc>
+              <a:spcBef>
+                <a:spcPts val="500"/>
+              </a:spcBef>
+              <a:buFont typeface="Arial" panose="020B0604020202020204" pitchFamily="34" charset="0"/>
+              <a:buChar char="•"/>
+              <a:defRPr sz="1800" kern="1200">
+                <a:solidFill>
+                  <a:schemeClr val="tx1"/>
+                </a:solidFill>
+                <a:latin typeface="+mn-lt"/>
+                <a:ea typeface="+mn-ea"/>
+                <a:cs typeface="+mn-cs"/>
+              </a:defRPr>
+            </a:lvl8pPr>
+            <a:lvl9pPr marL="3886200" indent="-228600" algn="l" defTabSz="914400" rtl="0" eaLnBrk="1" latinLnBrk="0" hangingPunct="1">
+              <a:lnSpc>
+                <a:spcPct val="90000"/>
+              </a:lnSpc>
+              <a:spcBef>
+                <a:spcPts val="500"/>
+              </a:spcBef>
+              <a:buFont typeface="Arial" panose="020B0604020202020204" pitchFamily="34" charset="0"/>
+              <a:buChar char="•"/>
+              <a:defRPr sz="1800" kern="1200">
+                <a:solidFill>
+                  <a:schemeClr val="tx1"/>
+                </a:solidFill>
+                <a:latin typeface="+mn-lt"/>
+                <a:ea typeface="+mn-ea"/>
+                <a:cs typeface="+mn-cs"/>
+              </a:defRPr>
+            </a:lvl9pPr>
+          </a:lstStyle>
+          <a:p>
+            <a:pPr marL="514350" indent="-514350" algn="just">
+              <a:buFont typeface="+mj-lt"/>
+              <a:buAutoNum type="arabicParenR" startAt="3"/>
+            </a:pPr>
+            <a:r>
+              <a:rPr lang="en-US" dirty="0">
+                <a:solidFill>
+                  <a:srgbClr val="000000"/>
+                </a:solidFill>
+                <a:latin typeface="Helvetica Neue"/>
+              </a:rPr>
+              <a:t>Understanding which factors are responsible for higher property value - $650K and above.</a:t>
+            </a:r>
+          </a:p>
+        </p:txBody>
+      </p:sp>
+      <p:sp>
+        <p:nvSpPr>
+          <p:cNvPr id="10" name="Content Placeholder 2">
+            <a:extLst>
+              <a:ext uri="{FF2B5EF4-FFF2-40B4-BE49-F238E27FC236}">
+                <a16:creationId xmlns:a16="http://schemas.microsoft.com/office/drawing/2014/main" id="{E9C03F13-50D4-F702-E543-8F3E7D1B2F90}"/>
+              </a:ext>
+            </a:extLst>
+          </p:cNvPr>
+          <p:cNvSpPr txBox="1">
+            <a:spLocks/>
+          </p:cNvSpPr>
+          <p:nvPr/>
+        </p:nvSpPr>
+        <p:spPr>
+          <a:xfrm>
+            <a:off x="3200400" y="3567647"/>
+            <a:ext cx="7903030" cy="839928"/>
+          </a:xfrm>
+          <a:prstGeom prst="rect">
+            <a:avLst/>
+          </a:prstGeom>
+        </p:spPr>
+        <p:txBody>
+          <a:bodyPr vert="horz" lIns="91440" tIns="45720" rIns="91440" bIns="45720" rtlCol="0">
+            <a:normAutofit fontScale="92500"/>
+          </a:bodyPr>
+          <a:lstStyle>
+            <a:lvl1pPr marL="228600" indent="-228600" algn="l" defTabSz="914400" rtl="0" eaLnBrk="1" latinLnBrk="0" hangingPunct="1">
+              <a:lnSpc>
+                <a:spcPct val="90000"/>
+              </a:lnSpc>
+              <a:spcBef>
+                <a:spcPts val="1000"/>
+              </a:spcBef>
+              <a:buFont typeface="Arial" panose="020B0604020202020204" pitchFamily="34" charset="0"/>
+              <a:buChar char="•"/>
+              <a:defRPr sz="2800" kern="1200">
+                <a:solidFill>
+                  <a:schemeClr val="tx1"/>
+                </a:solidFill>
+                <a:latin typeface="+mn-lt"/>
+                <a:ea typeface="+mn-ea"/>
+                <a:cs typeface="+mn-cs"/>
+              </a:defRPr>
+            </a:lvl1pPr>
+            <a:lvl2pPr marL="685800" indent="-228600" algn="l" defTabSz="914400" rtl="0" eaLnBrk="1" latinLnBrk="0" hangingPunct="1">
+              <a:lnSpc>
+                <a:spcPct val="90000"/>
+              </a:lnSpc>
+              <a:spcBef>
+                <a:spcPts val="500"/>
+              </a:spcBef>
+              <a:buFont typeface="Arial" panose="020B0604020202020204" pitchFamily="34" charset="0"/>
+              <a:buChar char="•"/>
+              <a:defRPr sz="2400" kern="1200">
+                <a:solidFill>
+                  <a:schemeClr val="tx1"/>
+                </a:solidFill>
+                <a:latin typeface="+mn-lt"/>
+                <a:ea typeface="+mn-ea"/>
+                <a:cs typeface="+mn-cs"/>
+              </a:defRPr>
+            </a:lvl2pPr>
+            <a:lvl3pPr marL="1143000" indent="-228600" algn="l" defTabSz="914400" rtl="0" eaLnBrk="1" latinLnBrk="0" hangingPunct="1">
+              <a:lnSpc>
+                <a:spcPct val="90000"/>
+              </a:lnSpc>
+              <a:spcBef>
+                <a:spcPts val="500"/>
+              </a:spcBef>
+              <a:buFont typeface="Arial" panose="020B0604020202020204" pitchFamily="34" charset="0"/>
+              <a:buChar char="•"/>
+              <a:defRPr sz="2000" kern="1200">
+                <a:solidFill>
+                  <a:schemeClr val="tx1"/>
+                </a:solidFill>
+                <a:latin typeface="+mn-lt"/>
+                <a:ea typeface="+mn-ea"/>
+                <a:cs typeface="+mn-cs"/>
+              </a:defRPr>
+            </a:lvl3pPr>
+            <a:lvl4pPr marL="1600200" indent="-228600" algn="l" defTabSz="914400" rtl="0" eaLnBrk="1" latinLnBrk="0" hangingPunct="1">
+              <a:lnSpc>
+                <a:spcPct val="90000"/>
+              </a:lnSpc>
+              <a:spcBef>
+                <a:spcPts val="500"/>
+              </a:spcBef>
+              <a:buFont typeface="Arial" panose="020B0604020202020204" pitchFamily="34" charset="0"/>
+              <a:buChar char="•"/>
+              <a:defRPr sz="1800" kern="1200">
+                <a:solidFill>
+                  <a:schemeClr val="tx1"/>
+                </a:solidFill>
+                <a:latin typeface="+mn-lt"/>
+                <a:ea typeface="+mn-ea"/>
+                <a:cs typeface="+mn-cs"/>
+              </a:defRPr>
+            </a:lvl4pPr>
+            <a:lvl5pPr marL="2057400" indent="-228600" algn="l" defTabSz="914400" rtl="0" eaLnBrk="1" latinLnBrk="0" hangingPunct="1">
+              <a:lnSpc>
+                <a:spcPct val="90000"/>
+              </a:lnSpc>
+              <a:spcBef>
+                <a:spcPts val="500"/>
+              </a:spcBef>
+              <a:buFont typeface="Arial" panose="020B0604020202020204" pitchFamily="34" charset="0"/>
+              <a:buChar char="•"/>
+              <a:defRPr sz="1800" kern="1200">
+                <a:solidFill>
+                  <a:schemeClr val="tx1"/>
+                </a:solidFill>
+                <a:latin typeface="+mn-lt"/>
+                <a:ea typeface="+mn-ea"/>
+                <a:cs typeface="+mn-cs"/>
+              </a:defRPr>
+            </a:lvl5pPr>
+            <a:lvl6pPr marL="2514600" indent="-228600" algn="l" defTabSz="914400" rtl="0" eaLnBrk="1" latinLnBrk="0" hangingPunct="1">
+              <a:lnSpc>
+                <a:spcPct val="90000"/>
+              </a:lnSpc>
+              <a:spcBef>
+                <a:spcPts val="500"/>
+              </a:spcBef>
+              <a:buFont typeface="Arial" panose="020B0604020202020204" pitchFamily="34" charset="0"/>
+              <a:buChar char="•"/>
+              <a:defRPr sz="1800" kern="1200">
+                <a:solidFill>
+                  <a:schemeClr val="tx1"/>
+                </a:solidFill>
+                <a:latin typeface="+mn-lt"/>
+                <a:ea typeface="+mn-ea"/>
+                <a:cs typeface="+mn-cs"/>
+              </a:defRPr>
+            </a:lvl6pPr>
+            <a:lvl7pPr marL="2971800" indent="-228600" algn="l" defTabSz="914400" rtl="0" eaLnBrk="1" latinLnBrk="0" hangingPunct="1">
+              <a:lnSpc>
+                <a:spcPct val="90000"/>
+              </a:lnSpc>
+              <a:spcBef>
+                <a:spcPts val="500"/>
+              </a:spcBef>
+              <a:buFont typeface="Arial" panose="020B0604020202020204" pitchFamily="34" charset="0"/>
+              <a:buChar char="•"/>
+              <a:defRPr sz="1800" kern="1200">
+                <a:solidFill>
+                  <a:schemeClr val="tx1"/>
+                </a:solidFill>
+                <a:latin typeface="+mn-lt"/>
+                <a:ea typeface="+mn-ea"/>
+                <a:cs typeface="+mn-cs"/>
+              </a:defRPr>
+            </a:lvl7pPr>
+            <a:lvl8pPr marL="3429000" indent="-228600" algn="l" defTabSz="914400" rtl="0" eaLnBrk="1" latinLnBrk="0" hangingPunct="1">
+              <a:lnSpc>
+                <a:spcPct val="90000"/>
+              </a:lnSpc>
+              <a:spcBef>
+                <a:spcPts val="500"/>
+              </a:spcBef>
+              <a:buFont typeface="Arial" panose="020B0604020202020204" pitchFamily="34" charset="0"/>
+              <a:buChar char="•"/>
+              <a:defRPr sz="1800" kern="1200">
+                <a:solidFill>
+                  <a:schemeClr val="tx1"/>
+                </a:solidFill>
+                <a:latin typeface="+mn-lt"/>
+                <a:ea typeface="+mn-ea"/>
+                <a:cs typeface="+mn-cs"/>
+              </a:defRPr>
+            </a:lvl8pPr>
+            <a:lvl9pPr marL="3886200" indent="-228600" algn="l" defTabSz="914400" rtl="0" eaLnBrk="1" latinLnBrk="0" hangingPunct="1">
+              <a:lnSpc>
+                <a:spcPct val="90000"/>
+              </a:lnSpc>
+              <a:spcBef>
+                <a:spcPts val="500"/>
+              </a:spcBef>
+              <a:buFont typeface="Arial" panose="020B0604020202020204" pitchFamily="34" charset="0"/>
+              <a:buChar char="•"/>
+              <a:defRPr sz="1800" kern="1200">
+                <a:solidFill>
+                  <a:schemeClr val="tx1"/>
+                </a:solidFill>
+                <a:latin typeface="+mn-lt"/>
+                <a:ea typeface="+mn-ea"/>
+                <a:cs typeface="+mn-cs"/>
+              </a:defRPr>
+            </a:lvl9pPr>
+          </a:lstStyle>
+          <a:p>
+            <a:pPr marL="514350" indent="-514350" algn="just">
+              <a:buFont typeface="+mj-lt"/>
+              <a:buAutoNum type="arabicParenR" startAt="2"/>
+            </a:pPr>
+            <a:r>
+              <a:rPr lang="en-US" b="0" i="0" dirty="0">
+                <a:solidFill>
+                  <a:srgbClr val="000000"/>
+                </a:solidFill>
+                <a:effectLst/>
+                <a:latin typeface="Helvetica Neue"/>
+              </a:rPr>
+              <a:t>Build a model that will predict the price of a house based on features provided in the dataset.</a:t>
+            </a:r>
+            <a:endParaRPr lang="en-US" dirty="0">
+              <a:solidFill>
+                <a:srgbClr val="000000"/>
+              </a:solidFill>
+              <a:latin typeface="Helvetica Neue"/>
+            </a:endParaRPr>
           </a:p>
         </p:txBody>
       </p:sp>
@@ -12473,8 +13297,8 @@
         </p:blipFill>
         <p:spPr bwMode="auto">
           <a:xfrm>
-            <a:off x="1098990" y="1880587"/>
-            <a:ext cx="4550250" cy="2142931"/>
+            <a:off x="838199" y="1945901"/>
+            <a:ext cx="4783703" cy="2252875"/>
           </a:xfrm>
           <a:prstGeom prst="rect">
             <a:avLst/>
@@ -12520,8 +13344,8 @@
         </p:blipFill>
         <p:spPr bwMode="auto">
           <a:xfrm>
-            <a:off x="6696901" y="3780745"/>
-            <a:ext cx="4144625" cy="2320990"/>
+            <a:off x="6068785" y="3429000"/>
+            <a:ext cx="4772741" cy="2672735"/>
           </a:xfrm>
           <a:prstGeom prst="rect">
             <a:avLst/>
@@ -12805,15 +13629,7 @@
           <a:p>
             <a:r>
               <a:rPr lang="es-ES" b="1" dirty="0" err="1"/>
-              <a:t>Methodology</a:t>
-            </a:r>
-            <a:r>
-              <a:rPr lang="es-ES" b="1" dirty="0"/>
-              <a:t>: </a:t>
-            </a:r>
-            <a:r>
-              <a:rPr lang="es-ES" b="1" dirty="0" err="1"/>
-              <a:t>objective</a:t>
+              <a:t>Objective</a:t>
             </a:r>
             <a:r>
               <a:rPr lang="es-ES" b="1" dirty="0"/>
@@ -13264,13 +14080,13 @@
           <p:nvPr>
             <p:extLst>
               <p:ext uri="{D42A27DB-BD31-4B8C-83A1-F6EECF244321}">
-                <p14:modId xmlns:p14="http://schemas.microsoft.com/office/powerpoint/2010/main" val="363039895"/>
+                <p14:modId xmlns:p14="http://schemas.microsoft.com/office/powerpoint/2010/main" val="2961489404"/>
               </p:ext>
             </p:extLst>
           </p:nvPr>
         </p:nvGraphicFramePr>
         <p:xfrm>
-          <a:off x="838200" y="1690689"/>
+          <a:off x="838200" y="1632680"/>
           <a:ext cx="9770706" cy="2265492"/>
         </p:xfrm>
         <a:graphic>
@@ -13293,12 +14109,20 @@
         </p:nvSpPr>
         <p:spPr>
           <a:xfrm>
-            <a:off x="4062704" y="4560823"/>
-            <a:ext cx="3321698" cy="1978089"/>
+            <a:off x="3969398" y="4706568"/>
+            <a:ext cx="3508310" cy="1978089"/>
           </a:xfrm>
           <a:prstGeom prst="ellipse">
             <a:avLst/>
           </a:prstGeom>
+          <a:solidFill>
+            <a:srgbClr val="5FA972"/>
+          </a:solidFill>
+          <a:ln>
+            <a:solidFill>
+              <a:srgbClr val="5FA972"/>
+            </a:solidFill>
+          </a:ln>
         </p:spPr>
         <p:style>
           <a:lnRef idx="2">
@@ -13322,62 +14146,152 @@
           <a:p>
             <a:pPr algn="ctr"/>
             <a:r>
-              <a:rPr lang="es-ES" dirty="0"/>
+              <a:rPr lang="es-ES" sz="2000" dirty="0">
+                <a:solidFill>
+                  <a:schemeClr val="bg1">
+                    <a:lumMod val="95000"/>
+                  </a:schemeClr>
+                </a:solidFill>
+              </a:rPr>
               <a:t>Data </a:t>
             </a:r>
             <a:r>
-              <a:rPr lang="es-ES" dirty="0" err="1"/>
+              <a:rPr lang="es-ES" sz="2000" dirty="0" err="1">
+                <a:solidFill>
+                  <a:schemeClr val="bg1">
+                    <a:lumMod val="95000"/>
+                  </a:schemeClr>
+                </a:solidFill>
+              </a:rPr>
               <a:t>cleaning</a:t>
             </a:r>
-            <a:endParaRPr lang="es-ES" dirty="0"/>
+            <a:endParaRPr lang="es-ES" sz="2000" dirty="0">
+              <a:solidFill>
+                <a:schemeClr val="bg1">
+                  <a:lumMod val="95000"/>
+                </a:schemeClr>
+              </a:solidFill>
+            </a:endParaRPr>
           </a:p>
           <a:p>
             <a:pPr algn="ctr"/>
             <a:r>
-              <a:rPr lang="es-ES" dirty="0" err="1"/>
+              <a:rPr lang="es-ES" sz="2000" dirty="0" err="1">
+                <a:solidFill>
+                  <a:schemeClr val="bg1">
+                    <a:lumMod val="95000"/>
+                  </a:schemeClr>
+                </a:solidFill>
+              </a:rPr>
               <a:t>Features</a:t>
             </a:r>
             <a:r>
-              <a:rPr lang="es-ES" dirty="0"/>
+              <a:rPr lang="es-ES" sz="2000" dirty="0">
+                <a:solidFill>
+                  <a:schemeClr val="bg1">
+                    <a:lumMod val="95000"/>
+                  </a:schemeClr>
+                </a:solidFill>
+              </a:rPr>
               <a:t> </a:t>
             </a:r>
             <a:r>
-              <a:rPr lang="es-ES" dirty="0" err="1"/>
+              <a:rPr lang="es-ES" sz="2000" dirty="0" err="1">
+                <a:solidFill>
+                  <a:schemeClr val="bg1">
+                    <a:lumMod val="95000"/>
+                  </a:schemeClr>
+                </a:solidFill>
+              </a:rPr>
               <a:t>engineering</a:t>
             </a:r>
-            <a:endParaRPr lang="es-ES" dirty="0"/>
+            <a:endParaRPr lang="es-ES" sz="2000" dirty="0">
+              <a:solidFill>
+                <a:schemeClr val="bg1">
+                  <a:lumMod val="95000"/>
+                </a:schemeClr>
+              </a:solidFill>
+            </a:endParaRPr>
           </a:p>
           <a:p>
             <a:pPr algn="ctr"/>
             <a:r>
-              <a:rPr lang="es-ES" dirty="0" err="1"/>
+              <a:rPr lang="es-ES" sz="2000" dirty="0" err="1">
+                <a:solidFill>
+                  <a:schemeClr val="bg1">
+                    <a:lumMod val="95000"/>
+                  </a:schemeClr>
+                </a:solidFill>
+              </a:rPr>
               <a:t>Features</a:t>
             </a:r>
             <a:r>
-              <a:rPr lang="es-ES" dirty="0"/>
+              <a:rPr lang="es-ES" sz="2000" dirty="0">
+                <a:solidFill>
+                  <a:schemeClr val="bg1">
+                    <a:lumMod val="95000"/>
+                  </a:schemeClr>
+                </a:solidFill>
+              </a:rPr>
               <a:t> </a:t>
             </a:r>
             <a:r>
-              <a:rPr lang="es-ES" dirty="0" err="1"/>
+              <a:rPr lang="es-ES" sz="2000" dirty="0" err="1">
+                <a:solidFill>
+                  <a:schemeClr val="bg1">
+                    <a:lumMod val="95000"/>
+                  </a:schemeClr>
+                </a:solidFill>
+              </a:rPr>
               <a:t>selection</a:t>
             </a:r>
-            <a:endParaRPr lang="es-ES" dirty="0"/>
+            <a:endParaRPr lang="es-ES" sz="2000" dirty="0">
+              <a:solidFill>
+                <a:schemeClr val="bg1">
+                  <a:lumMod val="95000"/>
+                </a:schemeClr>
+              </a:solidFill>
+            </a:endParaRPr>
           </a:p>
           <a:p>
             <a:pPr algn="ctr"/>
             <a:r>
-              <a:rPr lang="es-ES" dirty="0" err="1"/>
+              <a:rPr lang="es-ES" sz="2000" dirty="0" err="1">
+                <a:solidFill>
+                  <a:schemeClr val="bg1">
+                    <a:lumMod val="95000"/>
+                  </a:schemeClr>
+                </a:solidFill>
+              </a:rPr>
               <a:t>Ouliers</a:t>
             </a:r>
             <a:r>
-              <a:rPr lang="es-ES" dirty="0"/>
+              <a:rPr lang="es-ES" sz="2000" dirty="0">
+                <a:solidFill>
+                  <a:schemeClr val="bg1">
+                    <a:lumMod val="95000"/>
+                  </a:schemeClr>
+                </a:solidFill>
+              </a:rPr>
               <a:t> </a:t>
             </a:r>
             <a:r>
-              <a:rPr lang="es-ES" dirty="0" err="1"/>
+              <a:rPr lang="es-ES" sz="2000" dirty="0" err="1">
+                <a:solidFill>
+                  <a:schemeClr val="bg1">
+                    <a:lumMod val="95000"/>
+                  </a:schemeClr>
+                </a:solidFill>
+              </a:rPr>
               <a:t>analysis</a:t>
             </a:r>
-            <a:endParaRPr lang="en-US" dirty="0"/>
+            <a:endParaRPr lang="en-US" sz="2000" dirty="0">
+              <a:solidFill>
+                <a:schemeClr val="bg1">
+                  <a:lumMod val="95000"/>
+                </a:schemeClr>
+              </a:solidFill>
+            </a:endParaRPr>
           </a:p>
         </p:txBody>
       </p:sp>
@@ -13395,12 +14309,28 @@
         </p:nvSpPr>
         <p:spPr>
           <a:xfrm rot="16200000">
-            <a:off x="7072212" y="3907680"/>
-            <a:ext cx="1931437" cy="1101013"/>
+            <a:off x="7144215" y="3826807"/>
+            <a:ext cx="2396793" cy="1489566"/>
           </a:xfrm>
           <a:prstGeom prst="curvedUpArrow">
-            <a:avLst/>
+            <a:avLst>
+              <a:gd name="adj1" fmla="val 13714"/>
+              <a:gd name="adj2" fmla="val 50000"/>
+              <a:gd name="adj3" fmla="val 25000"/>
+            </a:avLst>
           </a:prstGeom>
+          <a:solidFill>
+            <a:schemeClr val="bg1">
+              <a:lumMod val="75000"/>
+            </a:schemeClr>
+          </a:solidFill>
+          <a:ln>
+            <a:solidFill>
+              <a:schemeClr val="bg1">
+                <a:lumMod val="65000"/>
+              </a:schemeClr>
+            </a:solidFill>
+          </a:ln>
         </p:spPr>
         <p:style>
           <a:lnRef idx="2">
@@ -13444,13 +14374,29 @@
           <p:nvPr/>
         </p:nvSpPr>
         <p:spPr>
-          <a:xfrm rot="5209530">
-            <a:off x="2334835" y="3805044"/>
-            <a:ext cx="2034073" cy="1511559"/>
+          <a:xfrm rot="5400000">
+            <a:off x="2033346" y="3974115"/>
+            <a:ext cx="2362099" cy="1464906"/>
           </a:xfrm>
           <a:prstGeom prst="curvedUpArrow">
-            <a:avLst/>
+            <a:avLst>
+              <a:gd name="adj1" fmla="val 16222"/>
+              <a:gd name="adj2" fmla="val 50000"/>
+              <a:gd name="adj3" fmla="val 25000"/>
+            </a:avLst>
           </a:prstGeom>
+          <a:solidFill>
+            <a:schemeClr val="bg1">
+              <a:lumMod val="75000"/>
+            </a:schemeClr>
+          </a:solidFill>
+          <a:ln>
+            <a:solidFill>
+              <a:schemeClr val="bg1">
+                <a:lumMod val="65000"/>
+              </a:schemeClr>
+            </a:solidFill>
+          </a:ln>
         </p:spPr>
         <p:style>
           <a:lnRef idx="2">
@@ -13647,20 +14593,20 @@
           <p:nvPr>
             <p:extLst>
               <p:ext uri="{D42A27DB-BD31-4B8C-83A1-F6EECF244321}">
-                <p14:modId xmlns:p14="http://schemas.microsoft.com/office/powerpoint/2010/main" val="685542026"/>
+                <p14:modId xmlns:p14="http://schemas.microsoft.com/office/powerpoint/2010/main" val="2941241189"/>
               </p:ext>
             </p:extLst>
           </p:nvPr>
         </p:nvGraphicFramePr>
         <p:xfrm>
           <a:off x="838200" y="1916346"/>
-          <a:ext cx="9770706" cy="3566160"/>
+          <a:ext cx="9770706" cy="3627120"/>
         </p:xfrm>
         <a:graphic>
           <a:graphicData uri="http://schemas.openxmlformats.org/drawingml/2006/table">
             <a:tbl>
               <a:tblPr firstRow="1" bandRow="1">
-                <a:tableStyleId>{EB344D84-9AFB-497E-A393-DC336BA19D2E}</a:tableStyleId>
+                <a:tableStyleId>{5940675A-B579-460E-94D1-54222C63F5DA}</a:tableStyleId>
               </a:tblPr>
               <a:tblGrid>
                 <a:gridCol w="4885353">
@@ -13686,33 +14632,71 @@
                     <a:p>
                       <a:pPr algn="ctr"/>
                       <a:r>
-                        <a:rPr lang="es-ES" sz="2000" dirty="0"/>
+                        <a:rPr lang="es-ES" sz="2400" b="1" dirty="0"/>
                         <a:t>Variables </a:t>
                       </a:r>
                       <a:r>
-                        <a:rPr lang="es-ES" sz="2000" dirty="0" err="1"/>
+                        <a:rPr lang="es-ES" sz="2400" b="1" dirty="0" err="1"/>
                         <a:t>included</a:t>
                       </a:r>
                       <a:r>
-                        <a:rPr lang="es-ES" sz="2000" dirty="0"/>
+                        <a:rPr lang="es-ES" sz="2400" b="1" dirty="0"/>
                         <a:t> in </a:t>
                       </a:r>
                       <a:r>
-                        <a:rPr lang="es-ES" sz="2000" dirty="0" err="1"/>
+                        <a:rPr lang="es-ES" sz="2400" b="1" dirty="0" err="1"/>
                         <a:t>the</a:t>
                       </a:r>
                       <a:r>
-                        <a:rPr lang="es-ES" sz="2000" dirty="0"/>
+                        <a:rPr lang="es-ES" sz="2400" b="1" dirty="0"/>
                         <a:t> </a:t>
                       </a:r>
                       <a:r>
-                        <a:rPr lang="es-ES" sz="2000" dirty="0" err="1"/>
+                        <a:rPr lang="es-ES" sz="2400" b="1" dirty="0" err="1"/>
+                        <a:t>most</a:t>
+                      </a:r>
+                      <a:r>
+                        <a:rPr lang="es-ES" sz="2400" b="1" dirty="0"/>
+                        <a:t> </a:t>
+                      </a:r>
+                      <a:r>
+                        <a:rPr lang="es-ES" sz="2400" b="1" dirty="0" err="1"/>
+                        <a:t>fitting</a:t>
+                      </a:r>
+                      <a:r>
+                        <a:rPr lang="es-ES" sz="2400" b="1" dirty="0"/>
+                        <a:t> </a:t>
+                      </a:r>
+                      <a:r>
+                        <a:rPr lang="es-ES" sz="2400" b="1" dirty="0" err="1"/>
                         <a:t>model</a:t>
                       </a:r>
-                      <a:endParaRPr lang="en-US" sz="2000" dirty="0"/>
+                      <a:endParaRPr lang="en-US" sz="2400" b="1" dirty="0"/>
                     </a:p>
                   </a:txBody>
-                  <a:tcPr/>
+                  <a:tcPr>
+                    <a:lnL w="12700" cap="flat" cmpd="sng" algn="ctr">
+                      <a:noFill/>
+                      <a:prstDash val="solid"/>
+                      <a:round/>
+                      <a:headEnd type="none" w="med" len="med"/>
+                      <a:tailEnd type="none" w="med" len="med"/>
+                    </a:lnL>
+                    <a:lnR w="12700" cap="flat" cmpd="sng" algn="ctr">
+                      <a:noFill/>
+                      <a:prstDash val="solid"/>
+                      <a:round/>
+                      <a:headEnd type="none" w="med" len="med"/>
+                      <a:tailEnd type="none" w="med" len="med"/>
+                    </a:lnR>
+                    <a:lnT w="12700" cap="flat" cmpd="sng" algn="ctr">
+                      <a:noFill/>
+                      <a:prstDash val="solid"/>
+                      <a:round/>
+                      <a:headEnd type="none" w="med" len="med"/>
+                      <a:tailEnd type="none" w="med" len="med"/>
+                    </a:lnT>
+                  </a:tcPr>
                 </a:tc>
                 <a:tc hMerge="1">
                   <a:txBody>
@@ -13747,7 +14731,15 @@
                       <a:endParaRPr lang="en-US" sz="2000" dirty="0"/>
                     </a:p>
                   </a:txBody>
-                  <a:tcPr/>
+                  <a:tcPr>
+                    <a:lnL w="12700" cap="flat" cmpd="sng" algn="ctr">
+                      <a:noFill/>
+                      <a:prstDash val="solid"/>
+                      <a:round/>
+                      <a:headEnd type="none" w="med" len="med"/>
+                      <a:tailEnd type="none" w="med" len="med"/>
+                    </a:lnL>
+                  </a:tcPr>
                 </a:tc>
                 <a:tc>
                   <a:txBody>
@@ -13773,7 +14765,15 @@
                       <a:endParaRPr lang="en-US" sz="2000" b="1" dirty="0"/>
                     </a:p>
                   </a:txBody>
-                  <a:tcPr/>
+                  <a:tcPr>
+                    <a:lnR w="12700" cap="flat" cmpd="sng" algn="ctr">
+                      <a:noFill/>
+                      <a:prstDash val="solid"/>
+                      <a:round/>
+                      <a:headEnd type="none" w="med" len="med"/>
+                      <a:tailEnd type="none" w="med" len="med"/>
+                    </a:lnR>
+                  </a:tcPr>
                 </a:tc>
                 <a:extLst>
                   <a:ext uri="{0D108BD9-81ED-4DB2-BD59-A6C34878D82A}">
@@ -14067,7 +15067,22 @@
                       <a:endParaRPr lang="es-ES" sz="2200" dirty="0"/>
                     </a:p>
                   </a:txBody>
-                  <a:tcPr/>
+                  <a:tcPr>
+                    <a:lnL w="12700" cap="flat" cmpd="sng" algn="ctr">
+                      <a:noFill/>
+                      <a:prstDash val="solid"/>
+                      <a:round/>
+                      <a:headEnd type="none" w="med" len="med"/>
+                      <a:tailEnd type="none" w="med" len="med"/>
+                    </a:lnL>
+                    <a:lnB w="12700" cap="flat" cmpd="sng" algn="ctr">
+                      <a:noFill/>
+                      <a:prstDash val="solid"/>
+                      <a:round/>
+                      <a:headEnd type="none" w="med" len="med"/>
+                      <a:tailEnd type="none" w="med" len="med"/>
+                    </a:lnB>
+                  </a:tcPr>
                 </a:tc>
                 <a:tc>
                   <a:txBody>
@@ -14211,7 +15226,22 @@
                       <a:endParaRPr lang="en-US" sz="2200" dirty="0"/>
                     </a:p>
                   </a:txBody>
-                  <a:tcPr/>
+                  <a:tcPr>
+                    <a:lnR w="12700" cap="flat" cmpd="sng" algn="ctr">
+                      <a:noFill/>
+                      <a:prstDash val="solid"/>
+                      <a:round/>
+                      <a:headEnd type="none" w="med" len="med"/>
+                      <a:tailEnd type="none" w="med" len="med"/>
+                    </a:lnR>
+                    <a:lnB w="12700" cap="flat" cmpd="sng" algn="ctr">
+                      <a:noFill/>
+                      <a:prstDash val="solid"/>
+                      <a:round/>
+                      <a:headEnd type="none" w="med" len="med"/>
+                      <a:tailEnd type="none" w="med" len="med"/>
+                    </a:lnB>
+                  </a:tcPr>
                 </a:tc>
                 <a:extLst>
                   <a:ext uri="{0D108BD9-81ED-4DB2-BD59-A6C34878D82A}">
@@ -14223,6 +15253,54 @@
           </a:graphicData>
         </a:graphic>
       </p:graphicFrame>
+      <p:pic>
+        <p:nvPicPr>
+          <p:cNvPr id="1026" name="Picture 2" descr="Angle Symbol Brand Clipart Variable, Hammer, Tool, Text, Logo Transparent  Png – Pngset.com">
+            <a:extLst>
+              <a:ext uri="{FF2B5EF4-FFF2-40B4-BE49-F238E27FC236}">
+                <a16:creationId xmlns:a16="http://schemas.microsoft.com/office/drawing/2014/main" id="{681F7F27-1F5E-8A77-CEA3-A65668793EC9}"/>
+              </a:ext>
+            </a:extLst>
+          </p:cNvPr>
+          <p:cNvPicPr>
+            <a:picLocks noChangeAspect="1" noChangeArrowheads="1"/>
+          </p:cNvPicPr>
+          <p:nvPr/>
+        </p:nvPicPr>
+        <p:blipFill>
+          <a:blip r:embed="rId2">
+            <a:biLevel thresh="25000"/>
+            <a:extLst>
+              <a:ext uri="{28A0092B-C50C-407E-A947-70E740481C1C}">
+                <a14:useLocalDpi xmlns:a14="http://schemas.microsoft.com/office/drawing/2010/main" val="0"/>
+              </a:ext>
+            </a:extLst>
+          </a:blip>
+          <a:srcRect/>
+          <a:stretch>
+            <a:fillRect/>
+          </a:stretch>
+        </p:blipFill>
+        <p:spPr bwMode="auto">
+          <a:xfrm rot="20291121">
+            <a:off x="9224918" y="4516016"/>
+            <a:ext cx="2128881" cy="1689588"/>
+          </a:xfrm>
+          <a:prstGeom prst="rect">
+            <a:avLst/>
+          </a:prstGeom>
+          <a:noFill/>
+          <a:extLst>
+            <a:ext uri="{909E8E84-426E-40DD-AFC4-6F175D3DCCD1}">
+              <a14:hiddenFill xmlns:a14="http://schemas.microsoft.com/office/drawing/2010/main">
+                <a:solidFill>
+                  <a:srgbClr val="FFFFFF"/>
+                </a:solidFill>
+              </a14:hiddenFill>
+            </a:ext>
+          </a:extLst>
+        </p:spPr>
+      </p:pic>
     </p:spTree>
     <p:extLst>
       <p:ext uri="{BB962C8B-B14F-4D97-AF65-F5344CB8AC3E}">
@@ -14389,14 +15467,14 @@
           <p:nvPr>
             <p:extLst>
               <p:ext uri="{D42A27DB-BD31-4B8C-83A1-F6EECF244321}">
-                <p14:modId xmlns:p14="http://schemas.microsoft.com/office/powerpoint/2010/main" val="941649520"/>
+                <p14:modId xmlns:p14="http://schemas.microsoft.com/office/powerpoint/2010/main" val="423676055"/>
               </p:ext>
             </p:extLst>
           </p:nvPr>
         </p:nvGraphicFramePr>
         <p:xfrm>
-          <a:off x="237414" y="2993723"/>
-          <a:ext cx="5482252" cy="1854200"/>
+          <a:off x="237412" y="2723134"/>
+          <a:ext cx="5858588" cy="2520670"/>
         </p:xfrm>
         <a:graphic>
           <a:graphicData uri="http://schemas.openxmlformats.org/drawingml/2006/table">
@@ -14405,21 +15483,21 @@
                 <a:tableStyleId>{5940675A-B579-460E-94D1-54222C63F5DA}</a:tableStyleId>
               </a:tblPr>
               <a:tblGrid>
-                <a:gridCol w="904303">
+                <a:gridCol w="1102361">
                   <a:extLst>
                     <a:ext uri="{9D8B030D-6E8A-4147-A177-3AD203B41FA5}">
                       <a16:colId xmlns:a16="http://schemas.microsoft.com/office/drawing/2014/main" val="3069066585"/>
                     </a:ext>
                   </a:extLst>
                 </a:gridCol>
-                <a:gridCol w="2153710">
+                <a:gridCol w="2436738">
                   <a:extLst>
                     <a:ext uri="{9D8B030D-6E8A-4147-A177-3AD203B41FA5}">
                       <a16:colId xmlns:a16="http://schemas.microsoft.com/office/drawing/2014/main" val="2537496800"/>
                     </a:ext>
                   </a:extLst>
                 </a:gridCol>
-                <a:gridCol w="2424239">
+                <a:gridCol w="2319489">
                   <a:extLst>
                     <a:ext uri="{9D8B030D-6E8A-4147-A177-3AD203B41FA5}">
                       <a16:colId xmlns:a16="http://schemas.microsoft.com/office/drawing/2014/main" val="960031367"/>
@@ -14427,17 +15505,17 @@
                   </a:extLst>
                 </a:gridCol>
               </a:tblGrid>
-              <a:tr h="370840">
+              <a:tr h="504134">
                 <a:tc>
                   <a:txBody>
                     <a:bodyPr/>
                     <a:lstStyle/>
                     <a:p>
                       <a:r>
-                        <a:rPr lang="es-ES" dirty="0" err="1"/>
+                        <a:rPr lang="es-ES" sz="2000" b="1" dirty="0" err="1"/>
                         <a:t>Metrics</a:t>
                       </a:r>
-                      <a:endParaRPr lang="en-US" dirty="0"/>
+                      <a:endParaRPr lang="en-US" sz="2000" b="1" dirty="0"/>
                     </a:p>
                   </a:txBody>
                   <a:tcPr>
@@ -14463,18 +15541,18 @@
                     <a:lstStyle/>
                     <a:p>
                       <a:r>
-                        <a:rPr lang="es-ES" dirty="0" err="1"/>
+                        <a:rPr lang="es-ES" sz="2000" b="1" dirty="0" err="1"/>
                         <a:t>Baseline</a:t>
                       </a:r>
                       <a:r>
-                        <a:rPr lang="es-ES" dirty="0"/>
+                        <a:rPr lang="es-ES" sz="2000" b="1" dirty="0"/>
                         <a:t> </a:t>
                       </a:r>
                       <a:r>
-                        <a:rPr lang="es-ES" dirty="0" err="1"/>
+                        <a:rPr lang="es-ES" sz="2000" b="1" dirty="0" err="1"/>
                         <a:t>model</a:t>
                       </a:r>
-                      <a:endParaRPr lang="en-US" dirty="0"/>
+                      <a:endParaRPr lang="en-US" sz="2000" b="1" dirty="0"/>
                     </a:p>
                   </a:txBody>
                   <a:tcPr>
@@ -14493,18 +15571,18 @@
                     <a:lstStyle/>
                     <a:p>
                       <a:r>
-                        <a:rPr lang="es-ES" dirty="0" err="1"/>
+                        <a:rPr lang="es-ES" sz="2000" b="1" dirty="0" err="1"/>
                         <a:t>Best</a:t>
                       </a:r>
                       <a:r>
-                        <a:rPr lang="es-ES" dirty="0"/>
+                        <a:rPr lang="es-ES" sz="2000" b="1" dirty="0"/>
                         <a:t> </a:t>
                       </a:r>
                       <a:r>
-                        <a:rPr lang="es-ES" dirty="0" err="1"/>
+                        <a:rPr lang="es-ES" sz="2000" b="1" dirty="0" err="1"/>
                         <a:t>model</a:t>
                       </a:r>
-                      <a:endParaRPr lang="en-US" dirty="0"/>
+                      <a:endParaRPr lang="en-US" sz="2000" b="1" dirty="0"/>
                     </a:p>
                   </a:txBody>
                   <a:tcPr>
@@ -14530,7 +15608,7 @@
                   </a:ext>
                 </a:extLst>
               </a:tr>
-              <a:tr h="370840">
+              <a:tr h="504134">
                 <a:tc>
                   <a:txBody>
                     <a:bodyPr/>
@@ -14563,7 +15641,20 @@
                     <a:bodyPr/>
                     <a:lstStyle/>
                     <a:p>
-                      <a:endParaRPr lang="en-US" dirty="0"/>
+                      <a:pPr algn="r"/>
+                      <a:r>
+                        <a:rPr lang="pt-BR" sz="2000" b="0" i="0" dirty="0">
+                          <a:solidFill>
+                            <a:srgbClr val="000000"/>
+                          </a:solidFill>
+                          <a:effectLst/>
+                          <a:latin typeface="+mn-lt"/>
+                        </a:rPr>
+                        <a:t>0.6908</a:t>
+                      </a:r>
+                      <a:endParaRPr lang="en-US" sz="2000" dirty="0">
+                        <a:latin typeface="+mn-lt"/>
+                      </a:endParaRPr>
                     </a:p>
                   </a:txBody>
                   <a:tcPr/>
@@ -14573,16 +15664,20 @@
                     <a:bodyPr/>
                     <a:lstStyle/>
                     <a:p>
+                      <a:pPr algn="r"/>
                       <a:r>
-                        <a:rPr lang="pt-BR" sz="1800" b="0" dirty="0">
+                        <a:rPr lang="pt-BR" sz="2000" b="0" dirty="0">
                           <a:solidFill>
                             <a:srgbClr val="1D1C1D"/>
                           </a:solidFill>
                           <a:effectLst/>
+                          <a:latin typeface="+mn-lt"/>
                         </a:rPr>
                         <a:t>0.7338</a:t>
                       </a:r>
-                      <a:endParaRPr lang="en-US" dirty="0"/>
+                      <a:endParaRPr lang="en-US" sz="2000" dirty="0">
+                        <a:latin typeface="+mn-lt"/>
+                      </a:endParaRPr>
                     </a:p>
                   </a:txBody>
                   <a:tcPr>
@@ -14601,7 +15696,7 @@
                   </a:ext>
                 </a:extLst>
               </a:tr>
-              <a:tr h="370840">
+              <a:tr h="504134">
                 <a:tc>
                   <a:txBody>
                     <a:bodyPr/>
@@ -14634,7 +15729,7 @@
                     <a:bodyPr/>
                     <a:lstStyle/>
                     <a:p>
-                      <a:pPr marL="0" marR="0" lvl="0" indent="0" algn="l" defTabSz="914400" rtl="0" eaLnBrk="1" fontAlgn="auto" latinLnBrk="0" hangingPunct="1">
+                      <a:pPr marL="0" marR="0" lvl="0" indent="0" algn="r" defTabSz="914400" rtl="0" eaLnBrk="1" fontAlgn="auto" latinLnBrk="0" hangingPunct="1">
                         <a:lnSpc>
                           <a:spcPct val="100000"/>
                         </a:lnSpc>
@@ -14651,7 +15746,19 @@
                         <a:tabLst/>
                         <a:defRPr/>
                       </a:pPr>
-                      <a:endParaRPr lang="en-US" dirty="0"/>
+                      <a:r>
+                        <a:rPr lang="pt-BR" sz="2000" b="0" i="0" dirty="0">
+                          <a:solidFill>
+                            <a:srgbClr val="000000"/>
+                          </a:solidFill>
+                          <a:effectLst/>
+                          <a:latin typeface="+mn-lt"/>
+                        </a:rPr>
+                        <a:t>126.598,30</a:t>
+                      </a:r>
+                      <a:endParaRPr lang="en-US" sz="2000" dirty="0">
+                        <a:latin typeface="+mn-lt"/>
+                      </a:endParaRPr>
                     </a:p>
                   </a:txBody>
                   <a:tcPr/>
@@ -14661,16 +15768,20 @@
                     <a:bodyPr/>
                     <a:lstStyle/>
                     <a:p>
+                      <a:pPr algn="r"/>
                       <a:r>
-                        <a:rPr lang="pt-BR" sz="1800" b="0" dirty="0">
+                        <a:rPr lang="pt-BR" sz="2000" b="0" dirty="0">
                           <a:solidFill>
                             <a:srgbClr val="1D1C1D"/>
                           </a:solidFill>
                           <a:effectLst/>
+                          <a:latin typeface="+mn-lt"/>
                         </a:rPr>
-                        <a:t>121.454,3186 </a:t>
+                        <a:t>121.454,32 </a:t>
                       </a:r>
-                      <a:endParaRPr lang="en-US" dirty="0"/>
+                      <a:endParaRPr lang="en-US" sz="2000" dirty="0">
+                        <a:latin typeface="+mn-lt"/>
+                      </a:endParaRPr>
                     </a:p>
                   </a:txBody>
                   <a:tcPr>
@@ -14689,7 +15800,7 @@
                   </a:ext>
                 </a:extLst>
               </a:tr>
-              <a:tr h="370840">
+              <a:tr h="504134">
                 <a:tc>
                   <a:txBody>
                     <a:bodyPr/>
@@ -14722,40 +15833,7 @@
                     <a:bodyPr/>
                     <a:lstStyle/>
                     <a:p>
-                      <a:pPr marL="0" marR="0" lvl="0" indent="0" algn="l" defTabSz="914400" rtl="0" eaLnBrk="1" fontAlgn="auto" latinLnBrk="0" hangingPunct="1">
-                        <a:lnSpc>
-                          <a:spcPct val="100000"/>
-                        </a:lnSpc>
-                        <a:spcBef>
-                          <a:spcPts val="0"/>
-                        </a:spcBef>
-                        <a:spcAft>
-                          <a:spcPts val="0"/>
-                        </a:spcAft>
-                        <a:buClrTx/>
-                        <a:buSzTx/>
-                        <a:buFontTx/>
-                        <a:buNone/>
-                        <a:tabLst/>
-                        <a:defRPr/>
-                      </a:pPr>
-                      <a:endParaRPr lang="pt-BR" sz="1800" b="0" i="0" dirty="0">
-                        <a:solidFill>
-                          <a:srgbClr val="1D1C1D"/>
-                        </a:solidFill>
-                        <a:effectLst/>
-                        <a:latin typeface="Slack-Lato"/>
-                      </a:endParaRPr>
-                    </a:p>
-                  </a:txBody>
-                  <a:tcPr/>
-                </a:tc>
-                <a:tc>
-                  <a:txBody>
-                    <a:bodyPr/>
-                    <a:lstStyle/>
-                    <a:p>
-                      <a:pPr marL="0" marR="0" lvl="0" indent="0" algn="l" defTabSz="914400" rtl="0" eaLnBrk="1" fontAlgn="auto" latinLnBrk="0" hangingPunct="1">
+                      <a:pPr marL="0" marR="0" lvl="0" indent="0" algn="r" defTabSz="914400" rtl="0" eaLnBrk="1" fontAlgn="auto" latinLnBrk="0" hangingPunct="1">
                         <a:lnSpc>
                           <a:spcPct val="100000"/>
                         </a:lnSpc>
@@ -14773,20 +15851,64 @@
                         <a:defRPr/>
                       </a:pPr>
                       <a:r>
-                        <a:rPr lang="pt-BR" sz="1800" b="0" dirty="0">
+                        <a:rPr lang="pt-BR" sz="2000" b="0" i="0" dirty="0">
+                          <a:solidFill>
+                            <a:srgbClr val="000000"/>
+                          </a:solidFill>
+                          <a:effectLst/>
+                          <a:latin typeface="+mn-lt"/>
+                        </a:rPr>
+                        <a:t>49.863.786.258,16</a:t>
+                      </a:r>
+                      <a:endParaRPr lang="pt-BR" sz="2000" b="0" i="0" dirty="0">
+                        <a:solidFill>
+                          <a:srgbClr val="1D1C1D"/>
+                        </a:solidFill>
+                        <a:effectLst/>
+                        <a:latin typeface="+mn-lt"/>
+                      </a:endParaRPr>
+                    </a:p>
+                  </a:txBody>
+                  <a:tcPr/>
+                </a:tc>
+                <a:tc>
+                  <a:txBody>
+                    <a:bodyPr/>
+                    <a:lstStyle/>
+                    <a:p>
+                      <a:pPr marL="0" marR="0" lvl="0" indent="0" algn="r" defTabSz="914400" rtl="0" eaLnBrk="1" fontAlgn="auto" latinLnBrk="0" hangingPunct="1">
+                        <a:lnSpc>
+                          <a:spcPct val="100000"/>
+                        </a:lnSpc>
+                        <a:spcBef>
+                          <a:spcPts val="0"/>
+                        </a:spcBef>
+                        <a:spcAft>
+                          <a:spcPts val="0"/>
+                        </a:spcAft>
+                        <a:buClrTx/>
+                        <a:buSzTx/>
+                        <a:buFontTx/>
+                        <a:buNone/>
+                        <a:tabLst/>
+                        <a:defRPr/>
+                      </a:pPr>
+                      <a:r>
+                        <a:rPr lang="pt-BR" sz="2000" b="0" dirty="0">
                           <a:solidFill>
                             <a:srgbClr val="1D1C1D"/>
                           </a:solidFill>
                           <a:effectLst/>
+                          <a:latin typeface="+mn-lt"/>
                         </a:rPr>
-                        <a:t>35.003.441.781,8334 </a:t>
+                        <a:t>35.003.441.781,83 </a:t>
                       </a:r>
-                      <a:endParaRPr lang="pt-BR" sz="1800" b="0" i="0" dirty="0">
+                      <a:endParaRPr lang="pt-BR" sz="2000" b="0" i="0" dirty="0">
                         <a:solidFill>
                           <a:srgbClr val="1D1C1D"/>
                         </a:solidFill>
                         <a:effectLst/>
-                        <a:latin typeface="Slack-Lato"/>
+                        <a:latin typeface="+mn-lt"/>
                       </a:endParaRPr>
                     </a:p>
                   </a:txBody>
@@ -14806,7 +15928,7 @@
                   </a:ext>
                 </a:extLst>
               </a:tr>
-              <a:tr h="370840">
+              <a:tr h="504134">
                 <a:tc>
                   <a:txBody>
                     <a:bodyPr/>
@@ -14846,7 +15968,7 @@
                     <a:bodyPr/>
                     <a:lstStyle/>
                     <a:p>
-                      <a:pPr marL="0" marR="0" lvl="0" indent="0" algn="l" defTabSz="914400" rtl="0" eaLnBrk="1" fontAlgn="auto" latinLnBrk="0" hangingPunct="1">
+                      <a:pPr marL="0" marR="0" lvl="0" indent="0" algn="r" defTabSz="914400" rtl="0" eaLnBrk="1" fontAlgn="auto" latinLnBrk="0" hangingPunct="1">
                         <a:lnSpc>
                           <a:spcPct val="100000"/>
                         </a:lnSpc>
@@ -14863,7 +15985,19 @@
                         <a:tabLst/>
                         <a:defRPr/>
                       </a:pPr>
-                      <a:endParaRPr lang="en-US" dirty="0"/>
+                      <a:r>
+                        <a:rPr lang="pt-BR" sz="2000" b="0" i="0" dirty="0">
+                          <a:solidFill>
+                            <a:srgbClr val="000000"/>
+                          </a:solidFill>
+                          <a:effectLst/>
+                          <a:latin typeface="+mn-lt"/>
+                        </a:rPr>
+                        <a:t>223.302,01</a:t>
+                      </a:r>
+                      <a:endParaRPr lang="en-US" sz="2000" dirty="0">
+                        <a:latin typeface="+mn-lt"/>
+                      </a:endParaRPr>
                     </a:p>
                   </a:txBody>
                   <a:tcPr>
@@ -14881,16 +16015,20 @@
                     <a:bodyPr/>
                     <a:lstStyle/>
                     <a:p>
+                      <a:pPr algn="r"/>
                       <a:r>
-                        <a:rPr lang="pt-BR" sz="1800" b="0" dirty="0">
+                        <a:rPr lang="pt-BR" sz="2000" b="0" dirty="0">
                           <a:solidFill>
                             <a:srgbClr val="1D1C1D"/>
                           </a:solidFill>
                           <a:effectLst/>
+                          <a:latin typeface="+mn-lt"/>
                         </a:rPr>
-                        <a:t>187.092,0677</a:t>
+                        <a:t>187.092,07</a:t>
                       </a:r>
-                      <a:endParaRPr lang="en-US" dirty="0"/>
+                      <a:endParaRPr lang="en-US" sz="2000" dirty="0">
+                        <a:latin typeface="+mn-lt"/>
+                      </a:endParaRPr>
                     </a:p>
                   </a:txBody>
                   <a:tcPr>
@@ -15123,14 +16261,14 @@
           <p:nvPr>
             <p:extLst>
               <p:ext uri="{D42A27DB-BD31-4B8C-83A1-F6EECF244321}">
-                <p14:modId xmlns:p14="http://schemas.microsoft.com/office/powerpoint/2010/main" val="3376155602"/>
+                <p14:modId xmlns:p14="http://schemas.microsoft.com/office/powerpoint/2010/main" val="613845527"/>
               </p:ext>
             </p:extLst>
           </p:nvPr>
         </p:nvGraphicFramePr>
         <p:xfrm>
-          <a:off x="642257" y="1905293"/>
-          <a:ext cx="10479833" cy="2265492"/>
+          <a:off x="646145" y="1909373"/>
+          <a:ext cx="10899710" cy="2265492"/>
         </p:xfrm>
         <a:graphic>
           <a:graphicData uri="http://schemas.openxmlformats.org/drawingml/2006/diagram">
@@ -15140,10 +16278,10 @@
       </p:graphicFrame>
       <p:grpSp>
         <p:nvGrpSpPr>
-          <p:cNvPr id="14" name="Group 13">
+          <p:cNvPr id="29" name="Group 28">
             <a:extLst>
               <a:ext uri="{FF2B5EF4-FFF2-40B4-BE49-F238E27FC236}">
-                <a16:creationId xmlns:a16="http://schemas.microsoft.com/office/drawing/2014/main" id="{A2B04C5A-BB69-B25C-9353-1EF36C05B8AC}"/>
+                <a16:creationId xmlns:a16="http://schemas.microsoft.com/office/drawing/2014/main" id="{64DB508A-358F-9EA3-5127-978B7E895935}"/>
               </a:ext>
             </a:extLst>
           </p:cNvPr>
@@ -15152,10 +16290,10 @@
         </p:nvGrpSpPr>
         <p:grpSpPr>
           <a:xfrm>
-            <a:off x="4738031" y="4531049"/>
-            <a:ext cx="2288284" cy="1640115"/>
-            <a:chOff x="2583560" y="312688"/>
-            <a:chExt cx="2288284" cy="1640115"/>
+            <a:off x="4425187" y="4892698"/>
+            <a:ext cx="3583590" cy="1640115"/>
+            <a:chOff x="6520201" y="5081360"/>
+            <a:chExt cx="3583590" cy="1640115"/>
           </a:xfrm>
         </p:grpSpPr>
         <p:sp>
@@ -15172,12 +16310,15 @@
           </p:nvSpPr>
           <p:spPr>
             <a:xfrm>
-              <a:off x="2583560" y="312688"/>
-              <a:ext cx="2288284" cy="1640115"/>
+              <a:off x="6520201" y="5081360"/>
+              <a:ext cx="3583590" cy="1640115"/>
             </a:xfrm>
             <a:prstGeom prst="ellipse">
               <a:avLst/>
             </a:prstGeom>
+            <a:solidFill>
+              <a:srgbClr val="5FA972"/>
+            </a:solidFill>
           </p:spPr>
           <p:style>
             <a:lnRef idx="2">
@@ -15223,12 +16364,15 @@
           </p:nvSpPr>
           <p:spPr>
             <a:xfrm>
-              <a:off x="2918671" y="552877"/>
-              <a:ext cx="1618062" cy="1159737"/>
+              <a:off x="7035282" y="5393093"/>
+              <a:ext cx="2519265" cy="1083979"/>
             </a:xfrm>
             <a:prstGeom prst="rect">
               <a:avLst/>
             </a:prstGeom>
+            <a:solidFill>
+              <a:srgbClr val="5FA972"/>
+            </a:solidFill>
           </p:spPr>
           <p:style>
             <a:lnRef idx="0">
@@ -15263,292 +16407,130 @@
                 <a:buNone/>
               </a:pPr>
               <a:r>
-                <a:rPr lang="es-ES" dirty="0" err="1"/>
+                <a:rPr lang="es-ES" sz="2800" dirty="0" err="1">
+                  <a:solidFill>
+                    <a:srgbClr val="F2F2F2"/>
+                  </a:solidFill>
+                </a:rPr>
                 <a:t>Overfitting</a:t>
               </a:r>
               <a:r>
-                <a:rPr lang="es-ES" dirty="0"/>
+                <a:rPr lang="es-ES" sz="2800" dirty="0">
+                  <a:solidFill>
+                    <a:srgbClr val="F2F2F2"/>
+                  </a:solidFill>
+                </a:rPr>
                 <a:t> </a:t>
               </a:r>
               <a:r>
-                <a:rPr lang="es-ES" dirty="0" err="1"/>
+                <a:rPr lang="es-ES" sz="2800" dirty="0" err="1">
+                  <a:solidFill>
+                    <a:srgbClr val="F2F2F2"/>
+                  </a:solidFill>
+                </a:rPr>
                 <a:t>check</a:t>
               </a:r>
-              <a:endParaRPr lang="en-US" sz="1800" kern="1200" dirty="0"/>
+              <a:endParaRPr lang="en-US" sz="2800" kern="1200" dirty="0">
+                <a:solidFill>
+                  <a:srgbClr val="F2F2F2"/>
+                </a:solidFill>
+              </a:endParaRPr>
             </a:p>
           </p:txBody>
         </p:sp>
       </p:grpSp>
-      <p:grpSp>
-        <p:nvGrpSpPr>
-          <p:cNvPr id="17" name="Group 16">
+      <p:cxnSp>
+        <p:nvCxnSpPr>
+          <p:cNvPr id="3" name="Straight Arrow Connector 2">
             <a:extLst>
               <a:ext uri="{FF2B5EF4-FFF2-40B4-BE49-F238E27FC236}">
-                <a16:creationId xmlns:a16="http://schemas.microsoft.com/office/drawing/2014/main" id="{C0997DAB-5A30-0B92-600A-5A8FA0F77DED}"/>
+                <a16:creationId xmlns:a16="http://schemas.microsoft.com/office/drawing/2014/main" id="{C6E5EF40-D4BC-4345-D532-27C03FFC7F7C}"/>
               </a:ext>
             </a:extLst>
           </p:cNvPr>
-          <p:cNvGrpSpPr/>
+          <p:cNvCxnSpPr>
+            <a:cxnSpLocks/>
+          </p:cNvCxnSpPr>
           <p:nvPr/>
-        </p:nvGrpSpPr>
-        <p:grpSpPr>
-          <a:xfrm rot="12476519">
-            <a:off x="2612758" y="4543033"/>
-            <a:ext cx="1684979" cy="456409"/>
-            <a:chOff x="2031452" y="904541"/>
-            <a:chExt cx="390156" cy="456409"/>
+        </p:nvCxnSpPr>
+        <p:spPr>
+          <a:xfrm flipH="1" flipV="1">
+            <a:off x="1726163" y="3844212"/>
+            <a:ext cx="2559065" cy="1842670"/>
           </a:xfrm>
-        </p:grpSpPr>
-        <p:sp>
-          <p:nvSpPr>
-            <p:cNvPr id="18" name="Arrow: Right 17">
-              <a:extLst>
-                <a:ext uri="{FF2B5EF4-FFF2-40B4-BE49-F238E27FC236}">
-                  <a16:creationId xmlns:a16="http://schemas.microsoft.com/office/drawing/2014/main" id="{6FAF0D5A-ECC5-8B2F-60E6-C0228A4FD5D3}"/>
-                </a:ext>
-              </a:extLst>
-            </p:cNvPr>
-            <p:cNvSpPr/>
-            <p:nvPr/>
-          </p:nvSpPr>
-          <p:spPr>
-            <a:xfrm>
-              <a:off x="2031452" y="904541"/>
-              <a:ext cx="390156" cy="456409"/>
-            </a:xfrm>
-            <a:prstGeom prst="rightArrow">
-              <a:avLst>
-                <a:gd name="adj1" fmla="val 60000"/>
-                <a:gd name="adj2" fmla="val 50000"/>
-              </a:avLst>
-            </a:prstGeom>
-          </p:spPr>
-          <p:style>
-            <a:lnRef idx="0">
-              <a:schemeClr val="accent1">
-                <a:tint val="60000"/>
-                <a:hueOff val="0"/>
-                <a:satOff val="0"/>
-                <a:lumOff val="0"/>
-                <a:alphaOff val="0"/>
+          <a:prstGeom prst="straightConnector1">
+            <a:avLst/>
+          </a:prstGeom>
+          <a:ln w="57150">
+            <a:solidFill>
+              <a:schemeClr val="bg1">
+                <a:lumMod val="65000"/>
               </a:schemeClr>
-            </a:lnRef>
-            <a:fillRef idx="1">
-              <a:schemeClr val="accent1">
-                <a:tint val="60000"/>
-                <a:hueOff val="0"/>
-                <a:satOff val="0"/>
-                <a:lumOff val="0"/>
-                <a:alphaOff val="0"/>
-              </a:schemeClr>
-            </a:fillRef>
-            <a:effectRef idx="0">
-              <a:schemeClr val="accent1">
-                <a:tint val="60000"/>
-                <a:hueOff val="0"/>
-                <a:satOff val="0"/>
-                <a:lumOff val="0"/>
-                <a:alphaOff val="0"/>
-              </a:schemeClr>
-            </a:effectRef>
-            <a:fontRef idx="minor">
-              <a:schemeClr val="lt1"/>
-            </a:fontRef>
-          </p:style>
-        </p:sp>
-        <p:sp>
-          <p:nvSpPr>
-            <p:cNvPr id="19" name="Arrow: Right 4">
-              <a:extLst>
-                <a:ext uri="{FF2B5EF4-FFF2-40B4-BE49-F238E27FC236}">
-                  <a16:creationId xmlns:a16="http://schemas.microsoft.com/office/drawing/2014/main" id="{5FC341E9-9B26-218C-C8FD-3CE4CBF28272}"/>
-                </a:ext>
-              </a:extLst>
-            </p:cNvPr>
-            <p:cNvSpPr txBox="1"/>
-            <p:nvPr/>
-          </p:nvSpPr>
-          <p:spPr>
-            <a:xfrm>
-              <a:off x="2031452" y="995823"/>
-              <a:ext cx="273109" cy="273845"/>
-            </a:xfrm>
-            <a:prstGeom prst="rect">
-              <a:avLst/>
-            </a:prstGeom>
-          </p:spPr>
-          <p:style>
-            <a:lnRef idx="0">
-              <a:scrgbClr r="0" g="0" b="0"/>
-            </a:lnRef>
-            <a:fillRef idx="0">
-              <a:scrgbClr r="0" g="0" b="0"/>
-            </a:fillRef>
-            <a:effectRef idx="0">
-              <a:scrgbClr r="0" g="0" b="0"/>
-            </a:effectRef>
-            <a:fontRef idx="minor">
-              <a:schemeClr val="lt1"/>
-            </a:fontRef>
-          </p:style>
-          <p:txBody>
-            <a:bodyPr spcFirstLastPara="0" vert="horz" wrap="square" lIns="0" tIns="0" rIns="0" bIns="0" numCol="1" spcCol="1270" anchor="ctr" anchorCtr="0">
-              <a:noAutofit/>
-            </a:bodyPr>
-            <a:lstStyle/>
-            <a:p>
-              <a:pPr marL="0" lvl="0" indent="0" algn="ctr" defTabSz="800100">
-                <a:lnSpc>
-                  <a:spcPct val="90000"/>
-                </a:lnSpc>
-                <a:spcBef>
-                  <a:spcPct val="0"/>
-                </a:spcBef>
-                <a:spcAft>
-                  <a:spcPct val="35000"/>
-                </a:spcAft>
-                <a:buNone/>
-              </a:pPr>
-              <a:endParaRPr lang="en-US" sz="1800" kern="1200"/>
-            </a:p>
-          </p:txBody>
-        </p:sp>
-      </p:grpSp>
-      <p:grpSp>
-        <p:nvGrpSpPr>
-          <p:cNvPr id="20" name="Group 19">
+            </a:solidFill>
+            <a:tailEnd type="triangle"/>
+          </a:ln>
+        </p:spPr>
+        <p:style>
+          <a:lnRef idx="1">
+            <a:schemeClr val="accent1"/>
+          </a:lnRef>
+          <a:fillRef idx="0">
+            <a:schemeClr val="accent1"/>
+          </a:fillRef>
+          <a:effectRef idx="0">
+            <a:schemeClr val="accent1"/>
+          </a:effectRef>
+          <a:fontRef idx="minor">
+            <a:schemeClr val="tx1"/>
+          </a:fontRef>
+        </p:style>
+      </p:cxnSp>
+      <p:cxnSp>
+        <p:nvCxnSpPr>
+          <p:cNvPr id="27" name="Straight Arrow Connector 26">
             <a:extLst>
               <a:ext uri="{FF2B5EF4-FFF2-40B4-BE49-F238E27FC236}">
-                <a16:creationId xmlns:a16="http://schemas.microsoft.com/office/drawing/2014/main" id="{F9DB2D49-68FA-ADAA-2843-8408567139A2}"/>
+                <a16:creationId xmlns:a16="http://schemas.microsoft.com/office/drawing/2014/main" id="{DA8078BE-1795-8267-86DA-5B862098207D}"/>
               </a:ext>
             </a:extLst>
           </p:cNvPr>
-          <p:cNvGrpSpPr/>
+          <p:cNvCxnSpPr>
+            <a:cxnSpLocks/>
+          </p:cNvCxnSpPr>
           <p:nvPr/>
-        </p:nvGrpSpPr>
-        <p:grpSpPr>
-          <a:xfrm rot="19647853">
-            <a:off x="7386969" y="4543032"/>
-            <a:ext cx="1684979" cy="456409"/>
-            <a:chOff x="2031452" y="904541"/>
-            <a:chExt cx="390156" cy="456409"/>
+        </p:nvCxnSpPr>
+        <p:spPr>
+          <a:xfrm flipV="1">
+            <a:off x="8148736" y="3946849"/>
+            <a:ext cx="2208244" cy="1740033"/>
           </a:xfrm>
-        </p:grpSpPr>
-        <p:sp>
-          <p:nvSpPr>
-            <p:cNvPr id="21" name="Arrow: Right 20">
-              <a:extLst>
-                <a:ext uri="{FF2B5EF4-FFF2-40B4-BE49-F238E27FC236}">
-                  <a16:creationId xmlns:a16="http://schemas.microsoft.com/office/drawing/2014/main" id="{BD30BBD5-98DC-6FBC-005A-3B415561FBB8}"/>
-                </a:ext>
-              </a:extLst>
-            </p:cNvPr>
-            <p:cNvSpPr/>
-            <p:nvPr/>
-          </p:nvSpPr>
-          <p:spPr>
-            <a:xfrm>
-              <a:off x="2031452" y="904541"/>
-              <a:ext cx="390156" cy="456409"/>
-            </a:xfrm>
-            <a:prstGeom prst="rightArrow">
-              <a:avLst>
-                <a:gd name="adj1" fmla="val 60000"/>
-                <a:gd name="adj2" fmla="val 50000"/>
-              </a:avLst>
-            </a:prstGeom>
-          </p:spPr>
-          <p:style>
-            <a:lnRef idx="0">
-              <a:schemeClr val="accent1">
-                <a:tint val="60000"/>
-                <a:hueOff val="0"/>
-                <a:satOff val="0"/>
-                <a:lumOff val="0"/>
-                <a:alphaOff val="0"/>
+          <a:prstGeom prst="straightConnector1">
+            <a:avLst/>
+          </a:prstGeom>
+          <a:ln w="57150">
+            <a:solidFill>
+              <a:schemeClr val="bg1">
+                <a:lumMod val="65000"/>
               </a:schemeClr>
-            </a:lnRef>
-            <a:fillRef idx="1">
-              <a:schemeClr val="accent1">
-                <a:tint val="60000"/>
-                <a:hueOff val="0"/>
-                <a:satOff val="0"/>
-                <a:lumOff val="0"/>
-                <a:alphaOff val="0"/>
-              </a:schemeClr>
-            </a:fillRef>
-            <a:effectRef idx="0">
-              <a:schemeClr val="accent1">
-                <a:tint val="60000"/>
-                <a:hueOff val="0"/>
-                <a:satOff val="0"/>
-                <a:lumOff val="0"/>
-                <a:alphaOff val="0"/>
-              </a:schemeClr>
-            </a:effectRef>
-            <a:fontRef idx="minor">
-              <a:schemeClr val="lt1"/>
-            </a:fontRef>
-          </p:style>
-        </p:sp>
-        <p:sp>
-          <p:nvSpPr>
-            <p:cNvPr id="22" name="Arrow: Right 4">
-              <a:extLst>
-                <a:ext uri="{FF2B5EF4-FFF2-40B4-BE49-F238E27FC236}">
-                  <a16:creationId xmlns:a16="http://schemas.microsoft.com/office/drawing/2014/main" id="{186273E1-44D1-78B3-34BD-1151B6B4A531}"/>
-                </a:ext>
-              </a:extLst>
-            </p:cNvPr>
-            <p:cNvSpPr txBox="1"/>
-            <p:nvPr/>
-          </p:nvSpPr>
-          <p:spPr>
-            <a:xfrm>
-              <a:off x="2031452" y="995823"/>
-              <a:ext cx="273109" cy="273845"/>
-            </a:xfrm>
-            <a:prstGeom prst="rect">
-              <a:avLst/>
-            </a:prstGeom>
-          </p:spPr>
-          <p:style>
-            <a:lnRef idx="0">
-              <a:scrgbClr r="0" g="0" b="0"/>
-            </a:lnRef>
-            <a:fillRef idx="0">
-              <a:scrgbClr r="0" g="0" b="0"/>
-            </a:fillRef>
-            <a:effectRef idx="0">
-              <a:scrgbClr r="0" g="0" b="0"/>
-            </a:effectRef>
-            <a:fontRef idx="minor">
-              <a:schemeClr val="lt1"/>
-            </a:fontRef>
-          </p:style>
-          <p:txBody>
-            <a:bodyPr spcFirstLastPara="0" vert="horz" wrap="square" lIns="0" tIns="0" rIns="0" bIns="0" numCol="1" spcCol="1270" anchor="ctr" anchorCtr="0">
-              <a:noAutofit/>
-            </a:bodyPr>
-            <a:lstStyle/>
-            <a:p>
-              <a:pPr marL="0" lvl="0" indent="0" algn="ctr" defTabSz="800100">
-                <a:lnSpc>
-                  <a:spcPct val="90000"/>
-                </a:lnSpc>
-                <a:spcBef>
-                  <a:spcPct val="0"/>
-                </a:spcBef>
-                <a:spcAft>
-                  <a:spcPct val="35000"/>
-                </a:spcAft>
-                <a:buNone/>
-              </a:pPr>
-              <a:endParaRPr lang="en-US" sz="1800" kern="1200"/>
-            </a:p>
-          </p:txBody>
-        </p:sp>
-      </p:grpSp>
+            </a:solidFill>
+            <a:tailEnd type="triangle"/>
+          </a:ln>
+        </p:spPr>
+        <p:style>
+          <a:lnRef idx="1">
+            <a:schemeClr val="accent1"/>
+          </a:lnRef>
+          <a:fillRef idx="0">
+            <a:schemeClr val="accent1"/>
+          </a:fillRef>
+          <a:effectRef idx="0">
+            <a:schemeClr val="accent1"/>
+          </a:effectRef>
+          <a:fontRef idx="minor">
+            <a:schemeClr val="tx1"/>
+          </a:fontRef>
+        </p:style>
+      </p:cxnSp>
     </p:spTree>
     <p:extLst>
       <p:ext uri="{BB962C8B-B14F-4D97-AF65-F5344CB8AC3E}">
